--- a/Presentation.pptx
+++ b/Presentation.pptx
@@ -188,7 +188,7 @@
             <a:fld id="{1D8BD707-D9CF-40AE-B4C6-C98DA3205C09}" type="datetimeFigureOut">
               <a:rPr lang="en-US" smtClean="0"/>
               <a:pPr/>
-              <a:t>8/30/2018</a:t>
+              <a:t>8/31/2018</a:t>
             </a:fld>
             <a:endParaRPr lang="en-US"/>
           </a:p>
@@ -715,7 +715,7 @@
             <a:fld id="{1D8BD707-D9CF-40AE-B4C6-C98DA3205C09}" type="datetimeFigureOut">
               <a:rPr lang="en-US" smtClean="0"/>
               <a:pPr/>
-              <a:t>8/30/2018</a:t>
+              <a:t>8/31/2018</a:t>
             </a:fld>
             <a:endParaRPr lang="en-US"/>
           </a:p>
@@ -1031,7 +1031,7 @@
             <a:fld id="{1D8BD707-D9CF-40AE-B4C6-C98DA3205C09}" type="datetimeFigureOut">
               <a:rPr lang="en-US" smtClean="0"/>
               <a:pPr/>
-              <a:t>8/30/2018</a:t>
+              <a:t>8/31/2018</a:t>
             </a:fld>
             <a:endParaRPr lang="en-US"/>
           </a:p>
@@ -1314,7 +1314,7 @@
             <a:fld id="{1D8BD707-D9CF-40AE-B4C6-C98DA3205C09}" type="datetimeFigureOut">
               <a:rPr lang="en-US" smtClean="0"/>
               <a:pPr/>
-              <a:t>8/30/2018</a:t>
+              <a:t>8/31/2018</a:t>
             </a:fld>
             <a:endParaRPr lang="en-US"/>
           </a:p>
@@ -1886,7 +1886,7 @@
             <a:fld id="{1D8BD707-D9CF-40AE-B4C6-C98DA3205C09}" type="datetimeFigureOut">
               <a:rPr lang="en-US" smtClean="0"/>
               <a:pPr/>
-              <a:t>8/30/2018</a:t>
+              <a:t>8/31/2018</a:t>
             </a:fld>
             <a:endParaRPr lang="en-US"/>
           </a:p>
@@ -1978,7 +1978,7 @@
             <a:fld id="{1D8BD707-D9CF-40AE-B4C6-C98DA3205C09}" type="datetimeFigureOut">
               <a:rPr lang="en-US" smtClean="0"/>
               <a:pPr/>
-              <a:t>8/30/2018</a:t>
+              <a:t>8/31/2018</a:t>
             </a:fld>
             <a:endParaRPr lang="en-US"/>
           </a:p>
@@ -2689,7 +2689,7 @@
             <a:fld id="{1D8BD707-D9CF-40AE-B4C6-C98DA3205C09}" type="datetimeFigureOut">
               <a:rPr lang="en-US" smtClean="0"/>
               <a:pPr/>
-              <a:t>8/30/2018</a:t>
+              <a:t>8/31/2018</a:t>
             </a:fld>
             <a:endParaRPr lang="en-US"/>
           </a:p>
@@ -2943,7 +2943,7 @@
             <a:fld id="{1D8BD707-D9CF-40AE-B4C6-C98DA3205C09}" type="datetimeFigureOut">
               <a:rPr lang="en-US" smtClean="0"/>
               <a:pPr/>
-              <a:t>8/30/2018</a:t>
+              <a:t>8/31/2018</a:t>
             </a:fld>
             <a:endParaRPr lang="en-US"/>
           </a:p>
@@ -3174,7 +3174,7 @@
             <a:fld id="{1D8BD707-D9CF-40AE-B4C6-C98DA3205C09}" type="datetimeFigureOut">
               <a:rPr lang="en-US" smtClean="0"/>
               <a:pPr/>
-              <a:t>8/30/2018</a:t>
+              <a:t>8/31/2018</a:t>
             </a:fld>
             <a:endParaRPr lang="en-US"/>
           </a:p>
@@ -3450,7 +3450,7 @@
             <a:fld id="{1D8BD707-D9CF-40AE-B4C6-C98DA3205C09}" type="datetimeFigureOut">
               <a:rPr lang="en-US" smtClean="0"/>
               <a:pPr/>
-              <a:t>8/30/2018</a:t>
+              <a:t>8/31/2018</a:t>
             </a:fld>
             <a:endParaRPr lang="en-US"/>
           </a:p>
@@ -3738,7 +3738,7 @@
             <a:fld id="{1D8BD707-D9CF-40AE-B4C6-C98DA3205C09}" type="datetimeFigureOut">
               <a:rPr lang="en-US" smtClean="0"/>
               <a:pPr/>
-              <a:t>8/30/2018</a:t>
+              <a:t>8/31/2018</a:t>
             </a:fld>
             <a:endParaRPr lang="en-US"/>
           </a:p>
@@ -4008,7 +4008,7 @@
             <a:fld id="{1D8BD707-D9CF-40AE-B4C6-C98DA3205C09}" type="datetimeFigureOut">
               <a:rPr lang="en-US" smtClean="0"/>
               <a:pPr/>
-              <a:t>8/30/2018</a:t>
+              <a:t>8/31/2018</a:t>
             </a:fld>
             <a:endParaRPr lang="en-US"/>
           </a:p>
@@ -4547,13 +4547,13 @@
   <p:clrMapOvr>
     <a:masterClrMapping/>
   </p:clrMapOvr>
-  <mc:AlternateContent xmlns:mc="http://schemas.openxmlformats.org/markup-compatibility/2006">
-    <mc:Choice xmlns:p14="http://schemas.microsoft.com/office/powerpoint/2010/main" Requires="p14">
+  <mc:AlternateContent xmlns:mc="http://schemas.openxmlformats.org/markup-compatibility/2006" xmlns:p14="http://schemas.microsoft.com/office/powerpoint/2010/main">
+    <mc:Choice Requires="p14">
       <p:transition spd="slow" p14:dur="1500">
         <p:split orient="vert"/>
       </p:transition>
     </mc:Choice>
-    <mc:Fallback>
+    <mc:Fallback xmlns="">
       <p:transition spd="slow">
         <p:split orient="vert"/>
       </p:transition>
@@ -4678,18 +4678,23 @@
             <p:ph idx="1"/>
           </p:nvPr>
         </p:nvSpPr>
-        <p:spPr/>
+        <p:spPr>
+          <a:xfrm>
+            <a:off x="381000" y="2209801"/>
+            <a:ext cx="7745505" cy="1828799"/>
+          </a:xfrm>
+        </p:spPr>
         <p:txBody>
           <a:bodyPr>
-            <a:normAutofit fontScale="92500"/>
+            <a:normAutofit/>
           </a:bodyPr>
           <a:lstStyle/>
           <a:p>
             <a:r>
-              <a:rPr lang="en-US" b="1" u="sng" dirty="0" smtClean="0"/>
+              <a:rPr lang="en-US" sz="2000" b="1" u="sng" dirty="0" smtClean="0"/>
               <a:t>RESTRICTION IN ROATING ROOMS: </a:t>
             </a:r>
-            <a:endParaRPr lang="en-US" dirty="0"/>
+            <a:endParaRPr lang="en-US" sz="2000" dirty="0"/>
           </a:p>
           <a:p>
             <a:pPr lvl="1">
@@ -4697,7 +4702,7 @@
               <a:buChar char="ü"/>
             </a:pPr>
             <a:r>
-              <a:rPr lang="en-US" dirty="0"/>
+              <a:rPr lang="en-US" sz="2000" dirty="0"/>
               <a:t>The rooms can be rotated only clockwise 90º .</a:t>
             </a:r>
           </a:p>
@@ -4707,7 +4712,7 @@
               <a:buChar char="ü"/>
             </a:pPr>
             <a:r>
-              <a:rPr lang="en-US" dirty="0"/>
+              <a:rPr lang="en-US" sz="2000" dirty="0"/>
               <a:t>A player cannot use rotation gears in consecutive moves.</a:t>
             </a:r>
           </a:p>
@@ -4717,64 +4722,11 @@
               <a:buChar char="ü"/>
             </a:pPr>
             <a:r>
-              <a:rPr lang="en-US" dirty="0"/>
+              <a:rPr lang="en-US" sz="2000" dirty="0"/>
               <a:t>A room cannot be rotated if the opponent’s King is present in that room.</a:t>
             </a:r>
           </a:p>
           <a:p>
-            <a:r>
-              <a:rPr lang="en-US" b="1" u="sng" dirty="0" smtClean="0"/>
-              <a:t>ROTATION RESTRICTIONS:</a:t>
-            </a:r>
-            <a:r>
-              <a:rPr lang="en-US" dirty="0" smtClean="0"/>
-              <a:t> </a:t>
-            </a:r>
-          </a:p>
-          <a:p>
-            <a:pPr lvl="1">
-              <a:buFont typeface="Wingdings" panose="05000000000000000000" pitchFamily="2" charset="2"/>
-              <a:buChar char="ü"/>
-            </a:pPr>
-            <a:r>
-              <a:rPr lang="en-US" dirty="0" smtClean="0"/>
-              <a:t>The rooms can be rotated only clockwise 90</a:t>
-            </a:r>
-            <a:r>
-              <a:rPr lang="en-US" dirty="0" smtClean="0">
-                <a:latin typeface="Book Antiqua"/>
-              </a:rPr>
-              <a:t>º .</a:t>
-            </a:r>
-          </a:p>
-          <a:p>
-            <a:pPr lvl="1">
-              <a:buFont typeface="Wingdings" panose="05000000000000000000" pitchFamily="2" charset="2"/>
-              <a:buChar char="ü"/>
-            </a:pPr>
-            <a:r>
-              <a:rPr lang="en-US" dirty="0" smtClean="0">
-                <a:latin typeface="Book Antiqua"/>
-              </a:rPr>
-              <a:t>A player cannot use rotation gears in consecutive moves.</a:t>
-            </a:r>
-          </a:p>
-          <a:p>
-            <a:pPr lvl="1">
-              <a:buFont typeface="Wingdings" panose="05000000000000000000" pitchFamily="2" charset="2"/>
-              <a:buChar char="ü"/>
-            </a:pPr>
-            <a:r>
-              <a:rPr lang="en-US" dirty="0" smtClean="0">
-                <a:latin typeface="Book Antiqua"/>
-              </a:rPr>
-              <a:t>A room cannot be rotated if the opponent’s King is present in that room.</a:t>
-            </a:r>
-          </a:p>
-          <a:p>
-            <a:pPr marL="0" indent="0">
-              <a:buNone/>
-            </a:pPr>
             <a:endParaRPr lang="en-US" dirty="0" smtClean="0"/>
           </a:p>
         </p:txBody>
@@ -4803,6 +4755,706 @@
               <a:t> Rules</a:t>
             </a:r>
             <a:endParaRPr lang="en-US" dirty="0"/>
+          </a:p>
+        </p:txBody>
+      </p:sp>
+      <p:pic>
+        <p:nvPicPr>
+          <p:cNvPr id="1026" name="Picture 2"/>
+          <p:cNvPicPr>
+            <a:picLocks noChangeAspect="1" noChangeArrowheads="1"/>
+          </p:cNvPicPr>
+          <p:nvPr/>
+        </p:nvPicPr>
+        <p:blipFill rotWithShape="1">
+          <a:blip r:embed="rId2">
+            <a:extLst>
+              <a:ext uri="{28A0092B-C50C-407E-A947-70E740481C1C}">
+                <a14:useLocalDpi xmlns:a14="http://schemas.microsoft.com/office/drawing/2010/main" val="0"/>
+              </a:ext>
+            </a:extLst>
+          </a:blip>
+          <a:srcRect r="-896" b="373"/>
+          <a:stretch/>
+        </p:blipFill>
+        <p:spPr bwMode="auto">
+          <a:xfrm>
+            <a:off x="6477000" y="4267200"/>
+            <a:ext cx="2229612" cy="2239518"/>
+          </a:xfrm>
+          <a:prstGeom prst="rect">
+            <a:avLst/>
+          </a:prstGeom>
+          <a:noFill/>
+          <a:ln>
+            <a:noFill/>
+          </a:ln>
+          <a:extLst>
+            <a:ext uri="{909E8E84-426E-40DD-AFC4-6F175D3DCCD1}">
+              <a14:hiddenFill xmlns:a14="http://schemas.microsoft.com/office/drawing/2010/main">
+                <a:solidFill>
+                  <a:schemeClr val="accent1"/>
+                </a:solidFill>
+              </a14:hiddenFill>
+            </a:ext>
+            <a:ext uri="{91240B29-F687-4F45-9708-019B960494DF}">
+              <a14:hiddenLine xmlns:a14="http://schemas.microsoft.com/office/drawing/2010/main" w="9525">
+                <a:solidFill>
+                  <a:schemeClr val="tx1"/>
+                </a:solidFill>
+                <a:miter lim="800000"/>
+                <a:headEnd/>
+                <a:tailEnd/>
+              </a14:hiddenLine>
+            </a:ext>
+          </a:extLst>
+        </p:spPr>
+      </p:pic>
+      <p:sp>
+        <p:nvSpPr>
+          <p:cNvPr id="6" name="Content Placeholder 2"/>
+          <p:cNvSpPr txBox="1">
+            <a:spLocks/>
+          </p:cNvSpPr>
+          <p:nvPr/>
+        </p:nvSpPr>
+        <p:spPr>
+          <a:xfrm>
+            <a:off x="457201" y="4038600"/>
+            <a:ext cx="5791200" cy="3877815"/>
+          </a:xfrm>
+          <a:prstGeom prst="rect">
+            <a:avLst/>
+          </a:prstGeom>
+        </p:spPr>
+        <p:txBody>
+          <a:bodyPr vert="horz" lIns="91440" tIns="45720" rIns="91440" bIns="45720" rtlCol="0">
+            <a:normAutofit/>
+          </a:bodyPr>
+          <a:lstStyle>
+            <a:lvl1pPr marL="365760" indent="-365760" algn="l" defTabSz="914400" rtl="0" eaLnBrk="1" latinLnBrk="0" hangingPunct="1">
+              <a:spcBef>
+                <a:spcPct val="20000"/>
+              </a:spcBef>
+              <a:buClr>
+                <a:schemeClr val="accent1"/>
+              </a:buClr>
+              <a:buFont typeface="Wingdings" pitchFamily="2" charset="2"/>
+              <a:buChar char=""/>
+              <a:defRPr sz="2400" kern="1200">
+                <a:solidFill>
+                  <a:schemeClr val="tx1">
+                    <a:lumMod val="85000"/>
+                    <a:lumOff val="15000"/>
+                  </a:schemeClr>
+                </a:solidFill>
+                <a:latin typeface="+mn-lt"/>
+                <a:ea typeface="+mn-ea"/>
+                <a:cs typeface="+mn-cs"/>
+              </a:defRPr>
+            </a:lvl1pPr>
+            <a:lvl2pPr marL="777240" indent="-365760" algn="l" defTabSz="914400" rtl="0" eaLnBrk="1" latinLnBrk="0" hangingPunct="1">
+              <a:spcBef>
+                <a:spcPct val="20000"/>
+              </a:spcBef>
+              <a:buClr>
+                <a:schemeClr val="accent1"/>
+              </a:buClr>
+              <a:buFont typeface="Wingdings" pitchFamily="2" charset="2"/>
+              <a:buChar char=""/>
+              <a:defRPr sz="2200" kern="1200">
+                <a:solidFill>
+                  <a:schemeClr val="tx1">
+                    <a:lumMod val="85000"/>
+                    <a:lumOff val="15000"/>
+                  </a:schemeClr>
+                </a:solidFill>
+                <a:latin typeface="+mn-lt"/>
+                <a:ea typeface="+mn-ea"/>
+                <a:cs typeface="+mn-cs"/>
+              </a:defRPr>
+            </a:lvl2pPr>
+            <a:lvl3pPr marL="1143000" indent="-365760" algn="l" defTabSz="914400" rtl="0" eaLnBrk="1" latinLnBrk="0" hangingPunct="1">
+              <a:spcBef>
+                <a:spcPct val="20000"/>
+              </a:spcBef>
+              <a:buClr>
+                <a:schemeClr val="accent1"/>
+              </a:buClr>
+              <a:buFont typeface="Wingdings" pitchFamily="2" charset="2"/>
+              <a:buChar char=""/>
+              <a:defRPr sz="2000" kern="1200">
+                <a:solidFill>
+                  <a:schemeClr val="tx1">
+                    <a:lumMod val="85000"/>
+                    <a:lumOff val="15000"/>
+                  </a:schemeClr>
+                </a:solidFill>
+                <a:latin typeface="+mn-lt"/>
+                <a:ea typeface="+mn-ea"/>
+                <a:cs typeface="+mn-cs"/>
+              </a:defRPr>
+            </a:lvl3pPr>
+            <a:lvl4pPr marL="1508760" indent="-320040" algn="l" defTabSz="914400" rtl="0" eaLnBrk="1" latinLnBrk="0" hangingPunct="1">
+              <a:spcBef>
+                <a:spcPct val="20000"/>
+              </a:spcBef>
+              <a:buClr>
+                <a:schemeClr val="accent1"/>
+              </a:buClr>
+              <a:buFont typeface="Wingdings" pitchFamily="2" charset="2"/>
+              <a:buChar char=""/>
+              <a:defRPr sz="1800" kern="1200">
+                <a:solidFill>
+                  <a:schemeClr val="tx1">
+                    <a:lumMod val="85000"/>
+                    <a:lumOff val="15000"/>
+                  </a:schemeClr>
+                </a:solidFill>
+                <a:latin typeface="+mn-lt"/>
+                <a:ea typeface="+mn-ea"/>
+                <a:cs typeface="+mn-cs"/>
+              </a:defRPr>
+            </a:lvl4pPr>
+            <a:lvl5pPr marL="1828800" indent="-320040" algn="l" defTabSz="914400" rtl="0" eaLnBrk="1" latinLnBrk="0" hangingPunct="1">
+              <a:spcBef>
+                <a:spcPct val="20000"/>
+              </a:spcBef>
+              <a:buClr>
+                <a:schemeClr val="accent1"/>
+              </a:buClr>
+              <a:buFont typeface="Wingdings" pitchFamily="2" charset="2"/>
+              <a:buChar char=""/>
+              <a:defRPr sz="1600" kern="1200">
+                <a:solidFill>
+                  <a:schemeClr val="tx1">
+                    <a:lumMod val="85000"/>
+                    <a:lumOff val="15000"/>
+                  </a:schemeClr>
+                </a:solidFill>
+                <a:latin typeface="+mn-lt"/>
+                <a:ea typeface="+mn-ea"/>
+                <a:cs typeface="+mn-cs"/>
+              </a:defRPr>
+            </a:lvl5pPr>
+            <a:lvl6pPr marL="2148840" indent="-274320" algn="l" defTabSz="914400" rtl="0" eaLnBrk="1" latinLnBrk="0" hangingPunct="1">
+              <a:spcBef>
+                <a:spcPts val="400"/>
+              </a:spcBef>
+              <a:buClr>
+                <a:schemeClr val="accent1"/>
+              </a:buClr>
+              <a:buFont typeface="Wingdings" pitchFamily="2" charset="2"/>
+              <a:buChar char=""/>
+              <a:defRPr sz="1400" kern="1200">
+                <a:solidFill>
+                  <a:schemeClr val="tx1"/>
+                </a:solidFill>
+                <a:latin typeface="+mn-lt"/>
+                <a:ea typeface="+mn-ea"/>
+                <a:cs typeface="+mn-cs"/>
+              </a:defRPr>
+            </a:lvl6pPr>
+            <a:lvl7pPr marL="2468880" indent="-274320" algn="l" defTabSz="914400" rtl="0" eaLnBrk="1" latinLnBrk="0" hangingPunct="1">
+              <a:spcBef>
+                <a:spcPts val="400"/>
+              </a:spcBef>
+              <a:buClr>
+                <a:schemeClr val="accent1"/>
+              </a:buClr>
+              <a:buFont typeface="Wingdings" pitchFamily="2" charset="2"/>
+              <a:buChar char=""/>
+              <a:defRPr sz="1400" kern="1200">
+                <a:solidFill>
+                  <a:schemeClr val="tx1"/>
+                </a:solidFill>
+                <a:latin typeface="+mn-lt"/>
+                <a:ea typeface="+mn-ea"/>
+                <a:cs typeface="+mn-cs"/>
+              </a:defRPr>
+            </a:lvl7pPr>
+            <a:lvl8pPr marL="2788920" indent="-274320" algn="l" defTabSz="914400" rtl="0" eaLnBrk="1" latinLnBrk="0" hangingPunct="1">
+              <a:spcBef>
+                <a:spcPts val="400"/>
+              </a:spcBef>
+              <a:buClr>
+                <a:schemeClr val="accent1"/>
+              </a:buClr>
+              <a:buFont typeface="Wingdings" pitchFamily="2" charset="2"/>
+              <a:buChar char=""/>
+              <a:defRPr sz="1400" kern="1200">
+                <a:solidFill>
+                  <a:schemeClr val="tx1"/>
+                </a:solidFill>
+                <a:latin typeface="+mn-lt"/>
+                <a:ea typeface="+mn-ea"/>
+                <a:cs typeface="+mn-cs"/>
+              </a:defRPr>
+            </a:lvl8pPr>
+            <a:lvl9pPr marL="3108960" indent="-274320" algn="l" defTabSz="914400" rtl="0" eaLnBrk="1" latinLnBrk="0" hangingPunct="1">
+              <a:spcBef>
+                <a:spcPts val="400"/>
+              </a:spcBef>
+              <a:buClr>
+                <a:schemeClr val="accent1"/>
+              </a:buClr>
+              <a:buFont typeface="Wingdings" pitchFamily="2" charset="2"/>
+              <a:buChar char=""/>
+              <a:defRPr sz="1400" kern="1200">
+                <a:solidFill>
+                  <a:schemeClr val="tx1"/>
+                </a:solidFill>
+                <a:latin typeface="+mn-lt"/>
+                <a:ea typeface="+mn-ea"/>
+                <a:cs typeface="+mn-cs"/>
+              </a:defRPr>
+            </a:lvl9pPr>
+          </a:lstStyle>
+          <a:p>
+            <a:r>
+              <a:rPr lang="en-US" b="1" u="sng" dirty="0" smtClean="0"/>
+              <a:t>MOVEMENT </a:t>
+            </a:r>
+            <a:r>
+              <a:rPr lang="en-US" b="1" u="sng" dirty="0"/>
+              <a:t>OF THE BISHOP: </a:t>
+            </a:r>
+          </a:p>
+          <a:p>
+            <a:pPr lvl="1">
+              <a:buFont typeface="Wingdings" panose="05000000000000000000" pitchFamily="2" charset="2"/>
+              <a:buChar char="ü"/>
+            </a:pPr>
+            <a:r>
+              <a:rPr lang="en-US" dirty="0"/>
+              <a:t>The bishop cannot cross a </a:t>
+            </a:r>
+            <a:r>
+              <a:rPr lang="en-US" dirty="0" smtClean="0"/>
+              <a:t>cornered wall as shown in move A.</a:t>
+            </a:r>
+          </a:p>
+          <a:p>
+            <a:pPr lvl="1">
+              <a:buFont typeface="Wingdings" panose="05000000000000000000" pitchFamily="2" charset="2"/>
+              <a:buChar char="ü"/>
+            </a:pPr>
+            <a:r>
+              <a:rPr lang="en-US" dirty="0" smtClean="0"/>
+              <a:t>The bishop can however cross a single wall from the edge as shown in move B , but not move C.</a:t>
+            </a:r>
+            <a:endParaRPr lang="en-US" dirty="0"/>
+          </a:p>
+          <a:p>
+            <a:endParaRPr lang="en-US" dirty="0" smtClean="0"/>
+          </a:p>
+        </p:txBody>
+      </p:sp>
+      <p:cxnSp>
+        <p:nvCxnSpPr>
+          <p:cNvPr id="7" name="Straight Arrow Connector 6"/>
+          <p:cNvCxnSpPr/>
+          <p:nvPr/>
+        </p:nvCxnSpPr>
+        <p:spPr>
+          <a:xfrm flipV="1">
+            <a:off x="7696200" y="4648200"/>
+            <a:ext cx="609600" cy="609600"/>
+          </a:xfrm>
+          <a:prstGeom prst="straightConnector1">
+            <a:avLst/>
+          </a:prstGeom>
+          <a:ln>
+            <a:tailEnd type="arrow"/>
+          </a:ln>
+        </p:spPr>
+        <p:style>
+          <a:lnRef idx="1">
+            <a:schemeClr val="accent1"/>
+          </a:lnRef>
+          <a:fillRef idx="0">
+            <a:schemeClr val="accent1"/>
+          </a:fillRef>
+          <a:effectRef idx="0">
+            <a:schemeClr val="accent1"/>
+          </a:effectRef>
+          <a:fontRef idx="minor">
+            <a:schemeClr val="tx1"/>
+          </a:fontRef>
+        </p:style>
+      </p:cxnSp>
+      <p:cxnSp>
+        <p:nvCxnSpPr>
+          <p:cNvPr id="9" name="Straight Arrow Connector 8"/>
+          <p:cNvCxnSpPr/>
+          <p:nvPr/>
+        </p:nvCxnSpPr>
+        <p:spPr>
+          <a:xfrm>
+            <a:off x="7696200" y="5486400"/>
+            <a:ext cx="609600" cy="685800"/>
+          </a:xfrm>
+          <a:prstGeom prst="straightConnector1">
+            <a:avLst/>
+          </a:prstGeom>
+          <a:ln>
+            <a:tailEnd type="arrow"/>
+          </a:ln>
+        </p:spPr>
+        <p:style>
+          <a:lnRef idx="1">
+            <a:schemeClr val="accent1"/>
+          </a:lnRef>
+          <a:fillRef idx="0">
+            <a:schemeClr val="accent1"/>
+          </a:fillRef>
+          <a:effectRef idx="0">
+            <a:schemeClr val="accent1"/>
+          </a:effectRef>
+          <a:fontRef idx="minor">
+            <a:schemeClr val="tx1"/>
+          </a:fontRef>
+        </p:style>
+      </p:cxnSp>
+      <p:cxnSp>
+        <p:nvCxnSpPr>
+          <p:cNvPr id="11" name="Straight Arrow Connector 10"/>
+          <p:cNvCxnSpPr/>
+          <p:nvPr/>
+        </p:nvCxnSpPr>
+        <p:spPr>
+          <a:xfrm flipH="1" flipV="1">
+            <a:off x="6781800" y="4572000"/>
+            <a:ext cx="609600" cy="738759"/>
+          </a:xfrm>
+          <a:prstGeom prst="straightConnector1">
+            <a:avLst/>
+          </a:prstGeom>
+          <a:ln>
+            <a:tailEnd type="arrow"/>
+          </a:ln>
+        </p:spPr>
+        <p:style>
+          <a:lnRef idx="1">
+            <a:schemeClr val="accent1"/>
+          </a:lnRef>
+          <a:fillRef idx="0">
+            <a:schemeClr val="accent1"/>
+          </a:fillRef>
+          <a:effectRef idx="0">
+            <a:schemeClr val="accent1"/>
+          </a:effectRef>
+          <a:fontRef idx="minor">
+            <a:schemeClr val="tx1"/>
+          </a:fontRef>
+        </p:style>
+      </p:cxnSp>
+      <p:sp>
+        <p:nvSpPr>
+          <p:cNvPr id="12" name="Multiply 11"/>
+          <p:cNvSpPr/>
+          <p:nvPr/>
+        </p:nvSpPr>
+        <p:spPr>
+          <a:xfrm rot="20705000">
+            <a:off x="7837745" y="4700626"/>
+            <a:ext cx="457201" cy="381000"/>
+          </a:xfrm>
+          <a:prstGeom prst="mathMultiply">
+            <a:avLst>
+              <a:gd name="adj1" fmla="val 9120"/>
+            </a:avLst>
+          </a:prstGeom>
+          <a:solidFill>
+            <a:srgbClr val="FF0000"/>
+          </a:solidFill>
+        </p:spPr>
+        <p:style>
+          <a:lnRef idx="2">
+            <a:schemeClr val="accent1">
+              <a:shade val="50000"/>
+            </a:schemeClr>
+          </a:lnRef>
+          <a:fillRef idx="1">
+            <a:schemeClr val="accent1"/>
+          </a:fillRef>
+          <a:effectRef idx="0">
+            <a:schemeClr val="accent1"/>
+          </a:effectRef>
+          <a:fontRef idx="minor">
+            <a:schemeClr val="lt1"/>
+          </a:fontRef>
+        </p:style>
+        <p:txBody>
+          <a:bodyPr rtlCol="0" anchor="ctr"/>
+          <a:lstStyle/>
+          <a:p>
+            <a:pPr algn="ctr"/>
+            <a:endParaRPr lang="en-US" dirty="0" smtClean="0">
+              <a:ln>
+                <a:solidFill>
+                  <a:srgbClr val="FF0000"/>
+                </a:solidFill>
+              </a:ln>
+              <a:solidFill>
+                <a:srgbClr val="FF0000"/>
+              </a:solidFill>
+            </a:endParaRPr>
+          </a:p>
+          <a:p>
+            <a:pPr algn="ctr"/>
+            <a:endParaRPr lang="en-US" dirty="0">
+              <a:ln>
+                <a:solidFill>
+                  <a:srgbClr val="FF0000"/>
+                </a:solidFill>
+              </a:ln>
+              <a:solidFill>
+                <a:srgbClr val="FF0000"/>
+              </a:solidFill>
+            </a:endParaRPr>
+          </a:p>
+        </p:txBody>
+      </p:sp>
+      <p:sp>
+        <p:nvSpPr>
+          <p:cNvPr id="14" name="Multiply 13"/>
+          <p:cNvSpPr/>
+          <p:nvPr/>
+        </p:nvSpPr>
+        <p:spPr>
+          <a:xfrm rot="20705000">
+            <a:off x="7807265" y="5662574"/>
+            <a:ext cx="457201" cy="381000"/>
+          </a:xfrm>
+          <a:prstGeom prst="mathMultiply">
+            <a:avLst>
+              <a:gd name="adj1" fmla="val 9120"/>
+            </a:avLst>
+          </a:prstGeom>
+          <a:solidFill>
+            <a:srgbClr val="FF0000"/>
+          </a:solidFill>
+        </p:spPr>
+        <p:style>
+          <a:lnRef idx="2">
+            <a:schemeClr val="accent1">
+              <a:shade val="50000"/>
+            </a:schemeClr>
+          </a:lnRef>
+          <a:fillRef idx="1">
+            <a:schemeClr val="accent1"/>
+          </a:fillRef>
+          <a:effectRef idx="0">
+            <a:schemeClr val="accent1"/>
+          </a:effectRef>
+          <a:fontRef idx="minor">
+            <a:schemeClr val="lt1"/>
+          </a:fontRef>
+        </p:style>
+        <p:txBody>
+          <a:bodyPr rtlCol="0" anchor="ctr"/>
+          <a:lstStyle/>
+          <a:p>
+            <a:pPr algn="ctr"/>
+            <a:endParaRPr lang="en-US" dirty="0" smtClean="0">
+              <a:ln>
+                <a:solidFill>
+                  <a:srgbClr val="FF0000"/>
+                </a:solidFill>
+              </a:ln>
+              <a:solidFill>
+                <a:srgbClr val="FF0000"/>
+              </a:solidFill>
+            </a:endParaRPr>
+          </a:p>
+          <a:p>
+            <a:pPr algn="ctr"/>
+            <a:endParaRPr lang="en-US" dirty="0">
+              <a:ln>
+                <a:solidFill>
+                  <a:srgbClr val="FF0000"/>
+                </a:solidFill>
+              </a:ln>
+              <a:solidFill>
+                <a:srgbClr val="FF0000"/>
+              </a:solidFill>
+            </a:endParaRPr>
+          </a:p>
+        </p:txBody>
+      </p:sp>
+      <p:sp>
+        <p:nvSpPr>
+          <p:cNvPr id="13" name="Rectangle 12"/>
+          <p:cNvSpPr/>
+          <p:nvPr/>
+        </p:nvSpPr>
+        <p:spPr>
+          <a:xfrm>
+            <a:off x="8315481" y="4343400"/>
+            <a:ext cx="218919" cy="461665"/>
+          </a:xfrm>
+          <a:prstGeom prst="rect">
+            <a:avLst/>
+          </a:prstGeom>
+          <a:noFill/>
+        </p:spPr>
+        <p:txBody>
+          <a:bodyPr wrap="square" lIns="91440" tIns="45720" rIns="91440" bIns="45720">
+            <a:spAutoFit/>
+            <a:scene3d>
+              <a:camera prst="orthographicFront"/>
+              <a:lightRig rig="balanced" dir="t">
+                <a:rot lat="0" lon="0" rev="2100000"/>
+              </a:lightRig>
+            </a:scene3d>
+            <a:sp3d extrusionH="57150" prstMaterial="metal">
+              <a:bevelT w="38100" h="25400"/>
+              <a:contourClr>
+                <a:schemeClr val="bg2"/>
+              </a:contourClr>
+            </a:sp3d>
+          </a:bodyPr>
+          <a:lstStyle/>
+          <a:p>
+            <a:pPr algn="ctr"/>
+            <a:r>
+              <a:rPr lang="en-US" sz="2400" b="1" cap="none" spc="0" dirty="0" smtClean="0">
+                <a:ln w="50800"/>
+                <a:solidFill>
+                  <a:schemeClr val="bg1">
+                    <a:shade val="50000"/>
+                  </a:schemeClr>
+                </a:solidFill>
+                <a:effectLst/>
+              </a:rPr>
+              <a:t>A</a:t>
+            </a:r>
+            <a:endParaRPr lang="en-US" sz="2400" b="1" cap="none" spc="0" dirty="0">
+              <a:ln w="50800"/>
+              <a:solidFill>
+                <a:schemeClr val="bg1">
+                  <a:shade val="50000"/>
+                </a:schemeClr>
+              </a:solidFill>
+              <a:effectLst/>
+            </a:endParaRPr>
+          </a:p>
+        </p:txBody>
+      </p:sp>
+      <p:sp>
+        <p:nvSpPr>
+          <p:cNvPr id="16" name="Rectangle 15"/>
+          <p:cNvSpPr/>
+          <p:nvPr/>
+        </p:nvSpPr>
+        <p:spPr>
+          <a:xfrm>
+            <a:off x="6934200" y="4343400"/>
+            <a:ext cx="218919" cy="461665"/>
+          </a:xfrm>
+          <a:prstGeom prst="rect">
+            <a:avLst/>
+          </a:prstGeom>
+          <a:noFill/>
+        </p:spPr>
+        <p:txBody>
+          <a:bodyPr wrap="square" lIns="91440" tIns="45720" rIns="91440" bIns="45720">
+            <a:spAutoFit/>
+            <a:scene3d>
+              <a:camera prst="orthographicFront"/>
+              <a:lightRig rig="balanced" dir="t">
+                <a:rot lat="0" lon="0" rev="2100000"/>
+              </a:lightRig>
+            </a:scene3d>
+            <a:sp3d extrusionH="57150" prstMaterial="metal">
+              <a:bevelT w="38100" h="25400"/>
+              <a:contourClr>
+                <a:schemeClr val="bg2"/>
+              </a:contourClr>
+            </a:sp3d>
+          </a:bodyPr>
+          <a:lstStyle/>
+          <a:p>
+            <a:pPr algn="ctr"/>
+            <a:r>
+              <a:rPr lang="en-IN" sz="2400" b="1" dirty="0" smtClean="0">
+                <a:ln w="50800"/>
+                <a:solidFill>
+                  <a:schemeClr val="bg1">
+                    <a:shade val="50000"/>
+                  </a:schemeClr>
+                </a:solidFill>
+              </a:rPr>
+              <a:t>B</a:t>
+            </a:r>
+            <a:endParaRPr lang="en-US" sz="2400" b="1" cap="none" spc="0" dirty="0">
+              <a:ln w="50800"/>
+              <a:solidFill>
+                <a:schemeClr val="bg1">
+                  <a:shade val="50000"/>
+                </a:schemeClr>
+              </a:solidFill>
+              <a:effectLst/>
+            </a:endParaRPr>
+          </a:p>
+        </p:txBody>
+      </p:sp>
+      <p:sp>
+        <p:nvSpPr>
+          <p:cNvPr id="17" name="Rectangle 16"/>
+          <p:cNvSpPr/>
+          <p:nvPr/>
+        </p:nvSpPr>
+        <p:spPr>
+          <a:xfrm>
+            <a:off x="8342107" y="5869129"/>
+            <a:ext cx="218919" cy="461665"/>
+          </a:xfrm>
+          <a:prstGeom prst="rect">
+            <a:avLst/>
+          </a:prstGeom>
+          <a:noFill/>
+        </p:spPr>
+        <p:txBody>
+          <a:bodyPr wrap="square" lIns="91440" tIns="45720" rIns="91440" bIns="45720">
+            <a:spAutoFit/>
+            <a:scene3d>
+              <a:camera prst="orthographicFront"/>
+              <a:lightRig rig="balanced" dir="t">
+                <a:rot lat="0" lon="0" rev="2100000"/>
+              </a:lightRig>
+            </a:scene3d>
+            <a:sp3d extrusionH="57150" prstMaterial="metal">
+              <a:bevelT w="38100" h="25400"/>
+              <a:contourClr>
+                <a:schemeClr val="bg2"/>
+              </a:contourClr>
+            </a:sp3d>
+          </a:bodyPr>
+          <a:lstStyle/>
+          <a:p>
+            <a:pPr algn="ctr"/>
+            <a:r>
+              <a:rPr lang="en-IN" sz="2400" b="1" dirty="0" smtClean="0">
+                <a:ln w="50800"/>
+                <a:solidFill>
+                  <a:schemeClr val="bg1">
+                    <a:shade val="50000"/>
+                  </a:schemeClr>
+                </a:solidFill>
+              </a:rPr>
+              <a:t>C</a:t>
+            </a:r>
+            <a:endParaRPr lang="en-US" sz="2400" b="1" cap="none" spc="0" dirty="0">
+              <a:ln w="50800"/>
+              <a:solidFill>
+                <a:schemeClr val="bg1">
+                  <a:shade val="50000"/>
+                </a:schemeClr>
+              </a:solidFill>
+              <a:effectLst/>
+            </a:endParaRPr>
           </a:p>
         </p:txBody>
       </p:sp>
@@ -5040,9 +5692,9 @@
                                           </p:stCondLst>
                                         </p:cTn>
                                         <p:tgtEl>
-                                          <p:spTgt spid="3">
+                                          <p:spTgt spid="6">
                                             <p:txEl>
-                                              <p:pRg st="4" end="4"/>
+                                              <p:pRg st="0" end="0"/>
                                             </p:txEl>
                                           </p:spTgt>
                                         </p:tgtEl>
@@ -5058,9 +5710,9 @@
                                       <p:cBhvr>
                                         <p:cTn id="21" dur="500"/>
                                         <p:tgtEl>
-                                          <p:spTgt spid="3">
+                                          <p:spTgt spid="6">
                                             <p:txEl>
-                                              <p:pRg st="4" end="4"/>
+                                              <p:pRg st="0" end="0"/>
                                             </p:txEl>
                                           </p:spTgt>
                                         </p:tgtEl>
@@ -5083,9 +5735,9 @@
                                           </p:stCondLst>
                                         </p:cTn>
                                         <p:tgtEl>
-                                          <p:spTgt spid="3">
+                                          <p:spTgt spid="6">
                                             <p:txEl>
-                                              <p:pRg st="5" end="5"/>
+                                              <p:pRg st="1" end="1"/>
                                             </p:txEl>
                                           </p:spTgt>
                                         </p:tgtEl>
@@ -5101,9 +5753,9 @@
                                       <p:cBhvr>
                                         <p:cTn id="24" dur="500"/>
                                         <p:tgtEl>
-                                          <p:spTgt spid="3">
+                                          <p:spTgt spid="6">
                                             <p:txEl>
-                                              <p:pRg st="5" end="5"/>
+                                              <p:pRg st="1" end="1"/>
                                             </p:txEl>
                                           </p:spTgt>
                                         </p:tgtEl>
@@ -5126,9 +5778,9 @@
                                           </p:stCondLst>
                                         </p:cTn>
                                         <p:tgtEl>
-                                          <p:spTgt spid="3">
+                                          <p:spTgt spid="6">
                                             <p:txEl>
-                                              <p:pRg st="6" end="6"/>
+                                              <p:pRg st="2" end="2"/>
                                             </p:txEl>
                                           </p:spTgt>
                                         </p:tgtEl>
@@ -5144,52 +5796,9 @@
                                       <p:cBhvr>
                                         <p:cTn id="27" dur="500"/>
                                         <p:tgtEl>
-                                          <p:spTgt spid="3">
+                                          <p:spTgt spid="6">
                                             <p:txEl>
-                                              <p:pRg st="6" end="6"/>
-                                            </p:txEl>
-                                          </p:spTgt>
-                                        </p:tgtEl>
-                                      </p:cBhvr>
-                                    </p:animEffect>
-                                  </p:childTnLst>
-                                </p:cTn>
-                              </p:par>
-                              <p:par>
-                                <p:cTn id="28" presetID="10" presetClass="entr" presetSubtype="0" fill="hold" grpId="0" nodeType="withEffect">
-                                  <p:stCondLst>
-                                    <p:cond delay="0"/>
-                                  </p:stCondLst>
-                                  <p:childTnLst>
-                                    <p:set>
-                                      <p:cBhvr>
-                                        <p:cTn id="29" dur="1" fill="hold">
-                                          <p:stCondLst>
-                                            <p:cond delay="0"/>
-                                          </p:stCondLst>
-                                        </p:cTn>
-                                        <p:tgtEl>
-                                          <p:spTgt spid="3">
-                                            <p:txEl>
-                                              <p:pRg st="7" end="7"/>
-                                            </p:txEl>
-                                          </p:spTgt>
-                                        </p:tgtEl>
-                                        <p:attrNameLst>
-                                          <p:attrName>style.visibility</p:attrName>
-                                        </p:attrNameLst>
-                                      </p:cBhvr>
-                                      <p:to>
-                                        <p:strVal val="visible"/>
-                                      </p:to>
-                                    </p:set>
-                                    <p:animEffect transition="in" filter="fade">
-                                      <p:cBhvr>
-                                        <p:cTn id="30" dur="500"/>
-                                        <p:tgtEl>
-                                          <p:spTgt spid="3">
-                                            <p:txEl>
-                                              <p:pRg st="7" end="7"/>
+                                              <p:pRg st="2" end="2"/>
                                             </p:txEl>
                                           </p:spTgt>
                                         </p:tgtEl>
@@ -5227,13 +5836,14 @@
     </p:tnLst>
     <p:bldLst>
       <p:bldP spid="3" grpId="0" build="p"/>
+      <p:bldP spid="6" grpId="0" build="p"/>
     </p:bldLst>
   </p:timing>
 </p:sld>
 </file>
 
 <file path=ppt/slides/slide12.xml><?xml version="1.0" encoding="utf-8"?>
-<p:sld xmlns:a="http://schemas.openxmlformats.org/drawingml/2006/main" xmlns:r="http://schemas.openxmlformats.org/officeDocument/2006/relationships" xmlns:p="http://schemas.openxmlformats.org/presentationml/2006/main">
+<p:sld xmlns:a="http://schemas.openxmlformats.org/drawingml/2006/main" xmlns:r="http://schemas.openxmlformats.org/officeDocument/2006/relationships" xmlns:p="http://schemas.openxmlformats.org/presentationml/2006/main" showMasterSp="0">
   <p:cSld>
     <p:spTree>
       <p:nvGrpSpPr>
@@ -5251,39 +5861,813 @@
       </p:grpSpPr>
       <p:sp>
         <p:nvSpPr>
-          <p:cNvPr id="2" name="Content Placeholder 1"/>
-          <p:cNvSpPr>
+          <p:cNvPr id="4" name="Content Placeholder 2"/>
+          <p:cNvSpPr txBox="1">
             <a:spLocks noGrp="1"/>
           </p:cNvSpPr>
           <p:nvPr>
             <p:ph idx="1"/>
           </p:nvPr>
         </p:nvSpPr>
-        <p:spPr/>
+        <p:spPr>
+          <a:xfrm>
+            <a:off x="304800" y="381000"/>
+            <a:ext cx="5472953" cy="3877815"/>
+          </a:xfrm>
+          <a:prstGeom prst="rect">
+            <a:avLst/>
+          </a:prstGeom>
+        </p:spPr>
         <p:txBody>
-          <a:bodyPr/>
+          <a:bodyPr vert="horz" lIns="91440" tIns="45720" rIns="91440" bIns="45720" rtlCol="0">
+            <a:normAutofit/>
+          </a:bodyPr>
+          <a:lstStyle>
+            <a:lvl1pPr marL="365760" indent="-365760" algn="l" defTabSz="914400" rtl="0" eaLnBrk="1" latinLnBrk="0" hangingPunct="1">
+              <a:spcBef>
+                <a:spcPct val="20000"/>
+              </a:spcBef>
+              <a:buClr>
+                <a:schemeClr val="accent1"/>
+              </a:buClr>
+              <a:buFont typeface="Wingdings" pitchFamily="2" charset="2"/>
+              <a:buChar char=""/>
+              <a:defRPr sz="2400" kern="1200">
+                <a:solidFill>
+                  <a:schemeClr val="tx1">
+                    <a:lumMod val="85000"/>
+                    <a:lumOff val="15000"/>
+                  </a:schemeClr>
+                </a:solidFill>
+                <a:latin typeface="+mn-lt"/>
+                <a:ea typeface="+mn-ea"/>
+                <a:cs typeface="+mn-cs"/>
+              </a:defRPr>
+            </a:lvl1pPr>
+            <a:lvl2pPr marL="777240" indent="-365760" algn="l" defTabSz="914400" rtl="0" eaLnBrk="1" latinLnBrk="0" hangingPunct="1">
+              <a:spcBef>
+                <a:spcPct val="20000"/>
+              </a:spcBef>
+              <a:buClr>
+                <a:schemeClr val="accent1"/>
+              </a:buClr>
+              <a:buFont typeface="Wingdings" pitchFamily="2" charset="2"/>
+              <a:buChar char=""/>
+              <a:defRPr sz="2200" kern="1200">
+                <a:solidFill>
+                  <a:schemeClr val="tx1">
+                    <a:lumMod val="85000"/>
+                    <a:lumOff val="15000"/>
+                  </a:schemeClr>
+                </a:solidFill>
+                <a:latin typeface="+mn-lt"/>
+                <a:ea typeface="+mn-ea"/>
+                <a:cs typeface="+mn-cs"/>
+              </a:defRPr>
+            </a:lvl2pPr>
+            <a:lvl3pPr marL="1143000" indent="-365760" algn="l" defTabSz="914400" rtl="0" eaLnBrk="1" latinLnBrk="0" hangingPunct="1">
+              <a:spcBef>
+                <a:spcPct val="20000"/>
+              </a:spcBef>
+              <a:buClr>
+                <a:schemeClr val="accent1"/>
+              </a:buClr>
+              <a:buFont typeface="Wingdings" pitchFamily="2" charset="2"/>
+              <a:buChar char=""/>
+              <a:defRPr sz="2000" kern="1200">
+                <a:solidFill>
+                  <a:schemeClr val="tx1">
+                    <a:lumMod val="85000"/>
+                    <a:lumOff val="15000"/>
+                  </a:schemeClr>
+                </a:solidFill>
+                <a:latin typeface="+mn-lt"/>
+                <a:ea typeface="+mn-ea"/>
+                <a:cs typeface="+mn-cs"/>
+              </a:defRPr>
+            </a:lvl3pPr>
+            <a:lvl4pPr marL="1508760" indent="-320040" algn="l" defTabSz="914400" rtl="0" eaLnBrk="1" latinLnBrk="0" hangingPunct="1">
+              <a:spcBef>
+                <a:spcPct val="20000"/>
+              </a:spcBef>
+              <a:buClr>
+                <a:schemeClr val="accent1"/>
+              </a:buClr>
+              <a:buFont typeface="Wingdings" pitchFamily="2" charset="2"/>
+              <a:buChar char=""/>
+              <a:defRPr sz="1800" kern="1200">
+                <a:solidFill>
+                  <a:schemeClr val="tx1">
+                    <a:lumMod val="85000"/>
+                    <a:lumOff val="15000"/>
+                  </a:schemeClr>
+                </a:solidFill>
+                <a:latin typeface="+mn-lt"/>
+                <a:ea typeface="+mn-ea"/>
+                <a:cs typeface="+mn-cs"/>
+              </a:defRPr>
+            </a:lvl4pPr>
+            <a:lvl5pPr marL="1828800" indent="-320040" algn="l" defTabSz="914400" rtl="0" eaLnBrk="1" latinLnBrk="0" hangingPunct="1">
+              <a:spcBef>
+                <a:spcPct val="20000"/>
+              </a:spcBef>
+              <a:buClr>
+                <a:schemeClr val="accent1"/>
+              </a:buClr>
+              <a:buFont typeface="Wingdings" pitchFamily="2" charset="2"/>
+              <a:buChar char=""/>
+              <a:defRPr sz="1600" kern="1200">
+                <a:solidFill>
+                  <a:schemeClr val="tx1">
+                    <a:lumMod val="85000"/>
+                    <a:lumOff val="15000"/>
+                  </a:schemeClr>
+                </a:solidFill>
+                <a:latin typeface="+mn-lt"/>
+                <a:ea typeface="+mn-ea"/>
+                <a:cs typeface="+mn-cs"/>
+              </a:defRPr>
+            </a:lvl5pPr>
+            <a:lvl6pPr marL="2148840" indent="-274320" algn="l" defTabSz="914400" rtl="0" eaLnBrk="1" latinLnBrk="0" hangingPunct="1">
+              <a:spcBef>
+                <a:spcPts val="400"/>
+              </a:spcBef>
+              <a:buClr>
+                <a:schemeClr val="accent1"/>
+              </a:buClr>
+              <a:buFont typeface="Wingdings" pitchFamily="2" charset="2"/>
+              <a:buChar char=""/>
+              <a:defRPr sz="1400" kern="1200">
+                <a:solidFill>
+                  <a:schemeClr val="tx1"/>
+                </a:solidFill>
+                <a:latin typeface="+mn-lt"/>
+                <a:ea typeface="+mn-ea"/>
+                <a:cs typeface="+mn-cs"/>
+              </a:defRPr>
+            </a:lvl6pPr>
+            <a:lvl7pPr marL="2468880" indent="-274320" algn="l" defTabSz="914400" rtl="0" eaLnBrk="1" latinLnBrk="0" hangingPunct="1">
+              <a:spcBef>
+                <a:spcPts val="400"/>
+              </a:spcBef>
+              <a:buClr>
+                <a:schemeClr val="accent1"/>
+              </a:buClr>
+              <a:buFont typeface="Wingdings" pitchFamily="2" charset="2"/>
+              <a:buChar char=""/>
+              <a:defRPr sz="1400" kern="1200">
+                <a:solidFill>
+                  <a:schemeClr val="tx1"/>
+                </a:solidFill>
+                <a:latin typeface="+mn-lt"/>
+                <a:ea typeface="+mn-ea"/>
+                <a:cs typeface="+mn-cs"/>
+              </a:defRPr>
+            </a:lvl7pPr>
+            <a:lvl8pPr marL="2788920" indent="-274320" algn="l" defTabSz="914400" rtl="0" eaLnBrk="1" latinLnBrk="0" hangingPunct="1">
+              <a:spcBef>
+                <a:spcPts val="400"/>
+              </a:spcBef>
+              <a:buClr>
+                <a:schemeClr val="accent1"/>
+              </a:buClr>
+              <a:buFont typeface="Wingdings" pitchFamily="2" charset="2"/>
+              <a:buChar char=""/>
+              <a:defRPr sz="1400" kern="1200">
+                <a:solidFill>
+                  <a:schemeClr val="tx1"/>
+                </a:solidFill>
+                <a:latin typeface="+mn-lt"/>
+                <a:ea typeface="+mn-ea"/>
+                <a:cs typeface="+mn-cs"/>
+              </a:defRPr>
+            </a:lvl8pPr>
+            <a:lvl9pPr marL="3108960" indent="-274320" algn="l" defTabSz="914400" rtl="0" eaLnBrk="1" latinLnBrk="0" hangingPunct="1">
+              <a:spcBef>
+                <a:spcPts val="400"/>
+              </a:spcBef>
+              <a:buClr>
+                <a:schemeClr val="accent1"/>
+              </a:buClr>
+              <a:buFont typeface="Wingdings" pitchFamily="2" charset="2"/>
+              <a:buChar char=""/>
+              <a:defRPr sz="1400" kern="1200">
+                <a:solidFill>
+                  <a:schemeClr val="tx1"/>
+                </a:solidFill>
+                <a:latin typeface="+mn-lt"/>
+                <a:ea typeface="+mn-ea"/>
+                <a:cs typeface="+mn-cs"/>
+              </a:defRPr>
+            </a:lvl9pPr>
+          </a:lstStyle>
+          <a:p>
+            <a:r>
+              <a:rPr lang="en-US" b="1" u="sng" dirty="0" smtClean="0"/>
+              <a:t>MOVEMENT </a:t>
+            </a:r>
+            <a:r>
+              <a:rPr lang="en-US" b="1" u="sng" dirty="0"/>
+              <a:t>OF THE </a:t>
+            </a:r>
+            <a:r>
+              <a:rPr lang="en-US" b="1" u="sng" dirty="0" smtClean="0"/>
+              <a:t>KNIGHT: </a:t>
+            </a:r>
+            <a:endParaRPr lang="en-US" b="1" u="sng" dirty="0"/>
+          </a:p>
+          <a:p>
+            <a:pPr lvl="1">
+              <a:buFont typeface="Wingdings" panose="05000000000000000000" pitchFamily="2" charset="2"/>
+              <a:buChar char="ü"/>
+            </a:pPr>
+            <a:r>
+              <a:rPr lang="en-US" dirty="0"/>
+              <a:t>The </a:t>
+            </a:r>
+            <a:r>
+              <a:rPr lang="en-US" dirty="0" smtClean="0"/>
+              <a:t>knight move must be first 2 forward moves and then 1 side move only but not 1 forward and 2 sideways as in move C.</a:t>
+            </a:r>
+          </a:p>
+          <a:p>
+            <a:pPr lvl="1">
+              <a:buFont typeface="Wingdings" panose="05000000000000000000" pitchFamily="2" charset="2"/>
+              <a:buChar char="ü"/>
+            </a:pPr>
+            <a:r>
+              <a:rPr lang="en-IN" dirty="0" smtClean="0"/>
+              <a:t>During this movement if it comes across only one wall as in move A, it is a valid move.</a:t>
+            </a:r>
+          </a:p>
+          <a:p>
+            <a:pPr lvl="1">
+              <a:buFont typeface="Wingdings" panose="05000000000000000000" pitchFamily="2" charset="2"/>
+              <a:buChar char="ü"/>
+            </a:pPr>
+            <a:r>
+              <a:rPr lang="en-IN" dirty="0" smtClean="0"/>
+              <a:t>If the it comes across more than 1 wall as in move B, it is invalid.</a:t>
+            </a:r>
+            <a:endParaRPr lang="en-US" dirty="0" smtClean="0"/>
+          </a:p>
+        </p:txBody>
+      </p:sp>
+      <p:pic>
+        <p:nvPicPr>
+          <p:cNvPr id="9" name="Picture 2"/>
+          <p:cNvPicPr>
+            <a:picLocks noChangeAspect="1" noChangeArrowheads="1"/>
+          </p:cNvPicPr>
+          <p:nvPr/>
+        </p:nvPicPr>
+        <p:blipFill>
+          <a:blip r:embed="rId2">
+            <a:extLst>
+              <a:ext uri="{28A0092B-C50C-407E-A947-70E740481C1C}">
+                <a14:useLocalDpi xmlns:a14="http://schemas.microsoft.com/office/drawing/2010/main" val="0"/>
+              </a:ext>
+            </a:extLst>
+          </a:blip>
+          <a:srcRect/>
+          <a:stretch>
+            <a:fillRect/>
+          </a:stretch>
+        </p:blipFill>
+        <p:spPr bwMode="auto">
+          <a:xfrm>
+            <a:off x="6309360" y="2173224"/>
+            <a:ext cx="2072640" cy="1554480"/>
+          </a:xfrm>
+          <a:prstGeom prst="rect">
+            <a:avLst/>
+          </a:prstGeom>
+          <a:noFill/>
+          <a:ln>
+            <a:noFill/>
+          </a:ln>
+          <a:extLst>
+            <a:ext uri="{909E8E84-426E-40DD-AFC4-6F175D3DCCD1}">
+              <a14:hiddenFill xmlns:a14="http://schemas.microsoft.com/office/drawing/2010/main">
+                <a:solidFill>
+                  <a:schemeClr val="accent1"/>
+                </a:solidFill>
+              </a14:hiddenFill>
+            </a:ext>
+            <a:ext uri="{91240B29-F687-4F45-9708-019B960494DF}">
+              <a14:hiddenLine xmlns:a14="http://schemas.microsoft.com/office/drawing/2010/main" w="9525">
+                <a:solidFill>
+                  <a:schemeClr val="tx1"/>
+                </a:solidFill>
+                <a:miter lim="800000"/>
+                <a:headEnd/>
+                <a:tailEnd/>
+              </a14:hiddenLine>
+            </a:ext>
+          </a:extLst>
+        </p:spPr>
+      </p:pic>
+      <p:pic>
+        <p:nvPicPr>
+          <p:cNvPr id="2052" name="Picture 4"/>
+          <p:cNvPicPr>
+            <a:picLocks noChangeAspect="1" noChangeArrowheads="1"/>
+          </p:cNvPicPr>
+          <p:nvPr/>
+        </p:nvPicPr>
+        <p:blipFill rotWithShape="1">
+          <a:blip r:embed="rId3">
+            <a:extLst>
+              <a:ext uri="{28A0092B-C50C-407E-A947-70E740481C1C}">
+                <a14:useLocalDpi xmlns:a14="http://schemas.microsoft.com/office/drawing/2010/main" val="0"/>
+              </a:ext>
+            </a:extLst>
+          </a:blip>
+          <a:srcRect t="10492" b="3108"/>
+          <a:stretch/>
+        </p:blipFill>
+        <p:spPr bwMode="auto">
+          <a:xfrm>
+            <a:off x="6294497" y="362712"/>
+            <a:ext cx="2059679" cy="1542288"/>
+          </a:xfrm>
+          <a:prstGeom prst="rect">
+            <a:avLst/>
+          </a:prstGeom>
+          <a:noFill/>
+          <a:ln>
+            <a:noFill/>
+          </a:ln>
+          <a:extLst>
+            <a:ext uri="{909E8E84-426E-40DD-AFC4-6F175D3DCCD1}">
+              <a14:hiddenFill xmlns:a14="http://schemas.microsoft.com/office/drawing/2010/main">
+                <a:solidFill>
+                  <a:schemeClr val="accent1"/>
+                </a:solidFill>
+              </a14:hiddenFill>
+            </a:ext>
+            <a:ext uri="{91240B29-F687-4F45-9708-019B960494DF}">
+              <a14:hiddenLine xmlns:a14="http://schemas.microsoft.com/office/drawing/2010/main" w="9525">
+                <a:solidFill>
+                  <a:schemeClr val="tx1"/>
+                </a:solidFill>
+                <a:miter lim="800000"/>
+                <a:headEnd/>
+                <a:tailEnd/>
+              </a14:hiddenLine>
+            </a:ext>
+          </a:extLst>
+        </p:spPr>
+      </p:pic>
+      <p:sp>
+        <p:nvSpPr>
+          <p:cNvPr id="11" name="Bent-Up Arrow 10"/>
+          <p:cNvSpPr/>
+          <p:nvPr/>
+        </p:nvSpPr>
+        <p:spPr>
+          <a:xfrm>
+            <a:off x="7086600" y="685800"/>
+            <a:ext cx="1143000" cy="448056"/>
+          </a:xfrm>
+          <a:prstGeom prst="bentUpArrow">
+            <a:avLst>
+              <a:gd name="adj1" fmla="val 8673"/>
+              <a:gd name="adj2" fmla="val 26020"/>
+              <a:gd name="adj3" fmla="val 27041"/>
+            </a:avLst>
+          </a:prstGeom>
+          <a:solidFill>
+            <a:srgbClr val="00B050"/>
+          </a:solidFill>
+        </p:spPr>
+        <p:style>
+          <a:lnRef idx="2">
+            <a:schemeClr val="accent1">
+              <a:shade val="50000"/>
+            </a:schemeClr>
+          </a:lnRef>
+          <a:fillRef idx="1">
+            <a:schemeClr val="accent1"/>
+          </a:fillRef>
+          <a:effectRef idx="0">
+            <a:schemeClr val="accent1"/>
+          </a:effectRef>
+          <a:fontRef idx="minor">
+            <a:schemeClr val="lt1"/>
+          </a:fontRef>
+        </p:style>
+        <p:txBody>
+          <a:bodyPr rtlCol="0" anchor="ctr"/>
           <a:lstStyle/>
           <a:p>
+            <a:pPr algn="ctr"/>
             <a:endParaRPr lang="en-US"/>
           </a:p>
         </p:txBody>
       </p:sp>
       <p:sp>
         <p:nvSpPr>
-          <p:cNvPr id="3" name="Title 2"/>
-          <p:cNvSpPr>
-            <a:spLocks noGrp="1"/>
-          </p:cNvSpPr>
-          <p:nvPr>
-            <p:ph type="title"/>
-          </p:nvPr>
+          <p:cNvPr id="15" name="Bent-Up Arrow 14"/>
+          <p:cNvSpPr/>
+          <p:nvPr/>
         </p:nvSpPr>
-        <p:spPr/>
+        <p:spPr>
+          <a:xfrm rot="10800000">
+            <a:off x="6400800" y="2941320"/>
+            <a:ext cx="1143000" cy="448056"/>
+          </a:xfrm>
+          <a:prstGeom prst="bentUpArrow">
+            <a:avLst>
+              <a:gd name="adj1" fmla="val 8673"/>
+              <a:gd name="adj2" fmla="val 26020"/>
+              <a:gd name="adj3" fmla="val 27041"/>
+            </a:avLst>
+          </a:prstGeom>
+          <a:solidFill>
+            <a:schemeClr val="bg1"/>
+          </a:solidFill>
+        </p:spPr>
+        <p:style>
+          <a:lnRef idx="2">
+            <a:schemeClr val="accent1">
+              <a:shade val="50000"/>
+            </a:schemeClr>
+          </a:lnRef>
+          <a:fillRef idx="1">
+            <a:schemeClr val="accent1"/>
+          </a:fillRef>
+          <a:effectRef idx="0">
+            <a:schemeClr val="accent1"/>
+          </a:effectRef>
+          <a:fontRef idx="minor">
+            <a:schemeClr val="lt1"/>
+          </a:fontRef>
+        </p:style>
         <p:txBody>
-          <a:bodyPr/>
+          <a:bodyPr rtlCol="0" anchor="ctr"/>
           <a:lstStyle/>
           <a:p>
-            <a:endParaRPr lang="en-US"/>
+            <a:pPr algn="ctr"/>
+            <a:endParaRPr lang="en-US" dirty="0"/>
+          </a:p>
+        </p:txBody>
+      </p:sp>
+      <p:sp>
+        <p:nvSpPr>
+          <p:cNvPr id="16" name="Bent-Up Arrow 15"/>
+          <p:cNvSpPr/>
+          <p:nvPr/>
+        </p:nvSpPr>
+        <p:spPr>
+          <a:xfrm rot="5400000" flipV="1">
+            <a:off x="6830949" y="2826639"/>
+            <a:ext cx="509778" cy="1068325"/>
+          </a:xfrm>
+          <a:prstGeom prst="bentUpArrow">
+            <a:avLst>
+              <a:gd name="adj1" fmla="val 8673"/>
+              <a:gd name="adj2" fmla="val 26020"/>
+              <a:gd name="adj3" fmla="val 27041"/>
+            </a:avLst>
+          </a:prstGeom>
+          <a:solidFill>
+            <a:schemeClr val="bg1"/>
+          </a:solidFill>
+        </p:spPr>
+        <p:style>
+          <a:lnRef idx="2">
+            <a:schemeClr val="accent1">
+              <a:shade val="50000"/>
+            </a:schemeClr>
+          </a:lnRef>
+          <a:fillRef idx="1">
+            <a:schemeClr val="accent1"/>
+          </a:fillRef>
+          <a:effectRef idx="0">
+            <a:schemeClr val="accent1"/>
+          </a:effectRef>
+          <a:fontRef idx="minor">
+            <a:schemeClr val="lt1"/>
+          </a:fontRef>
+        </p:style>
+        <p:txBody>
+          <a:bodyPr rtlCol="0" anchor="ctr"/>
+          <a:lstStyle/>
+          <a:p>
+            <a:pPr algn="ctr"/>
+            <a:endParaRPr lang="en-US" dirty="0"/>
+          </a:p>
+        </p:txBody>
+      </p:sp>
+      <p:sp>
+        <p:nvSpPr>
+          <p:cNvPr id="17" name="Multiply 16"/>
+          <p:cNvSpPr/>
+          <p:nvPr/>
+        </p:nvSpPr>
+        <p:spPr>
+          <a:xfrm rot="20705000">
+            <a:off x="6473766" y="2759963"/>
+            <a:ext cx="457201" cy="381000"/>
+          </a:xfrm>
+          <a:prstGeom prst="mathMultiply">
+            <a:avLst>
+              <a:gd name="adj1" fmla="val 9120"/>
+            </a:avLst>
+          </a:prstGeom>
+          <a:solidFill>
+            <a:srgbClr val="FF0000"/>
+          </a:solidFill>
+        </p:spPr>
+        <p:style>
+          <a:lnRef idx="2">
+            <a:schemeClr val="accent1">
+              <a:shade val="50000"/>
+            </a:schemeClr>
+          </a:lnRef>
+          <a:fillRef idx="1">
+            <a:schemeClr val="accent1"/>
+          </a:fillRef>
+          <a:effectRef idx="0">
+            <a:schemeClr val="accent1"/>
+          </a:effectRef>
+          <a:fontRef idx="minor">
+            <a:schemeClr val="lt1"/>
+          </a:fontRef>
+        </p:style>
+        <p:txBody>
+          <a:bodyPr rtlCol="0" anchor="ctr"/>
+          <a:lstStyle/>
+          <a:p>
+            <a:pPr algn="ctr"/>
+            <a:endParaRPr lang="en-US" dirty="0" smtClean="0">
+              <a:ln>
+                <a:solidFill>
+                  <a:srgbClr val="FF0000"/>
+                </a:solidFill>
+              </a:ln>
+              <a:solidFill>
+                <a:srgbClr val="FF0000"/>
+              </a:solidFill>
+            </a:endParaRPr>
+          </a:p>
+          <a:p>
+            <a:pPr algn="ctr"/>
+            <a:endParaRPr lang="en-US" dirty="0">
+              <a:ln>
+                <a:solidFill>
+                  <a:srgbClr val="FF0000"/>
+                </a:solidFill>
+              </a:ln>
+              <a:solidFill>
+                <a:srgbClr val="FF0000"/>
+              </a:solidFill>
+            </a:endParaRPr>
+          </a:p>
+        </p:txBody>
+      </p:sp>
+      <p:sp>
+        <p:nvSpPr>
+          <p:cNvPr id="18" name="Multiply 17"/>
+          <p:cNvSpPr/>
+          <p:nvPr/>
+        </p:nvSpPr>
+        <p:spPr>
+          <a:xfrm rot="20705000">
+            <a:off x="6899333" y="3294279"/>
+            <a:ext cx="457201" cy="381000"/>
+          </a:xfrm>
+          <a:prstGeom prst="mathMultiply">
+            <a:avLst>
+              <a:gd name="adj1" fmla="val 9120"/>
+            </a:avLst>
+          </a:prstGeom>
+          <a:solidFill>
+            <a:srgbClr val="FF0000"/>
+          </a:solidFill>
+        </p:spPr>
+        <p:style>
+          <a:lnRef idx="2">
+            <a:schemeClr val="accent1">
+              <a:shade val="50000"/>
+            </a:schemeClr>
+          </a:lnRef>
+          <a:fillRef idx="1">
+            <a:schemeClr val="accent1"/>
+          </a:fillRef>
+          <a:effectRef idx="0">
+            <a:schemeClr val="accent1"/>
+          </a:effectRef>
+          <a:fontRef idx="minor">
+            <a:schemeClr val="lt1"/>
+          </a:fontRef>
+        </p:style>
+        <p:txBody>
+          <a:bodyPr rtlCol="0" anchor="ctr"/>
+          <a:lstStyle/>
+          <a:p>
+            <a:pPr algn="ctr"/>
+            <a:endParaRPr lang="en-US" dirty="0" smtClean="0">
+              <a:ln>
+                <a:solidFill>
+                  <a:srgbClr val="FF0000"/>
+                </a:solidFill>
+              </a:ln>
+              <a:solidFill>
+                <a:srgbClr val="FF0000"/>
+              </a:solidFill>
+            </a:endParaRPr>
+          </a:p>
+          <a:p>
+            <a:pPr algn="ctr"/>
+            <a:endParaRPr lang="en-US" dirty="0">
+              <a:ln>
+                <a:solidFill>
+                  <a:srgbClr val="FF0000"/>
+                </a:solidFill>
+              </a:ln>
+              <a:solidFill>
+                <a:srgbClr val="FF0000"/>
+              </a:solidFill>
+            </a:endParaRPr>
+          </a:p>
+        </p:txBody>
+      </p:sp>
+      <p:sp>
+        <p:nvSpPr>
+          <p:cNvPr id="19" name="Rectangle 18"/>
+          <p:cNvSpPr/>
+          <p:nvPr/>
+        </p:nvSpPr>
+        <p:spPr>
+          <a:xfrm>
+            <a:off x="8010681" y="300335"/>
+            <a:ext cx="218919" cy="461665"/>
+          </a:xfrm>
+          <a:prstGeom prst="rect">
+            <a:avLst/>
+          </a:prstGeom>
+          <a:noFill/>
+        </p:spPr>
+        <p:txBody>
+          <a:bodyPr wrap="square" lIns="91440" tIns="45720" rIns="91440" bIns="45720">
+            <a:spAutoFit/>
+            <a:scene3d>
+              <a:camera prst="orthographicFront"/>
+              <a:lightRig rig="balanced" dir="t">
+                <a:rot lat="0" lon="0" rev="2100000"/>
+              </a:lightRig>
+            </a:scene3d>
+            <a:sp3d extrusionH="57150" prstMaterial="metal">
+              <a:bevelT w="38100" h="25400"/>
+              <a:contourClr>
+                <a:schemeClr val="bg2"/>
+              </a:contourClr>
+            </a:sp3d>
+          </a:bodyPr>
+          <a:lstStyle/>
+          <a:p>
+            <a:pPr algn="ctr"/>
+            <a:r>
+              <a:rPr lang="en-US" sz="2400" b="1" cap="none" spc="0" dirty="0" smtClean="0">
+                <a:ln w="50800"/>
+                <a:solidFill>
+                  <a:schemeClr val="bg1">
+                    <a:shade val="50000"/>
+                  </a:schemeClr>
+                </a:solidFill>
+                <a:effectLst/>
+              </a:rPr>
+              <a:t>A</a:t>
+            </a:r>
+            <a:endParaRPr lang="en-US" sz="2400" b="1" cap="none" spc="0" dirty="0">
+              <a:ln w="50800"/>
+              <a:solidFill>
+                <a:schemeClr val="bg1">
+                  <a:shade val="50000"/>
+                </a:schemeClr>
+              </a:solidFill>
+              <a:effectLst/>
+            </a:endParaRPr>
+          </a:p>
+        </p:txBody>
+      </p:sp>
+      <p:sp>
+        <p:nvSpPr>
+          <p:cNvPr id="20" name="Rectangle 19"/>
+          <p:cNvSpPr/>
+          <p:nvPr/>
+        </p:nvSpPr>
+        <p:spPr>
+          <a:xfrm>
+            <a:off x="6530339" y="2362200"/>
+            <a:ext cx="218919" cy="461665"/>
+          </a:xfrm>
+          <a:prstGeom prst="rect">
+            <a:avLst/>
+          </a:prstGeom>
+          <a:noFill/>
+        </p:spPr>
+        <p:txBody>
+          <a:bodyPr wrap="square" lIns="91440" tIns="45720" rIns="91440" bIns="45720">
+            <a:spAutoFit/>
+            <a:scene3d>
+              <a:camera prst="orthographicFront"/>
+              <a:lightRig rig="balanced" dir="t">
+                <a:rot lat="0" lon="0" rev="2100000"/>
+              </a:lightRig>
+            </a:scene3d>
+            <a:sp3d extrusionH="57150" prstMaterial="metal">
+              <a:bevelT w="38100" h="25400"/>
+              <a:contourClr>
+                <a:schemeClr val="bg2"/>
+              </a:contourClr>
+            </a:sp3d>
+          </a:bodyPr>
+          <a:lstStyle/>
+          <a:p>
+            <a:pPr algn="ctr"/>
+            <a:r>
+              <a:rPr lang="en-US" sz="2400" b="1" cap="none" spc="0" dirty="0" smtClean="0">
+                <a:ln w="50800"/>
+                <a:solidFill>
+                  <a:schemeClr val="bg1">
+                    <a:shade val="50000"/>
+                  </a:schemeClr>
+                </a:solidFill>
+                <a:effectLst/>
+              </a:rPr>
+              <a:t>B</a:t>
+            </a:r>
+            <a:endParaRPr lang="en-US" sz="2400" b="1" cap="none" spc="0" dirty="0">
+              <a:ln w="50800"/>
+              <a:solidFill>
+                <a:schemeClr val="bg1">
+                  <a:shade val="50000"/>
+                </a:schemeClr>
+              </a:solidFill>
+              <a:effectLst/>
+            </a:endParaRPr>
+          </a:p>
+        </p:txBody>
+      </p:sp>
+      <p:sp>
+        <p:nvSpPr>
+          <p:cNvPr id="21" name="Rectangle 20"/>
+          <p:cNvSpPr/>
+          <p:nvPr/>
+        </p:nvSpPr>
+        <p:spPr>
+          <a:xfrm>
+            <a:off x="7620001" y="3241853"/>
+            <a:ext cx="218919" cy="461665"/>
+          </a:xfrm>
+          <a:prstGeom prst="rect">
+            <a:avLst/>
+          </a:prstGeom>
+          <a:noFill/>
+        </p:spPr>
+        <p:txBody>
+          <a:bodyPr wrap="square" lIns="91440" tIns="45720" rIns="91440" bIns="45720">
+            <a:spAutoFit/>
+            <a:scene3d>
+              <a:camera prst="orthographicFront"/>
+              <a:lightRig rig="balanced" dir="t">
+                <a:rot lat="0" lon="0" rev="2100000"/>
+              </a:lightRig>
+            </a:scene3d>
+            <a:sp3d extrusionH="57150" prstMaterial="metal">
+              <a:bevelT w="38100" h="25400"/>
+              <a:contourClr>
+                <a:schemeClr val="bg2"/>
+              </a:contourClr>
+            </a:sp3d>
+          </a:bodyPr>
+          <a:lstStyle/>
+          <a:p>
+            <a:pPr algn="ctr"/>
+            <a:r>
+              <a:rPr lang="en-US" sz="2400" b="1" cap="none" spc="0" dirty="0" smtClean="0">
+                <a:ln w="50800"/>
+                <a:solidFill>
+                  <a:schemeClr val="bg1">
+                    <a:shade val="50000"/>
+                  </a:schemeClr>
+                </a:solidFill>
+                <a:effectLst/>
+              </a:rPr>
+              <a:t>C</a:t>
+            </a:r>
+            <a:endParaRPr lang="en-US" sz="2400" b="1" cap="none" spc="0" dirty="0">
+              <a:ln w="50800"/>
+              <a:solidFill>
+                <a:schemeClr val="bg1">
+                  <a:shade val="50000"/>
+                </a:schemeClr>
+              </a:solidFill>
+              <a:effectLst/>
+            </a:endParaRPr>
           </a:p>
         </p:txBody>
       </p:sp>
@@ -5300,9 +6684,225 @@
   <p:timing>
     <p:tnLst>
       <p:par>
-        <p:cTn id="1" dur="indefinite" restart="never" nodeType="tmRoot"/>
+        <p:cTn id="1" dur="indefinite" restart="never" nodeType="tmRoot">
+          <p:childTnLst>
+            <p:seq concurrent="1" nextAc="seek">
+              <p:cTn id="2" dur="indefinite" nodeType="mainSeq">
+                <p:childTnLst>
+                  <p:par>
+                    <p:cTn id="3" fill="hold">
+                      <p:stCondLst>
+                        <p:cond delay="indefinite"/>
+                      </p:stCondLst>
+                      <p:childTnLst>
+                        <p:par>
+                          <p:cTn id="4" fill="hold">
+                            <p:stCondLst>
+                              <p:cond delay="0"/>
+                            </p:stCondLst>
+                            <p:childTnLst>
+                              <p:par>
+                                <p:cTn id="5" presetID="10" presetClass="entr" presetSubtype="0" fill="hold" grpId="0" nodeType="clickEffect">
+                                  <p:stCondLst>
+                                    <p:cond delay="0"/>
+                                  </p:stCondLst>
+                                  <p:childTnLst>
+                                    <p:set>
+                                      <p:cBhvr>
+                                        <p:cTn id="6" dur="1" fill="hold">
+                                          <p:stCondLst>
+                                            <p:cond delay="0"/>
+                                          </p:stCondLst>
+                                        </p:cTn>
+                                        <p:tgtEl>
+                                          <p:spTgt spid="4">
+                                            <p:txEl>
+                                              <p:pRg st="0" end="0"/>
+                                            </p:txEl>
+                                          </p:spTgt>
+                                        </p:tgtEl>
+                                        <p:attrNameLst>
+                                          <p:attrName>style.visibility</p:attrName>
+                                        </p:attrNameLst>
+                                      </p:cBhvr>
+                                      <p:to>
+                                        <p:strVal val="visible"/>
+                                      </p:to>
+                                    </p:set>
+                                    <p:animEffect transition="in" filter="fade">
+                                      <p:cBhvr>
+                                        <p:cTn id="7" dur="500"/>
+                                        <p:tgtEl>
+                                          <p:spTgt spid="4">
+                                            <p:txEl>
+                                              <p:pRg st="0" end="0"/>
+                                            </p:txEl>
+                                          </p:spTgt>
+                                        </p:tgtEl>
+                                      </p:cBhvr>
+                                    </p:animEffect>
+                                  </p:childTnLst>
+                                </p:cTn>
+                              </p:par>
+                              <p:par>
+                                <p:cTn id="8" presetID="10" presetClass="entr" presetSubtype="0" fill="hold" grpId="0" nodeType="withEffect">
+                                  <p:stCondLst>
+                                    <p:cond delay="0"/>
+                                  </p:stCondLst>
+                                  <p:childTnLst>
+                                    <p:set>
+                                      <p:cBhvr>
+                                        <p:cTn id="9" dur="1" fill="hold">
+                                          <p:stCondLst>
+                                            <p:cond delay="0"/>
+                                          </p:stCondLst>
+                                        </p:cTn>
+                                        <p:tgtEl>
+                                          <p:spTgt spid="4">
+                                            <p:txEl>
+                                              <p:pRg st="1" end="1"/>
+                                            </p:txEl>
+                                          </p:spTgt>
+                                        </p:tgtEl>
+                                        <p:attrNameLst>
+                                          <p:attrName>style.visibility</p:attrName>
+                                        </p:attrNameLst>
+                                      </p:cBhvr>
+                                      <p:to>
+                                        <p:strVal val="visible"/>
+                                      </p:to>
+                                    </p:set>
+                                    <p:animEffect transition="in" filter="fade">
+                                      <p:cBhvr>
+                                        <p:cTn id="10" dur="500"/>
+                                        <p:tgtEl>
+                                          <p:spTgt spid="4">
+                                            <p:txEl>
+                                              <p:pRg st="1" end="1"/>
+                                            </p:txEl>
+                                          </p:spTgt>
+                                        </p:tgtEl>
+                                      </p:cBhvr>
+                                    </p:animEffect>
+                                  </p:childTnLst>
+                                </p:cTn>
+                              </p:par>
+                              <p:par>
+                                <p:cTn id="11" presetID="10" presetClass="entr" presetSubtype="0" fill="hold" grpId="0" nodeType="withEffect">
+                                  <p:stCondLst>
+                                    <p:cond delay="0"/>
+                                  </p:stCondLst>
+                                  <p:childTnLst>
+                                    <p:set>
+                                      <p:cBhvr>
+                                        <p:cTn id="12" dur="1" fill="hold">
+                                          <p:stCondLst>
+                                            <p:cond delay="0"/>
+                                          </p:stCondLst>
+                                        </p:cTn>
+                                        <p:tgtEl>
+                                          <p:spTgt spid="4">
+                                            <p:txEl>
+                                              <p:pRg st="2" end="2"/>
+                                            </p:txEl>
+                                          </p:spTgt>
+                                        </p:tgtEl>
+                                        <p:attrNameLst>
+                                          <p:attrName>style.visibility</p:attrName>
+                                        </p:attrNameLst>
+                                      </p:cBhvr>
+                                      <p:to>
+                                        <p:strVal val="visible"/>
+                                      </p:to>
+                                    </p:set>
+                                    <p:animEffect transition="in" filter="fade">
+                                      <p:cBhvr>
+                                        <p:cTn id="13" dur="500"/>
+                                        <p:tgtEl>
+                                          <p:spTgt spid="4">
+                                            <p:txEl>
+                                              <p:pRg st="2" end="2"/>
+                                            </p:txEl>
+                                          </p:spTgt>
+                                        </p:tgtEl>
+                                      </p:cBhvr>
+                                    </p:animEffect>
+                                  </p:childTnLst>
+                                </p:cTn>
+                              </p:par>
+                              <p:par>
+                                <p:cTn id="14" presetID="10" presetClass="entr" presetSubtype="0" fill="hold" grpId="0" nodeType="withEffect">
+                                  <p:stCondLst>
+                                    <p:cond delay="0"/>
+                                  </p:stCondLst>
+                                  <p:childTnLst>
+                                    <p:set>
+                                      <p:cBhvr>
+                                        <p:cTn id="15" dur="1" fill="hold">
+                                          <p:stCondLst>
+                                            <p:cond delay="0"/>
+                                          </p:stCondLst>
+                                        </p:cTn>
+                                        <p:tgtEl>
+                                          <p:spTgt spid="4">
+                                            <p:txEl>
+                                              <p:pRg st="3" end="3"/>
+                                            </p:txEl>
+                                          </p:spTgt>
+                                        </p:tgtEl>
+                                        <p:attrNameLst>
+                                          <p:attrName>style.visibility</p:attrName>
+                                        </p:attrNameLst>
+                                      </p:cBhvr>
+                                      <p:to>
+                                        <p:strVal val="visible"/>
+                                      </p:to>
+                                    </p:set>
+                                    <p:animEffect transition="in" filter="fade">
+                                      <p:cBhvr>
+                                        <p:cTn id="16" dur="500"/>
+                                        <p:tgtEl>
+                                          <p:spTgt spid="4">
+                                            <p:txEl>
+                                              <p:pRg st="3" end="3"/>
+                                            </p:txEl>
+                                          </p:spTgt>
+                                        </p:tgtEl>
+                                      </p:cBhvr>
+                                    </p:animEffect>
+                                  </p:childTnLst>
+                                </p:cTn>
+                              </p:par>
+                            </p:childTnLst>
+                          </p:cTn>
+                        </p:par>
+                      </p:childTnLst>
+                    </p:cTn>
+                  </p:par>
+                </p:childTnLst>
+              </p:cTn>
+              <p:prevCondLst>
+                <p:cond evt="onPrev" delay="0">
+                  <p:tgtEl>
+                    <p:sldTgt/>
+                  </p:tgtEl>
+                </p:cond>
+              </p:prevCondLst>
+              <p:nextCondLst>
+                <p:cond evt="onNext" delay="0">
+                  <p:tgtEl>
+                    <p:sldTgt/>
+                  </p:tgtEl>
+                </p:cond>
+              </p:nextCondLst>
+            </p:seq>
+          </p:childTnLst>
+        </p:cTn>
       </p:par>
     </p:tnLst>
+    <p:bldLst>
+      <p:bldP spid="4" grpId="0" build="p"/>
+    </p:bldLst>
   </p:timing>
 </p:sld>
 </file>
@@ -5818,7 +7418,6 @@
               <a:rPr lang="en-US" sz="1600" dirty="0"/>
               <a:t>game continues with some kills and then one of the king is killed, then</a:t>
             </a:r>
-            <a:endParaRPr lang="en-US" sz="1600" dirty="0"/>
           </a:p>
           <a:p>
             <a:pPr lvl="2" fontAlgn="base"/>
@@ -5953,7 +7552,6 @@
               <a:rPr lang="en-US" sz="1800" dirty="0"/>
               <a:t>kills.</a:t>
             </a:r>
-            <a:endParaRPr lang="en-US" sz="1800" dirty="0"/>
           </a:p>
           <a:p>
             <a:r>
@@ -5982,7 +7580,6 @@
               <a:rPr lang="en-US" sz="1800" dirty="0"/>
               <a:t>.</a:t>
             </a:r>
-            <a:endParaRPr lang="en-US" sz="1800" dirty="0"/>
           </a:p>
           <a:p>
             <a:pPr lvl="2"/>
@@ -5990,7 +7587,6 @@
               <a:rPr lang="en-US" sz="1600" dirty="0"/>
               <a:t>1.If he isn't killed, the game is draw type 2, the player with more time gets points from his time (minutes left * 10) apart from the kill points.</a:t>
             </a:r>
-            <a:endParaRPr lang="en-US" sz="1600" dirty="0"/>
           </a:p>
           <a:p>
             <a:pPr lvl="2"/>
@@ -6845,13 +8441,13 @@
   <p:clrMapOvr>
     <a:masterClrMapping/>
   </p:clrMapOvr>
-  <mc:AlternateContent xmlns:mc="http://schemas.openxmlformats.org/markup-compatibility/2006">
-    <mc:Choice xmlns:p14="http://schemas.microsoft.com/office/powerpoint/2010/main" Requires="p14">
+  <mc:AlternateContent xmlns:mc="http://schemas.openxmlformats.org/markup-compatibility/2006" xmlns:p14="http://schemas.microsoft.com/office/powerpoint/2010/main">
+    <mc:Choice Requires="p14">
       <p:transition spd="slow" p14:dur="1500">
         <p:split orient="vert"/>
       </p:transition>
     </mc:Choice>
-    <mc:Fallback>
+    <mc:Fallback xmlns="">
       <p:transition spd="slow">
         <p:split orient="vert"/>
       </p:transition>
@@ -7014,13 +8610,13 @@
   <p:clrMapOvr>
     <a:masterClrMapping/>
   </p:clrMapOvr>
-  <mc:AlternateContent xmlns:mc="http://schemas.openxmlformats.org/markup-compatibility/2006">
-    <mc:Choice xmlns:p14="http://schemas.microsoft.com/office/powerpoint/2010/main" Requires="p14">
+  <mc:AlternateContent xmlns:mc="http://schemas.openxmlformats.org/markup-compatibility/2006" xmlns:p14="http://schemas.microsoft.com/office/powerpoint/2010/main">
+    <mc:Choice Requires="p14">
       <p:transition spd="slow" p14:dur="1500">
         <p:split orient="vert"/>
       </p:transition>
     </mc:Choice>
-    <mc:Fallback>
+    <mc:Fallback xmlns="">
       <p:transition spd="slow">
         <p:split orient="vert"/>
       </p:transition>

--- a/Presentation.pptx
+++ b/Presentation.pptx
@@ -12,14 +12,15 @@
     <p:sldId id="262" r:id="rId6"/>
     <p:sldId id="267" r:id="rId7"/>
     <p:sldId id="261" r:id="rId8"/>
-    <p:sldId id="265" r:id="rId9"/>
-    <p:sldId id="268" r:id="rId10"/>
+    <p:sldId id="268" r:id="rId9"/>
+    <p:sldId id="265" r:id="rId10"/>
     <p:sldId id="259" r:id="rId11"/>
     <p:sldId id="264" r:id="rId12"/>
     <p:sldId id="269" r:id="rId13"/>
     <p:sldId id="270" r:id="rId14"/>
     <p:sldId id="271" r:id="rId15"/>
     <p:sldId id="266" r:id="rId16"/>
+    <p:sldId id="272" r:id="rId17"/>
   </p:sldIdLst>
   <p:sldSz cx="9144000" cy="6858000" type="screen4x3"/>
   <p:notesSz cx="6858000" cy="9144000"/>
@@ -4758,58 +4759,6 @@
           </a:p>
         </p:txBody>
       </p:sp>
-      <p:pic>
-        <p:nvPicPr>
-          <p:cNvPr id="1026" name="Picture 2"/>
-          <p:cNvPicPr>
-            <a:picLocks noChangeAspect="1" noChangeArrowheads="1"/>
-          </p:cNvPicPr>
-          <p:nvPr/>
-        </p:nvPicPr>
-        <p:blipFill rotWithShape="1">
-          <a:blip r:embed="rId2">
-            <a:extLst>
-              <a:ext uri="{28A0092B-C50C-407E-A947-70E740481C1C}">
-                <a14:useLocalDpi xmlns:a14="http://schemas.microsoft.com/office/drawing/2010/main" val="0"/>
-              </a:ext>
-            </a:extLst>
-          </a:blip>
-          <a:srcRect r="-896" b="373"/>
-          <a:stretch/>
-        </p:blipFill>
-        <p:spPr bwMode="auto">
-          <a:xfrm>
-            <a:off x="6477000" y="4267200"/>
-            <a:ext cx="2229612" cy="2239518"/>
-          </a:xfrm>
-          <a:prstGeom prst="rect">
-            <a:avLst/>
-          </a:prstGeom>
-          <a:noFill/>
-          <a:ln>
-            <a:noFill/>
-          </a:ln>
-          <a:extLst>
-            <a:ext uri="{909E8E84-426E-40DD-AFC4-6F175D3DCCD1}">
-              <a14:hiddenFill xmlns:a14="http://schemas.microsoft.com/office/drawing/2010/main">
-                <a:solidFill>
-                  <a:schemeClr val="accent1"/>
-                </a:solidFill>
-              </a14:hiddenFill>
-            </a:ext>
-            <a:ext uri="{91240B29-F687-4F45-9708-019B960494DF}">
-              <a14:hiddenLine xmlns:a14="http://schemas.microsoft.com/office/drawing/2010/main" w="9525">
-                <a:solidFill>
-                  <a:schemeClr val="tx1"/>
-                </a:solidFill>
-                <a:miter lim="800000"/>
-                <a:headEnd/>
-                <a:tailEnd/>
-              </a14:hiddenLine>
-            </a:ext>
-          </a:extLst>
-        </p:spPr>
-      </p:pic>
       <p:sp>
         <p:nvSpPr>
           <p:cNvPr id="6" name="Content Placeholder 2"/>
@@ -5050,276 +4999,353 @@
           </a:p>
         </p:txBody>
       </p:sp>
-      <p:cxnSp>
-        <p:nvCxnSpPr>
-          <p:cNvPr id="7" name="Straight Arrow Connector 6"/>
-          <p:cNvCxnSpPr/>
+      <p:grpSp>
+        <p:nvGrpSpPr>
+          <p:cNvPr id="4" name="Group 3"/>
+          <p:cNvGrpSpPr/>
           <p:nvPr/>
-        </p:nvCxnSpPr>
-        <p:spPr>
-          <a:xfrm flipV="1">
-            <a:off x="7696200" y="4648200"/>
-            <a:ext cx="609600" cy="609600"/>
+        </p:nvGrpSpPr>
+        <p:grpSpPr>
+          <a:xfrm>
+            <a:off x="6477000" y="4267200"/>
+            <a:ext cx="2229612" cy="2239518"/>
+            <a:chOff x="6477000" y="4267200"/>
+            <a:chExt cx="2229612" cy="2239518"/>
           </a:xfrm>
-          <a:prstGeom prst="straightConnector1">
-            <a:avLst/>
-          </a:prstGeom>
-          <a:ln>
-            <a:tailEnd type="arrow"/>
-          </a:ln>
-        </p:spPr>
-        <p:style>
-          <a:lnRef idx="1">
-            <a:schemeClr val="accent1"/>
-          </a:lnRef>
-          <a:fillRef idx="0">
-            <a:schemeClr val="accent1"/>
-          </a:fillRef>
-          <a:effectRef idx="0">
-            <a:schemeClr val="accent1"/>
-          </a:effectRef>
-          <a:fontRef idx="minor">
-            <a:schemeClr val="tx1"/>
-          </a:fontRef>
-        </p:style>
-      </p:cxnSp>
-      <p:cxnSp>
-        <p:nvCxnSpPr>
-          <p:cNvPr id="9" name="Straight Arrow Connector 8"/>
-          <p:cNvCxnSpPr/>
-          <p:nvPr/>
-        </p:nvCxnSpPr>
-        <p:spPr>
-          <a:xfrm>
-            <a:off x="7696200" y="5486400"/>
-            <a:ext cx="609600" cy="685800"/>
-          </a:xfrm>
-          <a:prstGeom prst="straightConnector1">
-            <a:avLst/>
-          </a:prstGeom>
-          <a:ln>
-            <a:tailEnd type="arrow"/>
-          </a:ln>
-        </p:spPr>
-        <p:style>
-          <a:lnRef idx="1">
-            <a:schemeClr val="accent1"/>
-          </a:lnRef>
-          <a:fillRef idx="0">
-            <a:schemeClr val="accent1"/>
-          </a:fillRef>
-          <a:effectRef idx="0">
-            <a:schemeClr val="accent1"/>
-          </a:effectRef>
-          <a:fontRef idx="minor">
-            <a:schemeClr val="tx1"/>
-          </a:fontRef>
-        </p:style>
-      </p:cxnSp>
-      <p:cxnSp>
-        <p:nvCxnSpPr>
-          <p:cNvPr id="11" name="Straight Arrow Connector 10"/>
-          <p:cNvCxnSpPr/>
-          <p:nvPr/>
-        </p:nvCxnSpPr>
-        <p:spPr>
-          <a:xfrm flipH="1" flipV="1">
-            <a:off x="6781800" y="4572000"/>
-            <a:ext cx="609600" cy="738759"/>
-          </a:xfrm>
-          <a:prstGeom prst="straightConnector1">
-            <a:avLst/>
-          </a:prstGeom>
-          <a:ln>
-            <a:tailEnd type="arrow"/>
-          </a:ln>
-        </p:spPr>
-        <p:style>
-          <a:lnRef idx="1">
-            <a:schemeClr val="accent1"/>
-          </a:lnRef>
-          <a:fillRef idx="0">
-            <a:schemeClr val="accent1"/>
-          </a:fillRef>
-          <a:effectRef idx="0">
-            <a:schemeClr val="accent1"/>
-          </a:effectRef>
-          <a:fontRef idx="minor">
-            <a:schemeClr val="tx1"/>
-          </a:fontRef>
-        </p:style>
-      </p:cxnSp>
-      <p:sp>
-        <p:nvSpPr>
-          <p:cNvPr id="12" name="Multiply 11"/>
-          <p:cNvSpPr/>
-          <p:nvPr/>
-        </p:nvSpPr>
-        <p:spPr>
-          <a:xfrm rot="20705000">
-            <a:off x="7837745" y="4700626"/>
-            <a:ext cx="457201" cy="381000"/>
-          </a:xfrm>
-          <a:prstGeom prst="mathMultiply">
-            <a:avLst>
-              <a:gd name="adj1" fmla="val 9120"/>
-            </a:avLst>
-          </a:prstGeom>
-          <a:solidFill>
-            <a:srgbClr val="FF0000"/>
-          </a:solidFill>
-        </p:spPr>
-        <p:style>
-          <a:lnRef idx="2">
-            <a:schemeClr val="accent1">
-              <a:shade val="50000"/>
-            </a:schemeClr>
-          </a:lnRef>
-          <a:fillRef idx="1">
-            <a:schemeClr val="accent1"/>
-          </a:fillRef>
-          <a:effectRef idx="0">
-            <a:schemeClr val="accent1"/>
-          </a:effectRef>
-          <a:fontRef idx="minor">
-            <a:schemeClr val="lt1"/>
-          </a:fontRef>
-        </p:style>
-        <p:txBody>
-          <a:bodyPr rtlCol="0" anchor="ctr"/>
-          <a:lstStyle/>
-          <a:p>
-            <a:pPr algn="ctr"/>
-            <a:endParaRPr lang="en-US" dirty="0" smtClean="0">
-              <a:ln>
+        </p:grpSpPr>
+        <p:pic>
+          <p:nvPicPr>
+            <p:cNvPr id="1026" name="Picture 2"/>
+            <p:cNvPicPr>
+              <a:picLocks noChangeAspect="1" noChangeArrowheads="1"/>
+            </p:cNvPicPr>
+            <p:nvPr/>
+          </p:nvPicPr>
+          <p:blipFill rotWithShape="1">
+            <a:blip r:embed="rId2">
+              <a:extLst>
+                <a:ext uri="{28A0092B-C50C-407E-A947-70E740481C1C}">
+                  <a14:useLocalDpi xmlns:a14="http://schemas.microsoft.com/office/drawing/2010/main" val="0"/>
+                </a:ext>
+              </a:extLst>
+            </a:blip>
+            <a:srcRect r="-896" b="373"/>
+            <a:stretch/>
+          </p:blipFill>
+          <p:spPr bwMode="auto">
+            <a:xfrm>
+              <a:off x="6477000" y="4267200"/>
+              <a:ext cx="2229612" cy="2239518"/>
+            </a:xfrm>
+            <a:prstGeom prst="rect">
+              <a:avLst/>
+            </a:prstGeom>
+            <a:noFill/>
+            <a:ln>
+              <a:noFill/>
+            </a:ln>
+            <a:extLst>
+              <a:ext uri="{909E8E84-426E-40DD-AFC4-6F175D3DCCD1}">
+                <a14:hiddenFill xmlns:a14="http://schemas.microsoft.com/office/drawing/2010/main">
+                  <a:solidFill>
+                    <a:schemeClr val="accent1"/>
+                  </a:solidFill>
+                </a14:hiddenFill>
+              </a:ext>
+              <a:ext uri="{91240B29-F687-4F45-9708-019B960494DF}">
+                <a14:hiddenLine xmlns:a14="http://schemas.microsoft.com/office/drawing/2010/main" w="9525">
+                  <a:solidFill>
+                    <a:schemeClr val="tx1"/>
+                  </a:solidFill>
+                  <a:miter lim="800000"/>
+                  <a:headEnd/>
+                  <a:tailEnd/>
+                </a14:hiddenLine>
+              </a:ext>
+            </a:extLst>
+          </p:spPr>
+        </p:pic>
+        <p:cxnSp>
+          <p:nvCxnSpPr>
+            <p:cNvPr id="7" name="Straight Arrow Connector 6"/>
+            <p:cNvCxnSpPr/>
+            <p:nvPr/>
+          </p:nvCxnSpPr>
+          <p:spPr>
+            <a:xfrm flipV="1">
+              <a:off x="7696200" y="4648200"/>
+              <a:ext cx="609600" cy="609600"/>
+            </a:xfrm>
+            <a:prstGeom prst="straightConnector1">
+              <a:avLst/>
+            </a:prstGeom>
+            <a:ln>
+              <a:tailEnd type="arrow"/>
+            </a:ln>
+          </p:spPr>
+          <p:style>
+            <a:lnRef idx="1">
+              <a:schemeClr val="accent1"/>
+            </a:lnRef>
+            <a:fillRef idx="0">
+              <a:schemeClr val="accent1"/>
+            </a:fillRef>
+            <a:effectRef idx="0">
+              <a:schemeClr val="accent1"/>
+            </a:effectRef>
+            <a:fontRef idx="minor">
+              <a:schemeClr val="tx1"/>
+            </a:fontRef>
+          </p:style>
+        </p:cxnSp>
+        <p:cxnSp>
+          <p:nvCxnSpPr>
+            <p:cNvPr id="9" name="Straight Arrow Connector 8"/>
+            <p:cNvCxnSpPr/>
+            <p:nvPr/>
+          </p:nvCxnSpPr>
+          <p:spPr>
+            <a:xfrm>
+              <a:off x="7696200" y="5486400"/>
+              <a:ext cx="609600" cy="685800"/>
+            </a:xfrm>
+            <a:prstGeom prst="straightConnector1">
+              <a:avLst/>
+            </a:prstGeom>
+            <a:ln>
+              <a:tailEnd type="arrow"/>
+            </a:ln>
+          </p:spPr>
+          <p:style>
+            <a:lnRef idx="1">
+              <a:schemeClr val="accent1"/>
+            </a:lnRef>
+            <a:fillRef idx="0">
+              <a:schemeClr val="accent1"/>
+            </a:fillRef>
+            <a:effectRef idx="0">
+              <a:schemeClr val="accent1"/>
+            </a:effectRef>
+            <a:fontRef idx="minor">
+              <a:schemeClr val="tx1"/>
+            </a:fontRef>
+          </p:style>
+        </p:cxnSp>
+        <p:cxnSp>
+          <p:nvCxnSpPr>
+            <p:cNvPr id="11" name="Straight Arrow Connector 10"/>
+            <p:cNvCxnSpPr/>
+            <p:nvPr/>
+          </p:nvCxnSpPr>
+          <p:spPr>
+            <a:xfrm flipH="1" flipV="1">
+              <a:off x="6781800" y="4572000"/>
+              <a:ext cx="609600" cy="738759"/>
+            </a:xfrm>
+            <a:prstGeom prst="straightConnector1">
+              <a:avLst/>
+            </a:prstGeom>
+            <a:ln>
+              <a:tailEnd type="arrow"/>
+            </a:ln>
+          </p:spPr>
+          <p:style>
+            <a:lnRef idx="1">
+              <a:schemeClr val="accent1"/>
+            </a:lnRef>
+            <a:fillRef idx="0">
+              <a:schemeClr val="accent1"/>
+            </a:fillRef>
+            <a:effectRef idx="0">
+              <a:schemeClr val="accent1"/>
+            </a:effectRef>
+            <a:fontRef idx="minor">
+              <a:schemeClr val="tx1"/>
+            </a:fontRef>
+          </p:style>
+        </p:cxnSp>
+        <p:sp>
+          <p:nvSpPr>
+            <p:cNvPr id="12" name="Multiply 11"/>
+            <p:cNvSpPr/>
+            <p:nvPr/>
+          </p:nvSpPr>
+          <p:spPr>
+            <a:xfrm rot="20705000">
+              <a:off x="7837745" y="4700626"/>
+              <a:ext cx="457201" cy="381000"/>
+            </a:xfrm>
+            <a:prstGeom prst="mathMultiply">
+              <a:avLst>
+                <a:gd name="adj1" fmla="val 9120"/>
+              </a:avLst>
+            </a:prstGeom>
+            <a:solidFill>
+              <a:srgbClr val="FF0000"/>
+            </a:solidFill>
+          </p:spPr>
+          <p:style>
+            <a:lnRef idx="2">
+              <a:schemeClr val="accent1">
+                <a:shade val="50000"/>
+              </a:schemeClr>
+            </a:lnRef>
+            <a:fillRef idx="1">
+              <a:schemeClr val="accent1"/>
+            </a:fillRef>
+            <a:effectRef idx="0">
+              <a:schemeClr val="accent1"/>
+            </a:effectRef>
+            <a:fontRef idx="minor">
+              <a:schemeClr val="lt1"/>
+            </a:fontRef>
+          </p:style>
+          <p:txBody>
+            <a:bodyPr rtlCol="0" anchor="ctr"/>
+            <a:lstStyle/>
+            <a:p>
+              <a:pPr algn="ctr"/>
+              <a:endParaRPr lang="en-US" dirty="0" smtClean="0">
+                <a:ln>
+                  <a:solidFill>
+                    <a:srgbClr val="FF0000"/>
+                  </a:solidFill>
+                </a:ln>
                 <a:solidFill>
                   <a:srgbClr val="FF0000"/>
                 </a:solidFill>
-              </a:ln>
-              <a:solidFill>
-                <a:srgbClr val="FF0000"/>
-              </a:solidFill>
-            </a:endParaRPr>
-          </a:p>
-          <a:p>
-            <a:pPr algn="ctr"/>
-            <a:endParaRPr lang="en-US" dirty="0">
-              <a:ln>
+              </a:endParaRPr>
+            </a:p>
+            <a:p>
+              <a:pPr algn="ctr"/>
+              <a:endParaRPr lang="en-US" dirty="0">
+                <a:ln>
+                  <a:solidFill>
+                    <a:srgbClr val="FF0000"/>
+                  </a:solidFill>
+                </a:ln>
                 <a:solidFill>
                   <a:srgbClr val="FF0000"/>
                 </a:solidFill>
-              </a:ln>
-              <a:solidFill>
-                <a:srgbClr val="FF0000"/>
-              </a:solidFill>
-            </a:endParaRPr>
-          </a:p>
-        </p:txBody>
-      </p:sp>
-      <p:sp>
-        <p:nvSpPr>
-          <p:cNvPr id="14" name="Multiply 13"/>
-          <p:cNvSpPr/>
-          <p:nvPr/>
-        </p:nvSpPr>
-        <p:spPr>
-          <a:xfrm rot="20705000">
-            <a:off x="7807265" y="5662574"/>
-            <a:ext cx="457201" cy="381000"/>
-          </a:xfrm>
-          <a:prstGeom prst="mathMultiply">
-            <a:avLst>
-              <a:gd name="adj1" fmla="val 9120"/>
-            </a:avLst>
-          </a:prstGeom>
-          <a:solidFill>
-            <a:srgbClr val="FF0000"/>
-          </a:solidFill>
-        </p:spPr>
-        <p:style>
-          <a:lnRef idx="2">
-            <a:schemeClr val="accent1">
-              <a:shade val="50000"/>
-            </a:schemeClr>
-          </a:lnRef>
-          <a:fillRef idx="1">
-            <a:schemeClr val="accent1"/>
-          </a:fillRef>
-          <a:effectRef idx="0">
-            <a:schemeClr val="accent1"/>
-          </a:effectRef>
-          <a:fontRef idx="minor">
-            <a:schemeClr val="lt1"/>
-          </a:fontRef>
-        </p:style>
-        <p:txBody>
-          <a:bodyPr rtlCol="0" anchor="ctr"/>
-          <a:lstStyle/>
-          <a:p>
-            <a:pPr algn="ctr"/>
-            <a:endParaRPr lang="en-US" dirty="0" smtClean="0">
-              <a:ln>
+              </a:endParaRPr>
+            </a:p>
+          </p:txBody>
+        </p:sp>
+        <p:sp>
+          <p:nvSpPr>
+            <p:cNvPr id="14" name="Multiply 13"/>
+            <p:cNvSpPr/>
+            <p:nvPr/>
+          </p:nvSpPr>
+          <p:spPr>
+            <a:xfrm rot="20705000">
+              <a:off x="7807265" y="5662574"/>
+              <a:ext cx="457201" cy="381000"/>
+            </a:xfrm>
+            <a:prstGeom prst="mathMultiply">
+              <a:avLst>
+                <a:gd name="adj1" fmla="val 9120"/>
+              </a:avLst>
+            </a:prstGeom>
+            <a:solidFill>
+              <a:srgbClr val="FF0000"/>
+            </a:solidFill>
+          </p:spPr>
+          <p:style>
+            <a:lnRef idx="2">
+              <a:schemeClr val="accent1">
+                <a:shade val="50000"/>
+              </a:schemeClr>
+            </a:lnRef>
+            <a:fillRef idx="1">
+              <a:schemeClr val="accent1"/>
+            </a:fillRef>
+            <a:effectRef idx="0">
+              <a:schemeClr val="accent1"/>
+            </a:effectRef>
+            <a:fontRef idx="minor">
+              <a:schemeClr val="lt1"/>
+            </a:fontRef>
+          </p:style>
+          <p:txBody>
+            <a:bodyPr rtlCol="0" anchor="ctr"/>
+            <a:lstStyle/>
+            <a:p>
+              <a:pPr algn="ctr"/>
+              <a:endParaRPr lang="en-US" dirty="0" smtClean="0">
+                <a:ln>
+                  <a:solidFill>
+                    <a:srgbClr val="FF0000"/>
+                  </a:solidFill>
+                </a:ln>
                 <a:solidFill>
                   <a:srgbClr val="FF0000"/>
                 </a:solidFill>
-              </a:ln>
-              <a:solidFill>
-                <a:srgbClr val="FF0000"/>
-              </a:solidFill>
-            </a:endParaRPr>
-          </a:p>
-          <a:p>
-            <a:pPr algn="ctr"/>
-            <a:endParaRPr lang="en-US" dirty="0">
-              <a:ln>
+              </a:endParaRPr>
+            </a:p>
+            <a:p>
+              <a:pPr algn="ctr"/>
+              <a:endParaRPr lang="en-US" dirty="0">
+                <a:ln>
+                  <a:solidFill>
+                    <a:srgbClr val="FF0000"/>
+                  </a:solidFill>
+                </a:ln>
                 <a:solidFill>
                   <a:srgbClr val="FF0000"/>
                 </a:solidFill>
-              </a:ln>
-              <a:solidFill>
-                <a:srgbClr val="FF0000"/>
-              </a:solidFill>
-            </a:endParaRPr>
-          </a:p>
-        </p:txBody>
-      </p:sp>
-      <p:sp>
-        <p:nvSpPr>
-          <p:cNvPr id="13" name="Rectangle 12"/>
-          <p:cNvSpPr/>
-          <p:nvPr/>
-        </p:nvSpPr>
-        <p:spPr>
-          <a:xfrm>
-            <a:off x="8315481" y="4343400"/>
-            <a:ext cx="218919" cy="461665"/>
-          </a:xfrm>
-          <a:prstGeom prst="rect">
-            <a:avLst/>
-          </a:prstGeom>
-          <a:noFill/>
-        </p:spPr>
-        <p:txBody>
-          <a:bodyPr wrap="square" lIns="91440" tIns="45720" rIns="91440" bIns="45720">
-            <a:spAutoFit/>
-            <a:scene3d>
-              <a:camera prst="orthographicFront"/>
-              <a:lightRig rig="balanced" dir="t">
-                <a:rot lat="0" lon="0" rev="2100000"/>
-              </a:lightRig>
-            </a:scene3d>
-            <a:sp3d extrusionH="57150" prstMaterial="metal">
-              <a:bevelT w="38100" h="25400"/>
-              <a:contourClr>
-                <a:schemeClr val="bg2"/>
-              </a:contourClr>
-            </a:sp3d>
-          </a:bodyPr>
-          <a:lstStyle/>
-          <a:p>
-            <a:pPr algn="ctr"/>
-            <a:r>
-              <a:rPr lang="en-US" sz="2400" b="1" cap="none" spc="0" dirty="0" smtClean="0">
+              </a:endParaRPr>
+            </a:p>
+          </p:txBody>
+        </p:sp>
+        <p:sp>
+          <p:nvSpPr>
+            <p:cNvPr id="13" name="Rectangle 12"/>
+            <p:cNvSpPr/>
+            <p:nvPr/>
+          </p:nvSpPr>
+          <p:spPr>
+            <a:xfrm>
+              <a:off x="8315481" y="4343400"/>
+              <a:ext cx="218919" cy="461665"/>
+            </a:xfrm>
+            <a:prstGeom prst="rect">
+              <a:avLst/>
+            </a:prstGeom>
+            <a:noFill/>
+          </p:spPr>
+          <p:txBody>
+            <a:bodyPr wrap="square" lIns="91440" tIns="45720" rIns="91440" bIns="45720">
+              <a:spAutoFit/>
+              <a:scene3d>
+                <a:camera prst="orthographicFront"/>
+                <a:lightRig rig="balanced" dir="t">
+                  <a:rot lat="0" lon="0" rev="2100000"/>
+                </a:lightRig>
+              </a:scene3d>
+              <a:sp3d extrusionH="57150" prstMaterial="metal">
+                <a:bevelT w="38100" h="25400"/>
+                <a:contourClr>
+                  <a:schemeClr val="bg2"/>
+                </a:contourClr>
+              </a:sp3d>
+            </a:bodyPr>
+            <a:lstStyle/>
+            <a:p>
+              <a:pPr algn="ctr"/>
+              <a:r>
+                <a:rPr lang="en-US" sz="2400" b="1" cap="none" spc="0" dirty="0" smtClean="0">
+                  <a:ln w="50800"/>
+                  <a:solidFill>
+                    <a:schemeClr val="bg1">
+                      <a:shade val="50000"/>
+                    </a:schemeClr>
+                  </a:solidFill>
+                  <a:effectLst/>
+                </a:rPr>
+                <a:t>A</a:t>
+              </a:r>
+              <a:endParaRPr lang="en-US" sz="2400" b="1" cap="none" spc="0" dirty="0">
                 <a:ln w="50800"/>
                 <a:solidFill>
                   <a:schemeClr val="bg1">
@@ -5327,137 +5353,127 @@
                   </a:schemeClr>
                 </a:solidFill>
                 <a:effectLst/>
-              </a:rPr>
-              <a:t>A</a:t>
-            </a:r>
-            <a:endParaRPr lang="en-US" sz="2400" b="1" cap="none" spc="0" dirty="0">
-              <a:ln w="50800"/>
-              <a:solidFill>
-                <a:schemeClr val="bg1">
-                  <a:shade val="50000"/>
-                </a:schemeClr>
-              </a:solidFill>
-              <a:effectLst/>
-            </a:endParaRPr>
-          </a:p>
-        </p:txBody>
-      </p:sp>
-      <p:sp>
-        <p:nvSpPr>
-          <p:cNvPr id="16" name="Rectangle 15"/>
-          <p:cNvSpPr/>
-          <p:nvPr/>
-        </p:nvSpPr>
-        <p:spPr>
-          <a:xfrm>
-            <a:off x="6934200" y="4343400"/>
-            <a:ext cx="218919" cy="461665"/>
-          </a:xfrm>
-          <a:prstGeom prst="rect">
-            <a:avLst/>
-          </a:prstGeom>
-          <a:noFill/>
-        </p:spPr>
-        <p:txBody>
-          <a:bodyPr wrap="square" lIns="91440" tIns="45720" rIns="91440" bIns="45720">
-            <a:spAutoFit/>
-            <a:scene3d>
-              <a:camera prst="orthographicFront"/>
-              <a:lightRig rig="balanced" dir="t">
-                <a:rot lat="0" lon="0" rev="2100000"/>
-              </a:lightRig>
-            </a:scene3d>
-            <a:sp3d extrusionH="57150" prstMaterial="metal">
-              <a:bevelT w="38100" h="25400"/>
-              <a:contourClr>
-                <a:schemeClr val="bg2"/>
-              </a:contourClr>
-            </a:sp3d>
-          </a:bodyPr>
-          <a:lstStyle/>
-          <a:p>
-            <a:pPr algn="ctr"/>
-            <a:r>
-              <a:rPr lang="en-IN" sz="2400" b="1" dirty="0" smtClean="0">
+              </a:endParaRPr>
+            </a:p>
+          </p:txBody>
+        </p:sp>
+        <p:sp>
+          <p:nvSpPr>
+            <p:cNvPr id="16" name="Rectangle 15"/>
+            <p:cNvSpPr/>
+            <p:nvPr/>
+          </p:nvSpPr>
+          <p:spPr>
+            <a:xfrm>
+              <a:off x="6934200" y="4343400"/>
+              <a:ext cx="218919" cy="461665"/>
+            </a:xfrm>
+            <a:prstGeom prst="rect">
+              <a:avLst/>
+            </a:prstGeom>
+            <a:noFill/>
+          </p:spPr>
+          <p:txBody>
+            <a:bodyPr wrap="square" lIns="91440" tIns="45720" rIns="91440" bIns="45720">
+              <a:spAutoFit/>
+              <a:scene3d>
+                <a:camera prst="orthographicFront"/>
+                <a:lightRig rig="balanced" dir="t">
+                  <a:rot lat="0" lon="0" rev="2100000"/>
+                </a:lightRig>
+              </a:scene3d>
+              <a:sp3d extrusionH="57150" prstMaterial="metal">
+                <a:bevelT w="38100" h="25400"/>
+                <a:contourClr>
+                  <a:schemeClr val="bg2"/>
+                </a:contourClr>
+              </a:sp3d>
+            </a:bodyPr>
+            <a:lstStyle/>
+            <a:p>
+              <a:pPr algn="ctr"/>
+              <a:r>
+                <a:rPr lang="en-IN" sz="2400" b="1" dirty="0" smtClean="0">
+                  <a:ln w="50800"/>
+                  <a:solidFill>
+                    <a:schemeClr val="bg1">
+                      <a:shade val="50000"/>
+                    </a:schemeClr>
+                  </a:solidFill>
+                </a:rPr>
+                <a:t>B</a:t>
+              </a:r>
+              <a:endParaRPr lang="en-US" sz="2400" b="1" cap="none" spc="0" dirty="0">
                 <a:ln w="50800"/>
                 <a:solidFill>
                   <a:schemeClr val="bg1">
                     <a:shade val="50000"/>
                   </a:schemeClr>
                 </a:solidFill>
-              </a:rPr>
-              <a:t>B</a:t>
-            </a:r>
-            <a:endParaRPr lang="en-US" sz="2400" b="1" cap="none" spc="0" dirty="0">
-              <a:ln w="50800"/>
-              <a:solidFill>
-                <a:schemeClr val="bg1">
-                  <a:shade val="50000"/>
-                </a:schemeClr>
-              </a:solidFill>
-              <a:effectLst/>
-            </a:endParaRPr>
-          </a:p>
-        </p:txBody>
-      </p:sp>
-      <p:sp>
-        <p:nvSpPr>
-          <p:cNvPr id="17" name="Rectangle 16"/>
-          <p:cNvSpPr/>
-          <p:nvPr/>
-        </p:nvSpPr>
-        <p:spPr>
-          <a:xfrm>
-            <a:off x="8342107" y="5869129"/>
-            <a:ext cx="218919" cy="461665"/>
-          </a:xfrm>
-          <a:prstGeom prst="rect">
-            <a:avLst/>
-          </a:prstGeom>
-          <a:noFill/>
-        </p:spPr>
-        <p:txBody>
-          <a:bodyPr wrap="square" lIns="91440" tIns="45720" rIns="91440" bIns="45720">
-            <a:spAutoFit/>
-            <a:scene3d>
-              <a:camera prst="orthographicFront"/>
-              <a:lightRig rig="balanced" dir="t">
-                <a:rot lat="0" lon="0" rev="2100000"/>
-              </a:lightRig>
-            </a:scene3d>
-            <a:sp3d extrusionH="57150" prstMaterial="metal">
-              <a:bevelT w="38100" h="25400"/>
-              <a:contourClr>
-                <a:schemeClr val="bg2"/>
-              </a:contourClr>
-            </a:sp3d>
-          </a:bodyPr>
-          <a:lstStyle/>
-          <a:p>
-            <a:pPr algn="ctr"/>
-            <a:r>
-              <a:rPr lang="en-IN" sz="2400" b="1" dirty="0" smtClean="0">
+                <a:effectLst/>
+              </a:endParaRPr>
+            </a:p>
+          </p:txBody>
+        </p:sp>
+        <p:sp>
+          <p:nvSpPr>
+            <p:cNvPr id="17" name="Rectangle 16"/>
+            <p:cNvSpPr/>
+            <p:nvPr/>
+          </p:nvSpPr>
+          <p:spPr>
+            <a:xfrm>
+              <a:off x="8342107" y="5869129"/>
+              <a:ext cx="218919" cy="461665"/>
+            </a:xfrm>
+            <a:prstGeom prst="rect">
+              <a:avLst/>
+            </a:prstGeom>
+            <a:noFill/>
+          </p:spPr>
+          <p:txBody>
+            <a:bodyPr wrap="square" lIns="91440" tIns="45720" rIns="91440" bIns="45720">
+              <a:spAutoFit/>
+              <a:scene3d>
+                <a:camera prst="orthographicFront"/>
+                <a:lightRig rig="balanced" dir="t">
+                  <a:rot lat="0" lon="0" rev="2100000"/>
+                </a:lightRig>
+              </a:scene3d>
+              <a:sp3d extrusionH="57150" prstMaterial="metal">
+                <a:bevelT w="38100" h="25400"/>
+                <a:contourClr>
+                  <a:schemeClr val="bg2"/>
+                </a:contourClr>
+              </a:sp3d>
+            </a:bodyPr>
+            <a:lstStyle/>
+            <a:p>
+              <a:pPr algn="ctr"/>
+              <a:r>
+                <a:rPr lang="en-IN" sz="2400" b="1" dirty="0" smtClean="0">
+                  <a:ln w="50800"/>
+                  <a:solidFill>
+                    <a:schemeClr val="bg1">
+                      <a:shade val="50000"/>
+                    </a:schemeClr>
+                  </a:solidFill>
+                </a:rPr>
+                <a:t>C</a:t>
+              </a:r>
+              <a:endParaRPr lang="en-US" sz="2400" b="1" cap="none" spc="0" dirty="0">
                 <a:ln w="50800"/>
                 <a:solidFill>
                   <a:schemeClr val="bg1">
                     <a:shade val="50000"/>
                   </a:schemeClr>
                 </a:solidFill>
-              </a:rPr>
-              <a:t>C</a:t>
-            </a:r>
-            <a:endParaRPr lang="en-US" sz="2400" b="1" cap="none" spc="0" dirty="0">
-              <a:ln w="50800"/>
-              <a:solidFill>
-                <a:schemeClr val="bg1">
-                  <a:shade val="50000"/>
-                </a:schemeClr>
-              </a:solidFill>
-              <a:effectLst/>
-            </a:endParaRPr>
-          </a:p>
-        </p:txBody>
-      </p:sp>
+                <a:effectLst/>
+              </a:endParaRPr>
+            </a:p>
+          </p:txBody>
+        </p:sp>
+      </p:grpSp>
     </p:spTree>
     <p:extLst>
       <p:ext uri="{BB962C8B-B14F-4D97-AF65-F5344CB8AC3E}">
@@ -5801,6 +5817,41 @@
                                               <p:pRg st="2" end="2"/>
                                             </p:txEl>
                                           </p:spTgt>
+                                        </p:tgtEl>
+                                      </p:cBhvr>
+                                    </p:animEffect>
+                                  </p:childTnLst>
+                                </p:cTn>
+                              </p:par>
+                              <p:par>
+                                <p:cTn id="28" presetID="10" presetClass="entr" presetSubtype="0" fill="hold" nodeType="withEffect">
+                                  <p:stCondLst>
+                                    <p:cond delay="0"/>
+                                  </p:stCondLst>
+                                  <p:childTnLst>
+                                    <p:set>
+                                      <p:cBhvr>
+                                        <p:cTn id="29" dur="1" fill="hold">
+                                          <p:stCondLst>
+                                            <p:cond delay="0"/>
+                                          </p:stCondLst>
+                                        </p:cTn>
+                                        <p:tgtEl>
+                                          <p:spTgt spid="4"/>
+                                        </p:tgtEl>
+                                        <p:attrNameLst>
+                                          <p:attrName>style.visibility</p:attrName>
+                                        </p:attrNameLst>
+                                      </p:cBhvr>
+                                      <p:to>
+                                        <p:strVal val="visible"/>
+                                      </p:to>
+                                    </p:set>
+                                    <p:animEffect transition="in" filter="fade">
+                                      <p:cBhvr>
+                                        <p:cTn id="30" dur="500"/>
+                                        <p:tgtEl>
+                                          <p:spTgt spid="4"/>
                                         </p:tgtEl>
                                       </p:cBhvr>
                                     </p:animEffect>
@@ -6113,424 +6164,167 @@
           </a:p>
         </p:txBody>
       </p:sp>
-      <p:pic>
-        <p:nvPicPr>
-          <p:cNvPr id="9" name="Picture 2"/>
-          <p:cNvPicPr>
-            <a:picLocks noChangeAspect="1" noChangeArrowheads="1"/>
-          </p:cNvPicPr>
+      <p:grpSp>
+        <p:nvGrpSpPr>
+          <p:cNvPr id="2" name="Group 1"/>
+          <p:cNvGrpSpPr/>
           <p:nvPr/>
-        </p:nvPicPr>
-        <p:blipFill>
-          <a:blip r:embed="rId2">
+        </p:nvGrpSpPr>
+        <p:grpSpPr>
+          <a:xfrm>
+            <a:off x="6294497" y="300335"/>
+            <a:ext cx="2059679" cy="1604665"/>
+            <a:chOff x="6294497" y="300335"/>
+            <a:chExt cx="2059679" cy="1604665"/>
+          </a:xfrm>
+        </p:grpSpPr>
+        <p:pic>
+          <p:nvPicPr>
+            <p:cNvPr id="2052" name="Picture 4"/>
+            <p:cNvPicPr>
+              <a:picLocks noChangeAspect="1" noChangeArrowheads="1"/>
+            </p:cNvPicPr>
+            <p:nvPr/>
+          </p:nvPicPr>
+          <p:blipFill rotWithShape="1">
+            <a:blip r:embed="rId2">
+              <a:extLst>
+                <a:ext uri="{28A0092B-C50C-407E-A947-70E740481C1C}">
+                  <a14:useLocalDpi xmlns:a14="http://schemas.microsoft.com/office/drawing/2010/main" val="0"/>
+                </a:ext>
+              </a:extLst>
+            </a:blip>
+            <a:srcRect t="10492" b="3108"/>
+            <a:stretch/>
+          </p:blipFill>
+          <p:spPr bwMode="auto">
+            <a:xfrm>
+              <a:off x="6294497" y="362712"/>
+              <a:ext cx="2059679" cy="1542288"/>
+            </a:xfrm>
+            <a:prstGeom prst="rect">
+              <a:avLst/>
+            </a:prstGeom>
+            <a:noFill/>
+            <a:ln>
+              <a:noFill/>
+            </a:ln>
             <a:extLst>
-              <a:ext uri="{28A0092B-C50C-407E-A947-70E740481C1C}">
-                <a14:useLocalDpi xmlns:a14="http://schemas.microsoft.com/office/drawing/2010/main" val="0"/>
+              <a:ext uri="{909E8E84-426E-40DD-AFC4-6F175D3DCCD1}">
+                <a14:hiddenFill xmlns:a14="http://schemas.microsoft.com/office/drawing/2010/main">
+                  <a:solidFill>
+                    <a:schemeClr val="accent1"/>
+                  </a:solidFill>
+                </a14:hiddenFill>
+              </a:ext>
+              <a:ext uri="{91240B29-F687-4F45-9708-019B960494DF}">
+                <a14:hiddenLine xmlns:a14="http://schemas.microsoft.com/office/drawing/2010/main" w="9525">
+                  <a:solidFill>
+                    <a:schemeClr val="tx1"/>
+                  </a:solidFill>
+                  <a:miter lim="800000"/>
+                  <a:headEnd/>
+                  <a:tailEnd/>
+                </a14:hiddenLine>
               </a:ext>
             </a:extLst>
-          </a:blip>
-          <a:srcRect/>
-          <a:stretch>
-            <a:fillRect/>
-          </a:stretch>
-        </p:blipFill>
-        <p:spPr bwMode="auto">
-          <a:xfrm>
-            <a:off x="6309360" y="2173224"/>
-            <a:ext cx="2072640" cy="1554480"/>
-          </a:xfrm>
-          <a:prstGeom prst="rect">
-            <a:avLst/>
-          </a:prstGeom>
-          <a:noFill/>
-          <a:ln>
+          </p:spPr>
+        </p:pic>
+        <p:sp>
+          <p:nvSpPr>
+            <p:cNvPr id="11" name="Bent-Up Arrow 10"/>
+            <p:cNvSpPr/>
+            <p:nvPr/>
+          </p:nvSpPr>
+          <p:spPr>
+            <a:xfrm>
+              <a:off x="7086600" y="685800"/>
+              <a:ext cx="1143000" cy="448056"/>
+            </a:xfrm>
+            <a:prstGeom prst="bentUpArrow">
+              <a:avLst>
+                <a:gd name="adj1" fmla="val 8673"/>
+                <a:gd name="adj2" fmla="val 26020"/>
+                <a:gd name="adj3" fmla="val 27041"/>
+              </a:avLst>
+            </a:prstGeom>
+            <a:solidFill>
+              <a:srgbClr val="00B050"/>
+            </a:solidFill>
+          </p:spPr>
+          <p:style>
+            <a:lnRef idx="2">
+              <a:schemeClr val="accent1">
+                <a:shade val="50000"/>
+              </a:schemeClr>
+            </a:lnRef>
+            <a:fillRef idx="1">
+              <a:schemeClr val="accent1"/>
+            </a:fillRef>
+            <a:effectRef idx="0">
+              <a:schemeClr val="accent1"/>
+            </a:effectRef>
+            <a:fontRef idx="minor">
+              <a:schemeClr val="lt1"/>
+            </a:fontRef>
+          </p:style>
+          <p:txBody>
+            <a:bodyPr rtlCol="0" anchor="ctr"/>
+            <a:lstStyle/>
+            <a:p>
+              <a:pPr algn="ctr"/>
+              <a:endParaRPr lang="en-US"/>
+            </a:p>
+          </p:txBody>
+        </p:sp>
+        <p:sp>
+          <p:nvSpPr>
+            <p:cNvPr id="19" name="Rectangle 18"/>
+            <p:cNvSpPr/>
+            <p:nvPr/>
+          </p:nvSpPr>
+          <p:spPr>
+            <a:xfrm>
+              <a:off x="8010681" y="300335"/>
+              <a:ext cx="218919" cy="461665"/>
+            </a:xfrm>
+            <a:prstGeom prst="rect">
+              <a:avLst/>
+            </a:prstGeom>
             <a:noFill/>
-          </a:ln>
-          <a:extLst>
-            <a:ext uri="{909E8E84-426E-40DD-AFC4-6F175D3DCCD1}">
-              <a14:hiddenFill xmlns:a14="http://schemas.microsoft.com/office/drawing/2010/main">
-                <a:solidFill>
-                  <a:schemeClr val="accent1"/>
-                </a:solidFill>
-              </a14:hiddenFill>
-            </a:ext>
-            <a:ext uri="{91240B29-F687-4F45-9708-019B960494DF}">
-              <a14:hiddenLine xmlns:a14="http://schemas.microsoft.com/office/drawing/2010/main" w="9525">
-                <a:solidFill>
-                  <a:schemeClr val="tx1"/>
-                </a:solidFill>
-                <a:miter lim="800000"/>
-                <a:headEnd/>
-                <a:tailEnd/>
-              </a14:hiddenLine>
-            </a:ext>
-          </a:extLst>
-        </p:spPr>
-      </p:pic>
-      <p:pic>
-        <p:nvPicPr>
-          <p:cNvPr id="2052" name="Picture 4"/>
-          <p:cNvPicPr>
-            <a:picLocks noChangeAspect="1" noChangeArrowheads="1"/>
-          </p:cNvPicPr>
-          <p:nvPr/>
-        </p:nvPicPr>
-        <p:blipFill rotWithShape="1">
-          <a:blip r:embed="rId3">
-            <a:extLst>
-              <a:ext uri="{28A0092B-C50C-407E-A947-70E740481C1C}">
-                <a14:useLocalDpi xmlns:a14="http://schemas.microsoft.com/office/drawing/2010/main" val="0"/>
-              </a:ext>
-            </a:extLst>
-          </a:blip>
-          <a:srcRect t="10492" b="3108"/>
-          <a:stretch/>
-        </p:blipFill>
-        <p:spPr bwMode="auto">
-          <a:xfrm>
-            <a:off x="6294497" y="362712"/>
-            <a:ext cx="2059679" cy="1542288"/>
-          </a:xfrm>
-          <a:prstGeom prst="rect">
-            <a:avLst/>
-          </a:prstGeom>
-          <a:noFill/>
-          <a:ln>
-            <a:noFill/>
-          </a:ln>
-          <a:extLst>
-            <a:ext uri="{909E8E84-426E-40DD-AFC4-6F175D3DCCD1}">
-              <a14:hiddenFill xmlns:a14="http://schemas.microsoft.com/office/drawing/2010/main">
-                <a:solidFill>
-                  <a:schemeClr val="accent1"/>
-                </a:solidFill>
-              </a14:hiddenFill>
-            </a:ext>
-            <a:ext uri="{91240B29-F687-4F45-9708-019B960494DF}">
-              <a14:hiddenLine xmlns:a14="http://schemas.microsoft.com/office/drawing/2010/main" w="9525">
-                <a:solidFill>
-                  <a:schemeClr val="tx1"/>
-                </a:solidFill>
-                <a:miter lim="800000"/>
-                <a:headEnd/>
-                <a:tailEnd/>
-              </a14:hiddenLine>
-            </a:ext>
-          </a:extLst>
-        </p:spPr>
-      </p:pic>
-      <p:sp>
-        <p:nvSpPr>
-          <p:cNvPr id="11" name="Bent-Up Arrow 10"/>
-          <p:cNvSpPr/>
-          <p:nvPr/>
-        </p:nvSpPr>
-        <p:spPr>
-          <a:xfrm>
-            <a:off x="7086600" y="685800"/>
-            <a:ext cx="1143000" cy="448056"/>
-          </a:xfrm>
-          <a:prstGeom prst="bentUpArrow">
-            <a:avLst>
-              <a:gd name="adj1" fmla="val 8673"/>
-              <a:gd name="adj2" fmla="val 26020"/>
-              <a:gd name="adj3" fmla="val 27041"/>
-            </a:avLst>
-          </a:prstGeom>
-          <a:solidFill>
-            <a:srgbClr val="00B050"/>
-          </a:solidFill>
-        </p:spPr>
-        <p:style>
-          <a:lnRef idx="2">
-            <a:schemeClr val="accent1">
-              <a:shade val="50000"/>
-            </a:schemeClr>
-          </a:lnRef>
-          <a:fillRef idx="1">
-            <a:schemeClr val="accent1"/>
-          </a:fillRef>
-          <a:effectRef idx="0">
-            <a:schemeClr val="accent1"/>
-          </a:effectRef>
-          <a:fontRef idx="minor">
-            <a:schemeClr val="lt1"/>
-          </a:fontRef>
-        </p:style>
-        <p:txBody>
-          <a:bodyPr rtlCol="0" anchor="ctr"/>
-          <a:lstStyle/>
-          <a:p>
-            <a:pPr algn="ctr"/>
-            <a:endParaRPr lang="en-US"/>
-          </a:p>
-        </p:txBody>
-      </p:sp>
-      <p:sp>
-        <p:nvSpPr>
-          <p:cNvPr id="15" name="Bent-Up Arrow 14"/>
-          <p:cNvSpPr/>
-          <p:nvPr/>
-        </p:nvSpPr>
-        <p:spPr>
-          <a:xfrm rot="10800000">
-            <a:off x="6400800" y="2941320"/>
-            <a:ext cx="1143000" cy="448056"/>
-          </a:xfrm>
-          <a:prstGeom prst="bentUpArrow">
-            <a:avLst>
-              <a:gd name="adj1" fmla="val 8673"/>
-              <a:gd name="adj2" fmla="val 26020"/>
-              <a:gd name="adj3" fmla="val 27041"/>
-            </a:avLst>
-          </a:prstGeom>
-          <a:solidFill>
-            <a:schemeClr val="bg1"/>
-          </a:solidFill>
-        </p:spPr>
-        <p:style>
-          <a:lnRef idx="2">
-            <a:schemeClr val="accent1">
-              <a:shade val="50000"/>
-            </a:schemeClr>
-          </a:lnRef>
-          <a:fillRef idx="1">
-            <a:schemeClr val="accent1"/>
-          </a:fillRef>
-          <a:effectRef idx="0">
-            <a:schemeClr val="accent1"/>
-          </a:effectRef>
-          <a:fontRef idx="minor">
-            <a:schemeClr val="lt1"/>
-          </a:fontRef>
-        </p:style>
-        <p:txBody>
-          <a:bodyPr rtlCol="0" anchor="ctr"/>
-          <a:lstStyle/>
-          <a:p>
-            <a:pPr algn="ctr"/>
-            <a:endParaRPr lang="en-US" dirty="0"/>
-          </a:p>
-        </p:txBody>
-      </p:sp>
-      <p:sp>
-        <p:nvSpPr>
-          <p:cNvPr id="16" name="Bent-Up Arrow 15"/>
-          <p:cNvSpPr/>
-          <p:nvPr/>
-        </p:nvSpPr>
-        <p:spPr>
-          <a:xfrm rot="5400000" flipV="1">
-            <a:off x="6830949" y="2826639"/>
-            <a:ext cx="509778" cy="1068325"/>
-          </a:xfrm>
-          <a:prstGeom prst="bentUpArrow">
-            <a:avLst>
-              <a:gd name="adj1" fmla="val 8673"/>
-              <a:gd name="adj2" fmla="val 26020"/>
-              <a:gd name="adj3" fmla="val 27041"/>
-            </a:avLst>
-          </a:prstGeom>
-          <a:solidFill>
-            <a:schemeClr val="bg1"/>
-          </a:solidFill>
-        </p:spPr>
-        <p:style>
-          <a:lnRef idx="2">
-            <a:schemeClr val="accent1">
-              <a:shade val="50000"/>
-            </a:schemeClr>
-          </a:lnRef>
-          <a:fillRef idx="1">
-            <a:schemeClr val="accent1"/>
-          </a:fillRef>
-          <a:effectRef idx="0">
-            <a:schemeClr val="accent1"/>
-          </a:effectRef>
-          <a:fontRef idx="minor">
-            <a:schemeClr val="lt1"/>
-          </a:fontRef>
-        </p:style>
-        <p:txBody>
-          <a:bodyPr rtlCol="0" anchor="ctr"/>
-          <a:lstStyle/>
-          <a:p>
-            <a:pPr algn="ctr"/>
-            <a:endParaRPr lang="en-US" dirty="0"/>
-          </a:p>
-        </p:txBody>
-      </p:sp>
-      <p:sp>
-        <p:nvSpPr>
-          <p:cNvPr id="17" name="Multiply 16"/>
-          <p:cNvSpPr/>
-          <p:nvPr/>
-        </p:nvSpPr>
-        <p:spPr>
-          <a:xfrm rot="20705000">
-            <a:off x="6473766" y="2759963"/>
-            <a:ext cx="457201" cy="381000"/>
-          </a:xfrm>
-          <a:prstGeom prst="mathMultiply">
-            <a:avLst>
-              <a:gd name="adj1" fmla="val 9120"/>
-            </a:avLst>
-          </a:prstGeom>
-          <a:solidFill>
-            <a:srgbClr val="FF0000"/>
-          </a:solidFill>
-        </p:spPr>
-        <p:style>
-          <a:lnRef idx="2">
-            <a:schemeClr val="accent1">
-              <a:shade val="50000"/>
-            </a:schemeClr>
-          </a:lnRef>
-          <a:fillRef idx="1">
-            <a:schemeClr val="accent1"/>
-          </a:fillRef>
-          <a:effectRef idx="0">
-            <a:schemeClr val="accent1"/>
-          </a:effectRef>
-          <a:fontRef idx="minor">
-            <a:schemeClr val="lt1"/>
-          </a:fontRef>
-        </p:style>
-        <p:txBody>
-          <a:bodyPr rtlCol="0" anchor="ctr"/>
-          <a:lstStyle/>
-          <a:p>
-            <a:pPr algn="ctr"/>
-            <a:endParaRPr lang="en-US" dirty="0" smtClean="0">
-              <a:ln>
-                <a:solidFill>
-                  <a:srgbClr val="FF0000"/>
-                </a:solidFill>
-              </a:ln>
-              <a:solidFill>
-                <a:srgbClr val="FF0000"/>
-              </a:solidFill>
-            </a:endParaRPr>
-          </a:p>
-          <a:p>
-            <a:pPr algn="ctr"/>
-            <a:endParaRPr lang="en-US" dirty="0">
-              <a:ln>
-                <a:solidFill>
-                  <a:srgbClr val="FF0000"/>
-                </a:solidFill>
-              </a:ln>
-              <a:solidFill>
-                <a:srgbClr val="FF0000"/>
-              </a:solidFill>
-            </a:endParaRPr>
-          </a:p>
-        </p:txBody>
-      </p:sp>
-      <p:sp>
-        <p:nvSpPr>
-          <p:cNvPr id="18" name="Multiply 17"/>
-          <p:cNvSpPr/>
-          <p:nvPr/>
-        </p:nvSpPr>
-        <p:spPr>
-          <a:xfrm rot="20705000">
-            <a:off x="6899333" y="3294279"/>
-            <a:ext cx="457201" cy="381000"/>
-          </a:xfrm>
-          <a:prstGeom prst="mathMultiply">
-            <a:avLst>
-              <a:gd name="adj1" fmla="val 9120"/>
-            </a:avLst>
-          </a:prstGeom>
-          <a:solidFill>
-            <a:srgbClr val="FF0000"/>
-          </a:solidFill>
-        </p:spPr>
-        <p:style>
-          <a:lnRef idx="2">
-            <a:schemeClr val="accent1">
-              <a:shade val="50000"/>
-            </a:schemeClr>
-          </a:lnRef>
-          <a:fillRef idx="1">
-            <a:schemeClr val="accent1"/>
-          </a:fillRef>
-          <a:effectRef idx="0">
-            <a:schemeClr val="accent1"/>
-          </a:effectRef>
-          <a:fontRef idx="minor">
-            <a:schemeClr val="lt1"/>
-          </a:fontRef>
-        </p:style>
-        <p:txBody>
-          <a:bodyPr rtlCol="0" anchor="ctr"/>
-          <a:lstStyle/>
-          <a:p>
-            <a:pPr algn="ctr"/>
-            <a:endParaRPr lang="en-US" dirty="0" smtClean="0">
-              <a:ln>
-                <a:solidFill>
-                  <a:srgbClr val="FF0000"/>
-                </a:solidFill>
-              </a:ln>
-              <a:solidFill>
-                <a:srgbClr val="FF0000"/>
-              </a:solidFill>
-            </a:endParaRPr>
-          </a:p>
-          <a:p>
-            <a:pPr algn="ctr"/>
-            <a:endParaRPr lang="en-US" dirty="0">
-              <a:ln>
-                <a:solidFill>
-                  <a:srgbClr val="FF0000"/>
-                </a:solidFill>
-              </a:ln>
-              <a:solidFill>
-                <a:srgbClr val="FF0000"/>
-              </a:solidFill>
-            </a:endParaRPr>
-          </a:p>
-        </p:txBody>
-      </p:sp>
-      <p:sp>
-        <p:nvSpPr>
-          <p:cNvPr id="19" name="Rectangle 18"/>
-          <p:cNvSpPr/>
-          <p:nvPr/>
-        </p:nvSpPr>
-        <p:spPr>
-          <a:xfrm>
-            <a:off x="8010681" y="300335"/>
-            <a:ext cx="218919" cy="461665"/>
-          </a:xfrm>
-          <a:prstGeom prst="rect">
-            <a:avLst/>
-          </a:prstGeom>
-          <a:noFill/>
-        </p:spPr>
-        <p:txBody>
-          <a:bodyPr wrap="square" lIns="91440" tIns="45720" rIns="91440" bIns="45720">
-            <a:spAutoFit/>
-            <a:scene3d>
-              <a:camera prst="orthographicFront"/>
-              <a:lightRig rig="balanced" dir="t">
-                <a:rot lat="0" lon="0" rev="2100000"/>
-              </a:lightRig>
-            </a:scene3d>
-            <a:sp3d extrusionH="57150" prstMaterial="metal">
-              <a:bevelT w="38100" h="25400"/>
-              <a:contourClr>
-                <a:schemeClr val="bg2"/>
-              </a:contourClr>
-            </a:sp3d>
-          </a:bodyPr>
-          <a:lstStyle/>
-          <a:p>
-            <a:pPr algn="ctr"/>
-            <a:r>
-              <a:rPr lang="en-US" sz="2400" b="1" cap="none" spc="0" dirty="0" smtClean="0">
+          </p:spPr>
+          <p:txBody>
+            <a:bodyPr wrap="square" lIns="91440" tIns="45720" rIns="91440" bIns="45720">
+              <a:spAutoFit/>
+              <a:scene3d>
+                <a:camera prst="orthographicFront"/>
+                <a:lightRig rig="balanced" dir="t">
+                  <a:rot lat="0" lon="0" rev="2100000"/>
+                </a:lightRig>
+              </a:scene3d>
+              <a:sp3d extrusionH="57150" prstMaterial="metal">
+                <a:bevelT w="38100" h="25400"/>
+                <a:contourClr>
+                  <a:schemeClr val="bg2"/>
+                </a:contourClr>
+              </a:sp3d>
+            </a:bodyPr>
+            <a:lstStyle/>
+            <a:p>
+              <a:pPr algn="ctr"/>
+              <a:r>
+                <a:rPr lang="en-US" sz="2400" b="1" cap="none" spc="0" dirty="0" smtClean="0">
+                  <a:ln w="50800"/>
+                  <a:solidFill>
+                    <a:schemeClr val="bg1">
+                      <a:shade val="50000"/>
+                    </a:schemeClr>
+                  </a:solidFill>
+                  <a:effectLst/>
+                </a:rPr>
+                <a:t>A</a:t>
+              </a:r>
+              <a:endParaRPr lang="en-US" sz="2400" b="1" cap="none" spc="0" dirty="0">
                 <a:ln w="50800"/>
                 <a:solidFill>
                   <a:schemeClr val="bg1">
@@ -6538,58 +6332,355 @@
                   </a:schemeClr>
                 </a:solidFill>
                 <a:effectLst/>
-              </a:rPr>
-              <a:t>A</a:t>
-            </a:r>
-            <a:endParaRPr lang="en-US" sz="2400" b="1" cap="none" spc="0" dirty="0">
-              <a:ln w="50800"/>
-              <a:solidFill>
-                <a:schemeClr val="bg1">
-                  <a:shade val="50000"/>
-                </a:schemeClr>
-              </a:solidFill>
-              <a:effectLst/>
-            </a:endParaRPr>
-          </a:p>
-        </p:txBody>
-      </p:sp>
-      <p:sp>
-        <p:nvSpPr>
-          <p:cNvPr id="20" name="Rectangle 19"/>
-          <p:cNvSpPr/>
+              </a:endParaRPr>
+            </a:p>
+          </p:txBody>
+        </p:sp>
+      </p:grpSp>
+      <p:grpSp>
+        <p:nvGrpSpPr>
+          <p:cNvPr id="3" name="Group 2"/>
+          <p:cNvGrpSpPr/>
           <p:nvPr/>
-        </p:nvSpPr>
-        <p:spPr>
+        </p:nvGrpSpPr>
+        <p:grpSpPr>
           <a:xfrm>
-            <a:off x="6530339" y="2362200"/>
-            <a:ext cx="218919" cy="461665"/>
+            <a:off x="6309360" y="2173224"/>
+            <a:ext cx="2072640" cy="1554480"/>
+            <a:chOff x="6309360" y="2173224"/>
+            <a:chExt cx="2072640" cy="1554480"/>
           </a:xfrm>
-          <a:prstGeom prst="rect">
-            <a:avLst/>
-          </a:prstGeom>
-          <a:noFill/>
-        </p:spPr>
-        <p:txBody>
-          <a:bodyPr wrap="square" lIns="91440" tIns="45720" rIns="91440" bIns="45720">
-            <a:spAutoFit/>
-            <a:scene3d>
-              <a:camera prst="orthographicFront"/>
-              <a:lightRig rig="balanced" dir="t">
-                <a:rot lat="0" lon="0" rev="2100000"/>
-              </a:lightRig>
-            </a:scene3d>
-            <a:sp3d extrusionH="57150" prstMaterial="metal">
-              <a:bevelT w="38100" h="25400"/>
-              <a:contourClr>
-                <a:schemeClr val="bg2"/>
-              </a:contourClr>
-            </a:sp3d>
-          </a:bodyPr>
-          <a:lstStyle/>
-          <a:p>
-            <a:pPr algn="ctr"/>
-            <a:r>
-              <a:rPr lang="en-US" sz="2400" b="1" cap="none" spc="0" dirty="0" smtClean="0">
+        </p:grpSpPr>
+        <p:pic>
+          <p:nvPicPr>
+            <p:cNvPr id="9" name="Picture 2"/>
+            <p:cNvPicPr>
+              <a:picLocks noChangeAspect="1" noChangeArrowheads="1"/>
+            </p:cNvPicPr>
+            <p:nvPr/>
+          </p:nvPicPr>
+          <p:blipFill>
+            <a:blip r:embed="rId3">
+              <a:extLst>
+                <a:ext uri="{28A0092B-C50C-407E-A947-70E740481C1C}">
+                  <a14:useLocalDpi xmlns:a14="http://schemas.microsoft.com/office/drawing/2010/main" val="0"/>
+                </a:ext>
+              </a:extLst>
+            </a:blip>
+            <a:srcRect/>
+            <a:stretch>
+              <a:fillRect/>
+            </a:stretch>
+          </p:blipFill>
+          <p:spPr bwMode="auto">
+            <a:xfrm>
+              <a:off x="6309360" y="2173224"/>
+              <a:ext cx="2072640" cy="1554480"/>
+            </a:xfrm>
+            <a:prstGeom prst="rect">
+              <a:avLst/>
+            </a:prstGeom>
+            <a:noFill/>
+            <a:ln>
+              <a:noFill/>
+            </a:ln>
+            <a:extLst>
+              <a:ext uri="{909E8E84-426E-40DD-AFC4-6F175D3DCCD1}">
+                <a14:hiddenFill xmlns:a14="http://schemas.microsoft.com/office/drawing/2010/main">
+                  <a:solidFill>
+                    <a:schemeClr val="accent1"/>
+                  </a:solidFill>
+                </a14:hiddenFill>
+              </a:ext>
+              <a:ext uri="{91240B29-F687-4F45-9708-019B960494DF}">
+                <a14:hiddenLine xmlns:a14="http://schemas.microsoft.com/office/drawing/2010/main" w="9525">
+                  <a:solidFill>
+                    <a:schemeClr val="tx1"/>
+                  </a:solidFill>
+                  <a:miter lim="800000"/>
+                  <a:headEnd/>
+                  <a:tailEnd/>
+                </a14:hiddenLine>
+              </a:ext>
+            </a:extLst>
+          </p:spPr>
+        </p:pic>
+        <p:sp>
+          <p:nvSpPr>
+            <p:cNvPr id="15" name="Bent-Up Arrow 14"/>
+            <p:cNvSpPr/>
+            <p:nvPr/>
+          </p:nvSpPr>
+          <p:spPr>
+            <a:xfrm rot="10800000">
+              <a:off x="6400800" y="2941320"/>
+              <a:ext cx="1143000" cy="448056"/>
+            </a:xfrm>
+            <a:prstGeom prst="bentUpArrow">
+              <a:avLst>
+                <a:gd name="adj1" fmla="val 8673"/>
+                <a:gd name="adj2" fmla="val 26020"/>
+                <a:gd name="adj3" fmla="val 27041"/>
+              </a:avLst>
+            </a:prstGeom>
+            <a:solidFill>
+              <a:schemeClr val="bg1"/>
+            </a:solidFill>
+          </p:spPr>
+          <p:style>
+            <a:lnRef idx="2">
+              <a:schemeClr val="accent1">
+                <a:shade val="50000"/>
+              </a:schemeClr>
+            </a:lnRef>
+            <a:fillRef idx="1">
+              <a:schemeClr val="accent1"/>
+            </a:fillRef>
+            <a:effectRef idx="0">
+              <a:schemeClr val="accent1"/>
+            </a:effectRef>
+            <a:fontRef idx="minor">
+              <a:schemeClr val="lt1"/>
+            </a:fontRef>
+          </p:style>
+          <p:txBody>
+            <a:bodyPr rtlCol="0" anchor="ctr"/>
+            <a:lstStyle/>
+            <a:p>
+              <a:pPr algn="ctr"/>
+              <a:endParaRPr lang="en-US" dirty="0"/>
+            </a:p>
+          </p:txBody>
+        </p:sp>
+        <p:sp>
+          <p:nvSpPr>
+            <p:cNvPr id="16" name="Bent-Up Arrow 15"/>
+            <p:cNvSpPr/>
+            <p:nvPr/>
+          </p:nvSpPr>
+          <p:spPr>
+            <a:xfrm rot="5400000" flipV="1">
+              <a:off x="6830949" y="2826639"/>
+              <a:ext cx="509778" cy="1068325"/>
+            </a:xfrm>
+            <a:prstGeom prst="bentUpArrow">
+              <a:avLst>
+                <a:gd name="adj1" fmla="val 8673"/>
+                <a:gd name="adj2" fmla="val 26020"/>
+                <a:gd name="adj3" fmla="val 27041"/>
+              </a:avLst>
+            </a:prstGeom>
+            <a:solidFill>
+              <a:schemeClr val="bg1"/>
+            </a:solidFill>
+          </p:spPr>
+          <p:style>
+            <a:lnRef idx="2">
+              <a:schemeClr val="accent1">
+                <a:shade val="50000"/>
+              </a:schemeClr>
+            </a:lnRef>
+            <a:fillRef idx="1">
+              <a:schemeClr val="accent1"/>
+            </a:fillRef>
+            <a:effectRef idx="0">
+              <a:schemeClr val="accent1"/>
+            </a:effectRef>
+            <a:fontRef idx="minor">
+              <a:schemeClr val="lt1"/>
+            </a:fontRef>
+          </p:style>
+          <p:txBody>
+            <a:bodyPr rtlCol="0" anchor="ctr"/>
+            <a:lstStyle/>
+            <a:p>
+              <a:pPr algn="ctr"/>
+              <a:endParaRPr lang="en-US" dirty="0"/>
+            </a:p>
+          </p:txBody>
+        </p:sp>
+        <p:sp>
+          <p:nvSpPr>
+            <p:cNvPr id="17" name="Multiply 16"/>
+            <p:cNvSpPr/>
+            <p:nvPr/>
+          </p:nvSpPr>
+          <p:spPr>
+            <a:xfrm rot="20705000">
+              <a:off x="6473766" y="2759963"/>
+              <a:ext cx="457201" cy="381000"/>
+            </a:xfrm>
+            <a:prstGeom prst="mathMultiply">
+              <a:avLst>
+                <a:gd name="adj1" fmla="val 9120"/>
+              </a:avLst>
+            </a:prstGeom>
+            <a:solidFill>
+              <a:srgbClr val="FF0000"/>
+            </a:solidFill>
+          </p:spPr>
+          <p:style>
+            <a:lnRef idx="2">
+              <a:schemeClr val="accent1">
+                <a:shade val="50000"/>
+              </a:schemeClr>
+            </a:lnRef>
+            <a:fillRef idx="1">
+              <a:schemeClr val="accent1"/>
+            </a:fillRef>
+            <a:effectRef idx="0">
+              <a:schemeClr val="accent1"/>
+            </a:effectRef>
+            <a:fontRef idx="minor">
+              <a:schemeClr val="lt1"/>
+            </a:fontRef>
+          </p:style>
+          <p:txBody>
+            <a:bodyPr rtlCol="0" anchor="ctr"/>
+            <a:lstStyle/>
+            <a:p>
+              <a:pPr algn="ctr"/>
+              <a:endParaRPr lang="en-US" dirty="0" smtClean="0">
+                <a:ln>
+                  <a:solidFill>
+                    <a:srgbClr val="FF0000"/>
+                  </a:solidFill>
+                </a:ln>
+                <a:solidFill>
+                  <a:srgbClr val="FF0000"/>
+                </a:solidFill>
+              </a:endParaRPr>
+            </a:p>
+            <a:p>
+              <a:pPr algn="ctr"/>
+              <a:endParaRPr lang="en-US" dirty="0">
+                <a:ln>
+                  <a:solidFill>
+                    <a:srgbClr val="FF0000"/>
+                  </a:solidFill>
+                </a:ln>
+                <a:solidFill>
+                  <a:srgbClr val="FF0000"/>
+                </a:solidFill>
+              </a:endParaRPr>
+            </a:p>
+          </p:txBody>
+        </p:sp>
+        <p:sp>
+          <p:nvSpPr>
+            <p:cNvPr id="18" name="Multiply 17"/>
+            <p:cNvSpPr/>
+            <p:nvPr/>
+          </p:nvSpPr>
+          <p:spPr>
+            <a:xfrm rot="20705000">
+              <a:off x="6899333" y="3294279"/>
+              <a:ext cx="457201" cy="381000"/>
+            </a:xfrm>
+            <a:prstGeom prst="mathMultiply">
+              <a:avLst>
+                <a:gd name="adj1" fmla="val 9120"/>
+              </a:avLst>
+            </a:prstGeom>
+            <a:solidFill>
+              <a:srgbClr val="FF0000"/>
+            </a:solidFill>
+          </p:spPr>
+          <p:style>
+            <a:lnRef idx="2">
+              <a:schemeClr val="accent1">
+                <a:shade val="50000"/>
+              </a:schemeClr>
+            </a:lnRef>
+            <a:fillRef idx="1">
+              <a:schemeClr val="accent1"/>
+            </a:fillRef>
+            <a:effectRef idx="0">
+              <a:schemeClr val="accent1"/>
+            </a:effectRef>
+            <a:fontRef idx="minor">
+              <a:schemeClr val="lt1"/>
+            </a:fontRef>
+          </p:style>
+          <p:txBody>
+            <a:bodyPr rtlCol="0" anchor="ctr"/>
+            <a:lstStyle/>
+            <a:p>
+              <a:pPr algn="ctr"/>
+              <a:endParaRPr lang="en-US" dirty="0" smtClean="0">
+                <a:ln>
+                  <a:solidFill>
+                    <a:srgbClr val="FF0000"/>
+                  </a:solidFill>
+                </a:ln>
+                <a:solidFill>
+                  <a:srgbClr val="FF0000"/>
+                </a:solidFill>
+              </a:endParaRPr>
+            </a:p>
+            <a:p>
+              <a:pPr algn="ctr"/>
+              <a:endParaRPr lang="en-US" dirty="0">
+                <a:ln>
+                  <a:solidFill>
+                    <a:srgbClr val="FF0000"/>
+                  </a:solidFill>
+                </a:ln>
+                <a:solidFill>
+                  <a:srgbClr val="FF0000"/>
+                </a:solidFill>
+              </a:endParaRPr>
+            </a:p>
+          </p:txBody>
+        </p:sp>
+        <p:sp>
+          <p:nvSpPr>
+            <p:cNvPr id="20" name="Rectangle 19"/>
+            <p:cNvSpPr/>
+            <p:nvPr/>
+          </p:nvSpPr>
+          <p:spPr>
+            <a:xfrm>
+              <a:off x="6530339" y="2362200"/>
+              <a:ext cx="218919" cy="461665"/>
+            </a:xfrm>
+            <a:prstGeom prst="rect">
+              <a:avLst/>
+            </a:prstGeom>
+            <a:noFill/>
+          </p:spPr>
+          <p:txBody>
+            <a:bodyPr wrap="square" lIns="91440" tIns="45720" rIns="91440" bIns="45720">
+              <a:spAutoFit/>
+              <a:scene3d>
+                <a:camera prst="orthographicFront"/>
+                <a:lightRig rig="balanced" dir="t">
+                  <a:rot lat="0" lon="0" rev="2100000"/>
+                </a:lightRig>
+              </a:scene3d>
+              <a:sp3d extrusionH="57150" prstMaterial="metal">
+                <a:bevelT w="38100" h="25400"/>
+                <a:contourClr>
+                  <a:schemeClr val="bg2"/>
+                </a:contourClr>
+              </a:sp3d>
+            </a:bodyPr>
+            <a:lstStyle/>
+            <a:p>
+              <a:pPr algn="ctr"/>
+              <a:r>
+                <a:rPr lang="en-US" sz="2400" b="1" cap="none" spc="0" dirty="0" smtClean="0">
+                  <a:ln w="50800"/>
+                  <a:solidFill>
+                    <a:schemeClr val="bg1">
+                      <a:shade val="50000"/>
+                    </a:schemeClr>
+                  </a:solidFill>
+                  <a:effectLst/>
+                </a:rPr>
+                <a:t>B</a:t>
+              </a:r>
+              <a:endParaRPr lang="en-US" sz="2400" b="1" cap="none" spc="0" dirty="0">
                 <a:ln w="50800"/>
                 <a:solidFill>
                   <a:schemeClr val="bg1">
@@ -6597,58 +6688,58 @@
                   </a:schemeClr>
                 </a:solidFill>
                 <a:effectLst/>
-              </a:rPr>
-              <a:t>B</a:t>
-            </a:r>
-            <a:endParaRPr lang="en-US" sz="2400" b="1" cap="none" spc="0" dirty="0">
-              <a:ln w="50800"/>
-              <a:solidFill>
-                <a:schemeClr val="bg1">
-                  <a:shade val="50000"/>
-                </a:schemeClr>
-              </a:solidFill>
-              <a:effectLst/>
-            </a:endParaRPr>
-          </a:p>
-        </p:txBody>
-      </p:sp>
-      <p:sp>
-        <p:nvSpPr>
-          <p:cNvPr id="21" name="Rectangle 20"/>
-          <p:cNvSpPr/>
-          <p:nvPr/>
-        </p:nvSpPr>
-        <p:spPr>
-          <a:xfrm>
-            <a:off x="7620001" y="3241853"/>
-            <a:ext cx="218919" cy="461665"/>
-          </a:xfrm>
-          <a:prstGeom prst="rect">
-            <a:avLst/>
-          </a:prstGeom>
-          <a:noFill/>
-        </p:spPr>
-        <p:txBody>
-          <a:bodyPr wrap="square" lIns="91440" tIns="45720" rIns="91440" bIns="45720">
-            <a:spAutoFit/>
-            <a:scene3d>
-              <a:camera prst="orthographicFront"/>
-              <a:lightRig rig="balanced" dir="t">
-                <a:rot lat="0" lon="0" rev="2100000"/>
-              </a:lightRig>
-            </a:scene3d>
-            <a:sp3d extrusionH="57150" prstMaterial="metal">
-              <a:bevelT w="38100" h="25400"/>
-              <a:contourClr>
-                <a:schemeClr val="bg2"/>
-              </a:contourClr>
-            </a:sp3d>
-          </a:bodyPr>
-          <a:lstStyle/>
-          <a:p>
-            <a:pPr algn="ctr"/>
-            <a:r>
-              <a:rPr lang="en-US" sz="2400" b="1" cap="none" spc="0" dirty="0" smtClean="0">
+              </a:endParaRPr>
+            </a:p>
+          </p:txBody>
+        </p:sp>
+        <p:sp>
+          <p:nvSpPr>
+            <p:cNvPr id="21" name="Rectangle 20"/>
+            <p:cNvSpPr/>
+            <p:nvPr/>
+          </p:nvSpPr>
+          <p:spPr>
+            <a:xfrm>
+              <a:off x="7620001" y="3241853"/>
+              <a:ext cx="218919" cy="461665"/>
+            </a:xfrm>
+            <a:prstGeom prst="rect">
+              <a:avLst/>
+            </a:prstGeom>
+            <a:noFill/>
+          </p:spPr>
+          <p:txBody>
+            <a:bodyPr wrap="square" lIns="91440" tIns="45720" rIns="91440" bIns="45720">
+              <a:spAutoFit/>
+              <a:scene3d>
+                <a:camera prst="orthographicFront"/>
+                <a:lightRig rig="balanced" dir="t">
+                  <a:rot lat="0" lon="0" rev="2100000"/>
+                </a:lightRig>
+              </a:scene3d>
+              <a:sp3d extrusionH="57150" prstMaterial="metal">
+                <a:bevelT w="38100" h="25400"/>
+                <a:contourClr>
+                  <a:schemeClr val="bg2"/>
+                </a:contourClr>
+              </a:sp3d>
+            </a:bodyPr>
+            <a:lstStyle/>
+            <a:p>
+              <a:pPr algn="ctr"/>
+              <a:r>
+                <a:rPr lang="en-US" sz="2400" b="1" cap="none" spc="0" dirty="0" smtClean="0">
+                  <a:ln w="50800"/>
+                  <a:solidFill>
+                    <a:schemeClr val="bg1">
+                      <a:shade val="50000"/>
+                    </a:schemeClr>
+                  </a:solidFill>
+                  <a:effectLst/>
+                </a:rPr>
+                <a:t>C</a:t>
+              </a:r>
+              <a:endParaRPr lang="en-US" sz="2400" b="1" cap="none" spc="0" dirty="0">
                 <a:ln w="50800"/>
                 <a:solidFill>
                   <a:schemeClr val="bg1">
@@ -6656,21 +6747,11 @@
                   </a:schemeClr>
                 </a:solidFill>
                 <a:effectLst/>
-              </a:rPr>
-              <a:t>C</a:t>
-            </a:r>
-            <a:endParaRPr lang="en-US" sz="2400" b="1" cap="none" spc="0" dirty="0">
-              <a:ln w="50800"/>
-              <a:solidFill>
-                <a:schemeClr val="bg1">
-                  <a:shade val="50000"/>
-                </a:schemeClr>
-              </a:solidFill>
-              <a:effectLst/>
-            </a:endParaRPr>
-          </a:p>
-        </p:txBody>
-      </p:sp>
+              </a:endParaRPr>
+            </a:p>
+          </p:txBody>
+        </p:sp>
+      </p:grpSp>
     </p:spTree>
     <p:extLst>
       <p:ext uri="{BB962C8B-B14F-4D97-AF65-F5344CB8AC3E}">
@@ -6867,6 +6948,76 @@
                                               <p:pRg st="3" end="3"/>
                                             </p:txEl>
                                           </p:spTgt>
+                                        </p:tgtEl>
+                                      </p:cBhvr>
+                                    </p:animEffect>
+                                  </p:childTnLst>
+                                </p:cTn>
+                              </p:par>
+                              <p:par>
+                                <p:cTn id="17" presetID="10" presetClass="entr" presetSubtype="0" fill="hold" nodeType="withEffect">
+                                  <p:stCondLst>
+                                    <p:cond delay="0"/>
+                                  </p:stCondLst>
+                                  <p:childTnLst>
+                                    <p:set>
+                                      <p:cBhvr>
+                                        <p:cTn id="18" dur="1" fill="hold">
+                                          <p:stCondLst>
+                                            <p:cond delay="0"/>
+                                          </p:stCondLst>
+                                        </p:cTn>
+                                        <p:tgtEl>
+                                          <p:spTgt spid="3"/>
+                                        </p:tgtEl>
+                                        <p:attrNameLst>
+                                          <p:attrName>style.visibility</p:attrName>
+                                        </p:attrNameLst>
+                                      </p:cBhvr>
+                                      <p:to>
+                                        <p:strVal val="visible"/>
+                                      </p:to>
+                                    </p:set>
+                                    <p:animEffect transition="in" filter="fade">
+                                      <p:cBhvr>
+                                        <p:cTn id="19" dur="500"/>
+                                        <p:tgtEl>
+                                          <p:spTgt spid="3"/>
+                                        </p:tgtEl>
+                                      </p:cBhvr>
+                                    </p:animEffect>
+                                  </p:childTnLst>
+                                </p:cTn>
+                              </p:par>
+                              <p:par>
+                                <p:cTn id="20" presetID="10" presetClass="entr" presetSubtype="0" fill="hold" nodeType="withEffect">
+                                  <p:stCondLst>
+                                    <p:cond delay="0"/>
+                                  </p:stCondLst>
+                                  <p:childTnLst>
+                                    <p:set>
+                                      <p:cBhvr>
+                                        <p:cTn id="21" dur="1" fill="hold">
+                                          <p:stCondLst>
+                                            <p:cond delay="0"/>
+                                          </p:stCondLst>
+                                        </p:cTn>
+                                        <p:tgtEl>
+                                          <p:spTgt spid="2"/>
+                                        </p:tgtEl>
+                                        <p:attrNameLst>
+                                          <p:attrName>style.visibility</p:attrName>
+                                        </p:attrNameLst>
+                                      </p:cBhvr>
+                                      <p:to>
+                                        <p:strVal val="visible"/>
+                                      </p:to>
+                                    </p:set>
+                                    <p:animEffect transition="in" filter="fade">
+                                      <p:cBhvr>
+                                        <p:cTn id="22" dur="500"/>
+                                        <p:tgtEl>
+                                          <p:spTgt spid="2"/>
                                         </p:tgtEl>
                                       </p:cBhvr>
                                     </p:animEffect>
@@ -6975,7 +7126,7 @@
           <a:p>
             <a:r>
               <a:rPr lang="en-US" dirty="0" smtClean="0"/>
-              <a:t>For the each check, a player makes </a:t>
+              <a:t>For the each check a player makes </a:t>
             </a:r>
             <a:r>
               <a:rPr lang="en-US" dirty="0"/>
@@ -6983,7 +7134,7 @@
             </a:r>
             <a:r>
               <a:rPr lang="en-US" dirty="0" smtClean="0"/>
-              <a:t>the opponent’s king, he gets 5 extra points.</a:t>
+              <a:t>the opponent’s king, he gets 5 extra points(only if your move leads to check).</a:t>
             </a:r>
           </a:p>
           <a:p>
@@ -7474,97 +7625,258 @@
             </a:r>
             <a:r>
               <a:rPr lang="en-US" sz="1800" dirty="0" smtClean="0"/>
-              <a:t>time( </a:t>
-            </a:r>
-            <a:r>
-              <a:rPr lang="en-US" sz="1800" dirty="0"/>
-              <a:t>minutes </a:t>
-            </a:r>
-            <a:r>
-              <a:rPr lang="en-US" sz="1800" dirty="0" smtClean="0"/>
-              <a:t>left </a:t>
-            </a:r>
-            <a:r>
-              <a:rPr lang="en-US" sz="1800" dirty="0"/>
-              <a:t>* 10 </a:t>
-            </a:r>
-            <a:r>
-              <a:rPr lang="en-US" sz="1800" dirty="0" smtClean="0"/>
-              <a:t>	+ </a:t>
-            </a:r>
-            <a:r>
-              <a:rPr lang="en-US" sz="1800" dirty="0"/>
-              <a:t>half of </a:t>
-            </a:r>
-            <a:r>
-              <a:rPr lang="en-US" sz="1800" dirty="0" smtClean="0"/>
-              <a:t>	the </a:t>
-            </a:r>
-            <a:r>
-              <a:rPr lang="en-US" sz="1800" dirty="0"/>
-              <a:t>value of the </a:t>
-            </a:r>
-            <a:r>
-              <a:rPr lang="en-US" sz="1800" dirty="0" smtClean="0"/>
-              <a:t>opponent </a:t>
-            </a:r>
-            <a:r>
-              <a:rPr lang="en-US" sz="1800" dirty="0"/>
-              <a:t>pieces left </a:t>
-            </a:r>
-            <a:r>
-              <a:rPr lang="en-US" sz="1800" dirty="0" smtClean="0"/>
-              <a:t>on </a:t>
-            </a:r>
-            <a:r>
-              <a:rPr lang="en-US" sz="1800" dirty="0"/>
-              <a:t>board) apart </a:t>
-            </a:r>
-            <a:r>
-              <a:rPr lang="en-US" sz="1800" dirty="0" smtClean="0"/>
-              <a:t>	from </a:t>
-            </a:r>
-            <a:r>
-              <a:rPr lang="en-US" sz="1800" dirty="0"/>
-              <a:t>the points </a:t>
-            </a:r>
-            <a:r>
-              <a:rPr lang="en-US" sz="1800" dirty="0" smtClean="0"/>
-              <a:t>each </a:t>
-            </a:r>
-            <a:r>
-              <a:rPr lang="en-US" sz="1800" dirty="0"/>
-              <a:t>player gets </a:t>
-            </a:r>
-            <a:r>
-              <a:rPr lang="en-US" sz="1800" dirty="0" smtClean="0"/>
-              <a:t>according </a:t>
-            </a:r>
-            <a:r>
-              <a:rPr lang="en-US" sz="1800" dirty="0"/>
-              <a:t>to </a:t>
-            </a:r>
-            <a:r>
-              <a:rPr lang="en-US" sz="1800" dirty="0" smtClean="0"/>
-              <a:t>their </a:t>
-            </a:r>
-            <a:r>
-              <a:rPr lang="en-US" sz="1800" dirty="0"/>
-              <a:t>kills.</a:t>
-            </a:r>
-          </a:p>
-          <a:p>
-            <a:r>
-              <a:rPr lang="en-US" sz="1800" b="1" u="sng" dirty="0"/>
-              <a:t>Draw Type 2:</a:t>
-            </a:r>
-            <a:endParaRPr lang="en-US" sz="1800" u="sng" dirty="0"/>
+              <a:t>time</a:t>
+            </a:r>
           </a:p>
           <a:p>
             <a:pPr marL="0" indent="0">
               <a:buNone/>
             </a:pPr>
             <a:r>
+              <a:rPr lang="en-US" sz="1400" dirty="0" smtClean="0"/>
+              <a:t>	</a:t>
+            </a:r>
+            <a:r>
+              <a:rPr lang="en-US" sz="1600" dirty="0" smtClean="0">
+                <a:solidFill>
+                  <a:srgbClr val="FF0000"/>
+                </a:solidFill>
+                <a:effectLst>
+                  <a:glow rad="139700">
+                    <a:schemeClr val="accent3">
+                      <a:satMod val="175000"/>
+                      <a:alpha val="40000"/>
+                    </a:schemeClr>
+                  </a:glow>
+                </a:effectLst>
+              </a:rPr>
+              <a:t>( </a:t>
+            </a:r>
+            <a:r>
+              <a:rPr lang="en-US" sz="1600" dirty="0">
+                <a:solidFill>
+                  <a:srgbClr val="FF0000"/>
+                </a:solidFill>
+                <a:effectLst>
+                  <a:glow rad="139700">
+                    <a:schemeClr val="accent3">
+                      <a:satMod val="175000"/>
+                      <a:alpha val="40000"/>
+                    </a:schemeClr>
+                  </a:glow>
+                </a:effectLst>
+              </a:rPr>
+              <a:t>minutes </a:t>
+            </a:r>
+            <a:r>
+              <a:rPr lang="en-US" sz="1600" dirty="0" smtClean="0">
+                <a:solidFill>
+                  <a:srgbClr val="FF0000"/>
+                </a:solidFill>
+                <a:effectLst>
+                  <a:glow rad="139700">
+                    <a:schemeClr val="accent3">
+                      <a:satMod val="175000"/>
+                      <a:alpha val="40000"/>
+                    </a:schemeClr>
+                  </a:glow>
+                </a:effectLst>
+              </a:rPr>
+              <a:t>left </a:t>
+            </a:r>
+            <a:r>
+              <a:rPr lang="en-US" sz="1600" dirty="0">
+                <a:solidFill>
+                  <a:srgbClr val="FF0000"/>
+                </a:solidFill>
+                <a:effectLst>
+                  <a:glow rad="139700">
+                    <a:schemeClr val="accent3">
+                      <a:satMod val="175000"/>
+                      <a:alpha val="40000"/>
+                    </a:schemeClr>
+                  </a:glow>
+                </a:effectLst>
+              </a:rPr>
+              <a:t>* 10 </a:t>
+            </a:r>
+            <a:r>
+              <a:rPr lang="en-US" sz="1600" dirty="0" smtClean="0">
+                <a:solidFill>
+                  <a:srgbClr val="FF0000"/>
+                </a:solidFill>
+                <a:effectLst>
+                  <a:glow rad="139700">
+                    <a:schemeClr val="accent3">
+                      <a:satMod val="175000"/>
+                      <a:alpha val="40000"/>
+                    </a:schemeClr>
+                  </a:glow>
+                </a:effectLst>
+              </a:rPr>
+              <a:t>+ </a:t>
+            </a:r>
+            <a:r>
+              <a:rPr lang="en-US" sz="1600" dirty="0">
+                <a:solidFill>
+                  <a:srgbClr val="FF0000"/>
+                </a:solidFill>
+                <a:effectLst>
+                  <a:glow rad="139700">
+                    <a:schemeClr val="accent3">
+                      <a:satMod val="175000"/>
+                      <a:alpha val="40000"/>
+                    </a:schemeClr>
+                  </a:glow>
+                </a:effectLst>
+              </a:rPr>
+              <a:t>half of </a:t>
+            </a:r>
+            <a:r>
+              <a:rPr lang="en-US" sz="1600" dirty="0" smtClean="0">
+                <a:solidFill>
+                  <a:srgbClr val="FF0000"/>
+                </a:solidFill>
+                <a:effectLst>
+                  <a:glow rad="139700">
+                    <a:schemeClr val="accent3">
+                      <a:satMod val="175000"/>
+                      <a:alpha val="40000"/>
+                    </a:schemeClr>
+                  </a:glow>
+                </a:effectLst>
+              </a:rPr>
+              <a:t>the </a:t>
+            </a:r>
+            <a:r>
+              <a:rPr lang="en-US" sz="1600" dirty="0">
+                <a:solidFill>
+                  <a:srgbClr val="FF0000"/>
+                </a:solidFill>
+                <a:effectLst>
+                  <a:glow rad="139700">
+                    <a:schemeClr val="accent3">
+                      <a:satMod val="175000"/>
+                      <a:alpha val="40000"/>
+                    </a:schemeClr>
+                  </a:glow>
+                </a:effectLst>
+              </a:rPr>
+              <a:t>value of the </a:t>
+            </a:r>
+            <a:r>
+              <a:rPr lang="en-US" sz="1600" dirty="0" smtClean="0">
+                <a:solidFill>
+                  <a:srgbClr val="FF0000"/>
+                </a:solidFill>
+                <a:effectLst>
+                  <a:glow rad="139700">
+                    <a:schemeClr val="accent3">
+                      <a:satMod val="175000"/>
+                      <a:alpha val="40000"/>
+                    </a:schemeClr>
+                  </a:glow>
+                </a:effectLst>
+              </a:rPr>
+              <a:t>opponent </a:t>
+            </a:r>
+            <a:r>
+              <a:rPr lang="en-US" sz="1600" dirty="0">
+                <a:solidFill>
+                  <a:srgbClr val="FF0000"/>
+                </a:solidFill>
+                <a:effectLst>
+                  <a:glow rad="139700">
+                    <a:schemeClr val="accent3">
+                      <a:satMod val="175000"/>
+                      <a:alpha val="40000"/>
+                    </a:schemeClr>
+                  </a:glow>
+                </a:effectLst>
+              </a:rPr>
+              <a:t>pieces left </a:t>
+            </a:r>
+            <a:r>
+              <a:rPr lang="en-US" sz="1600" dirty="0" smtClean="0">
+                <a:solidFill>
+                  <a:srgbClr val="FF0000"/>
+                </a:solidFill>
+                <a:effectLst>
+                  <a:glow rad="139700">
+                    <a:schemeClr val="accent3">
+                      <a:satMod val="175000"/>
+                      <a:alpha val="40000"/>
+                    </a:schemeClr>
+                  </a:glow>
+                </a:effectLst>
+              </a:rPr>
+              <a:t>on </a:t>
+            </a:r>
+            <a:r>
+              <a:rPr lang="en-US" sz="1600" dirty="0">
+                <a:solidFill>
+                  <a:srgbClr val="FF0000"/>
+                </a:solidFill>
+                <a:effectLst>
+                  <a:glow rad="139700">
+                    <a:schemeClr val="accent3">
+                      <a:satMod val="175000"/>
+                      <a:alpha val="40000"/>
+                    </a:schemeClr>
+                  </a:glow>
+                </a:effectLst>
+              </a:rPr>
+              <a:t>board) </a:t>
+            </a:r>
+            <a:r>
+              <a:rPr lang="en-US" sz="1600" dirty="0" smtClean="0"/>
+              <a:t>	</a:t>
+            </a:r>
+            <a:r>
+              <a:rPr lang="en-US" sz="1800" dirty="0" smtClean="0"/>
+              <a:t>apart from </a:t>
+            </a:r>
+            <a:r>
+              <a:rPr lang="en-US" sz="1800" dirty="0"/>
+              <a:t>the points </a:t>
+            </a:r>
+            <a:r>
+              <a:rPr lang="en-US" sz="1800" dirty="0" smtClean="0"/>
+              <a:t>each </a:t>
+            </a:r>
+            <a:r>
+              <a:rPr lang="en-US" sz="1800" dirty="0"/>
+              <a:t>player gets </a:t>
+            </a:r>
+            <a:r>
+              <a:rPr lang="en-US" sz="1800" dirty="0" smtClean="0"/>
+              <a:t>according </a:t>
+            </a:r>
+            <a:r>
+              <a:rPr lang="en-US" sz="1800" dirty="0"/>
+              <a:t>to </a:t>
+            </a:r>
+            <a:r>
+              <a:rPr lang="en-US" sz="1800" dirty="0" smtClean="0"/>
+              <a:t>their </a:t>
+            </a:r>
+            <a:r>
+              <a:rPr lang="en-US" sz="1800" dirty="0"/>
+              <a:t>kills.</a:t>
+            </a:r>
+          </a:p>
+          <a:p>
+            <a:r>
+              <a:rPr lang="en-US" sz="1800" b="1" u="sng" dirty="0"/>
+              <a:t>Draw Type 2:</a:t>
+            </a:r>
+            <a:endParaRPr lang="en-US" sz="1800" u="sng" dirty="0"/>
+          </a:p>
+          <a:p>
+            <a:pPr marL="0" indent="0">
+              <a:buNone/>
+            </a:pPr>
+            <a:r>
               <a:rPr lang="en-US" sz="1800" dirty="0" smtClean="0"/>
               <a:t>	If </a:t>
             </a:r>
@@ -7585,7 +7897,27 @@
             <a:pPr lvl="2"/>
             <a:r>
               <a:rPr lang="en-US" sz="1600" dirty="0"/>
-              <a:t>1.If he isn't killed, the game is draw type 2, the player with more time gets points from his time (minutes left * 10) apart from the kill points.</a:t>
+              <a:t>1.If he isn't killed, the game is draw type 2, the player with more time gets points from his time </a:t>
+            </a:r>
+            <a:r>
+              <a:rPr lang="en-US" sz="1600" dirty="0">
+                <a:solidFill>
+                  <a:srgbClr val="FF0000"/>
+                </a:solidFill>
+                <a:effectLst>
+                  <a:glow rad="101600">
+                    <a:schemeClr val="accent3">
+                      <a:satMod val="175000"/>
+                      <a:alpha val="40000"/>
+                    </a:schemeClr>
+                  </a:glow>
+                </a:effectLst>
+              </a:rPr>
+              <a:t>(minutes left * 10)</a:t>
+            </a:r>
+            <a:r>
+              <a:rPr lang="en-US" sz="1600" dirty="0"/>
+              <a:t> apart from the kill points.</a:t>
             </a:r>
           </a:p>
           <a:p>
@@ -8098,15 +8430,33 @@
                                   </p:childTnLst>
                                 </p:cTn>
                               </p:par>
+                            </p:childTnLst>
+                          </p:cTn>
+                        </p:par>
+                      </p:childTnLst>
+                    </p:cTn>
+                  </p:par>
+                  <p:par>
+                    <p:cTn id="40" fill="hold">
+                      <p:stCondLst>
+                        <p:cond delay="indefinite"/>
+                      </p:stCondLst>
+                      <p:childTnLst>
+                        <p:par>
+                          <p:cTn id="41" fill="hold">
+                            <p:stCondLst>
+                              <p:cond delay="0"/>
+                            </p:stCondLst>
+                            <p:childTnLst>
                               <p:par>
-                                <p:cTn id="40" presetID="10" presetClass="entr" presetSubtype="0" fill="hold" grpId="0" nodeType="withEffect">
+                                <p:cTn id="42" presetID="10" presetClass="entr" presetSubtype="0" fill="hold" grpId="0" nodeType="clickEffect">
                                   <p:stCondLst>
                                     <p:cond delay="0"/>
                                   </p:stCondLst>
                                   <p:childTnLst>
                                     <p:set>
                                       <p:cBhvr>
-                                        <p:cTn id="41" dur="1" fill="hold">
+                                        <p:cTn id="43" dur="1" fill="hold">
                                           <p:stCondLst>
                                             <p:cond delay="0"/>
                                           </p:stCondLst>
@@ -8128,7 +8478,7 @@
                                     </p:set>
                                     <p:animEffect transition="in" filter="fade">
                                       <p:cBhvr>
-                                        <p:cTn id="42" dur="500"/>
+                                        <p:cTn id="44" dur="500"/>
                                         <p:tgtEl>
                                           <p:spTgt spid="2">
                                             <p:txEl>
@@ -8142,14 +8492,14 @@
                                 </p:cTn>
                               </p:par>
                               <p:par>
-                                <p:cTn id="43" presetID="10" presetClass="entr" presetSubtype="0" fill="hold" grpId="0" nodeType="withEffect">
+                                <p:cTn id="45" presetID="10" presetClass="entr" presetSubtype="0" fill="hold" grpId="0" nodeType="withEffect">
                                   <p:stCondLst>
                                     <p:cond delay="0"/>
                                   </p:stCondLst>
                                   <p:childTnLst>
                                     <p:set>
                                       <p:cBhvr>
-                                        <p:cTn id="44" dur="1" fill="hold">
+                                        <p:cTn id="46" dur="1" fill="hold">
                                           <p:stCondLst>
                                             <p:cond delay="0"/>
                                           </p:stCondLst>
@@ -8171,11 +8521,54 @@
                                     </p:set>
                                     <p:animEffect transition="in" filter="fade">
                                       <p:cBhvr>
-                                        <p:cTn id="45" dur="500"/>
+                                        <p:cTn id="47" dur="500"/>
                                         <p:tgtEl>
                                           <p:spTgt spid="2">
                                             <p:txEl>
                                               <p:pRg st="10" end="10"/>
+                                            </p:txEl>
+                                          </p:spTgt>
+                                        </p:tgtEl>
+                                      </p:cBhvr>
+                                    </p:animEffect>
+                                  </p:childTnLst>
+                                </p:cTn>
+                              </p:par>
+                              <p:par>
+                                <p:cTn id="48" presetID="10" presetClass="entr" presetSubtype="0" fill="hold" grpId="0" nodeType="withEffect">
+                                  <p:stCondLst>
+                                    <p:cond delay="0"/>
+                                  </p:stCondLst>
+                                  <p:childTnLst>
+                                    <p:set>
+                                      <p:cBhvr>
+                                        <p:cTn id="49" dur="1" fill="hold">
+                                          <p:stCondLst>
+                                            <p:cond delay="0"/>
+                                          </p:stCondLst>
+                                        </p:cTn>
+                                        <p:tgtEl>
+                                          <p:spTgt spid="2">
+                                            <p:txEl>
+                                              <p:pRg st="11" end="11"/>
+                                            </p:txEl>
+                                          </p:spTgt>
+                                        </p:tgtEl>
+                                        <p:attrNameLst>
+                                          <p:attrName>style.visibility</p:attrName>
+                                        </p:attrNameLst>
+                                      </p:cBhvr>
+                                      <p:to>
+                                        <p:strVal val="visible"/>
+                                      </p:to>
+                                    </p:set>
+                                    <p:animEffect transition="in" filter="fade">
+                                      <p:cBhvr>
+                                        <p:cTn id="50" dur="500"/>
+                                        <p:tgtEl>
+                                          <p:spTgt spid="2">
+                                            <p:txEl>
+                                              <p:pRg st="11" end="11"/>
                                             </p:txEl>
                                           </p:spTgt>
                                         </p:tgtEl>
@@ -8250,7 +8643,17 @@
           <a:bodyPr/>
           <a:lstStyle/>
           <a:p>
-            <a:endParaRPr lang="en-US"/>
+            <a:r>
+              <a:rPr lang="en-IN" dirty="0" smtClean="0"/>
+              <a:t>In order to escape from Marauders Game, you need to escape 8 of the dungeons defeating your enemies who will be decided by the Marauders(The Creators)</a:t>
+            </a:r>
+          </a:p>
+          <a:p>
+            <a:r>
+              <a:rPr lang="en-IN" dirty="0" smtClean="0"/>
+              <a:t>The scores in each game are tracked by the Marauders.</a:t>
+            </a:r>
+            <a:endParaRPr lang="en-US" dirty="0"/>
           </a:p>
         </p:txBody>
       </p:sp>
@@ -8271,7 +8674,7 @@
           <a:p>
             <a:r>
               <a:rPr lang="en-US" dirty="0" smtClean="0"/>
-              <a:t>End of the game</a:t>
+              <a:t>End of the Event</a:t>
             </a:r>
             <a:endParaRPr lang="en-US" dirty="0"/>
           </a:p>
@@ -8281,6 +8684,43 @@
     <p:extLst>
       <p:ext uri="{BB962C8B-B14F-4D97-AF65-F5344CB8AC3E}">
         <p14:creationId xmlns:p14="http://schemas.microsoft.com/office/powerpoint/2010/main" val="152290297"/>
+      </p:ext>
+    </p:extLst>
+  </p:cSld>
+  <p:clrMapOvr>
+    <a:masterClrMapping/>
+  </p:clrMapOvr>
+  <p:timing>
+    <p:tnLst>
+      <p:par>
+        <p:cTn id="1" dur="indefinite" restart="never" nodeType="tmRoot"/>
+      </p:par>
+    </p:tnLst>
+  </p:timing>
+</p:sld>
+</file>
+
+<file path=ppt/slides/slide16.xml><?xml version="1.0" encoding="utf-8"?>
+<p:sld xmlns:a="http://schemas.openxmlformats.org/drawingml/2006/main" xmlns:r="http://schemas.openxmlformats.org/officeDocument/2006/relationships" xmlns:p="http://schemas.openxmlformats.org/presentationml/2006/main" showMasterSp="0">
+  <p:cSld>
+    <p:spTree>
+      <p:nvGrpSpPr>
+        <p:cNvPr id="1" name=""/>
+        <p:cNvGrpSpPr/>
+        <p:nvPr/>
+      </p:nvGrpSpPr>
+      <p:grpSpPr>
+        <a:xfrm>
+          <a:off x="0" y="0"/>
+          <a:ext cx="0" cy="0"/>
+          <a:chOff x="0" y="0"/>
+          <a:chExt cx="0" cy="0"/>
+        </a:xfrm>
+      </p:grpSpPr>
+    </p:spTree>
+    <p:extLst>
+      <p:ext uri="{BB962C8B-B14F-4D97-AF65-F5344CB8AC3E}">
+        <p14:creationId xmlns:p14="http://schemas.microsoft.com/office/powerpoint/2010/main" val="4160239003"/>
       </p:ext>
     </p:extLst>
   </p:cSld>
@@ -8322,8 +8762,8 @@
         </p:nvSpPr>
         <p:spPr>
           <a:xfrm>
-            <a:off x="1981200" y="1371600"/>
-            <a:ext cx="5257325" cy="3416320"/>
+            <a:off x="1295400" y="228600"/>
+            <a:ext cx="6324600" cy="4154984"/>
           </a:xfrm>
           <a:prstGeom prst="rect">
             <a:avLst/>
@@ -8338,7 +8778,7 @@
           <a:p>
             <a:pPr algn="ctr"/>
             <a:r>
-              <a:rPr lang="en-US" sz="7200" b="1" cap="none" spc="0" dirty="0" smtClean="0">
+              <a:rPr lang="en-US" sz="8800" b="1" cap="none" spc="0" dirty="0" smtClean="0">
                 <a:ln w="18415" cmpd="sng">
                   <a:solidFill>
                     <a:srgbClr val="FFFFFF"/>
@@ -8363,7 +8803,7 @@
           <a:p>
             <a:pPr algn="ctr"/>
             <a:r>
-              <a:rPr lang="en-US" sz="7200" b="1" cap="none" spc="0" dirty="0" smtClean="0">
+              <a:rPr lang="en-US" sz="8800" b="1" cap="none" spc="0" dirty="0" smtClean="0">
                 <a:ln w="18415" cmpd="sng">
                   <a:solidFill>
                     <a:srgbClr val="FFFFFF"/>
@@ -8388,7 +8828,7 @@
           <a:p>
             <a:pPr algn="ctr"/>
             <a:r>
-              <a:rPr lang="en-US" sz="7200" b="1" cap="none" spc="0" dirty="0" smtClean="0">
+              <a:rPr lang="en-US" sz="8800" b="1" cap="none" spc="0" dirty="0" smtClean="0">
                 <a:ln w="18415" cmpd="sng">
                   <a:solidFill>
                     <a:srgbClr val="FFFFFF"/>
@@ -8409,7 +8849,7 @@
               </a:rPr>
               <a:t>Chess</a:t>
             </a:r>
-            <a:endParaRPr lang="en-US" sz="7200" b="1" cap="none" spc="0" dirty="0">
+            <a:endParaRPr lang="en-US" sz="8800" b="1" cap="none" spc="0" dirty="0">
               <a:ln w="18415" cmpd="sng">
                 <a:solidFill>
                   <a:srgbClr val="FFFFFF"/>
@@ -8428,6 +8868,119 @@
               </a:effectLst>
               <a:latin typeface="Bradley Hand ITC" panose="03070402050302030203" pitchFamily="66" charset="0"/>
             </a:endParaRPr>
+          </a:p>
+        </p:txBody>
+      </p:sp>
+      <p:sp>
+        <p:nvSpPr>
+          <p:cNvPr id="5" name="Content Placeholder 2"/>
+          <p:cNvSpPr>
+            <a:spLocks noGrp="1"/>
+          </p:cNvSpPr>
+          <p:nvPr>
+            <p:ph idx="1"/>
+          </p:nvPr>
+        </p:nvSpPr>
+        <p:spPr>
+          <a:xfrm>
+            <a:off x="5722351" y="4648200"/>
+            <a:ext cx="3415553" cy="2133599"/>
+          </a:xfrm>
+        </p:spPr>
+        <p:txBody>
+          <a:bodyPr>
+            <a:normAutofit/>
+          </a:bodyPr>
+          <a:lstStyle/>
+          <a:p>
+            <a:pPr marL="0" indent="0">
+              <a:buNone/>
+            </a:pPr>
+            <a:r>
+              <a:rPr lang="en-IN" sz="1800" dirty="0" smtClean="0"/>
+              <a:t>By the Marauders :</a:t>
+            </a:r>
+          </a:p>
+          <a:p>
+            <a:pPr lvl="1">
+              <a:buFont typeface="Wingdings" panose="05000000000000000000" pitchFamily="2" charset="2"/>
+              <a:buChar char="Ø"/>
+            </a:pPr>
+            <a:r>
+              <a:rPr lang="en-IN" sz="1800" dirty="0" err="1" smtClean="0"/>
+              <a:t>Prathik</a:t>
+            </a:r>
+            <a:r>
+              <a:rPr lang="en-IN" sz="1800" dirty="0" smtClean="0"/>
+              <a:t> S. </a:t>
+            </a:r>
+            <a:r>
+              <a:rPr lang="en-IN" sz="1800" dirty="0" err="1" smtClean="0"/>
+              <a:t>Nayak</a:t>
+            </a:r>
+            <a:endParaRPr lang="en-IN" sz="1800" dirty="0" smtClean="0"/>
+          </a:p>
+          <a:p>
+            <a:pPr lvl="1">
+              <a:buFont typeface="Wingdings" panose="05000000000000000000" pitchFamily="2" charset="2"/>
+              <a:buChar char="Ø"/>
+            </a:pPr>
+            <a:r>
+              <a:rPr lang="en-IN" sz="1800" dirty="0" smtClean="0"/>
+              <a:t>P. </a:t>
+            </a:r>
+            <a:r>
+              <a:rPr lang="en-IN" sz="1800" dirty="0" err="1" smtClean="0"/>
+              <a:t>Suhas</a:t>
+            </a:r>
+            <a:endParaRPr lang="en-IN" sz="1800" dirty="0" smtClean="0"/>
+          </a:p>
+          <a:p>
+            <a:pPr lvl="1">
+              <a:buFont typeface="Wingdings" panose="05000000000000000000" pitchFamily="2" charset="2"/>
+              <a:buChar char="Ø"/>
+            </a:pPr>
+            <a:r>
+              <a:rPr lang="en-IN" sz="1800" dirty="0" err="1" smtClean="0"/>
+              <a:t>Yash</a:t>
+            </a:r>
+            <a:r>
+              <a:rPr lang="en-IN" sz="1800" dirty="0" smtClean="0"/>
+              <a:t> Kumar</a:t>
+            </a:r>
+          </a:p>
+          <a:p>
+            <a:pPr lvl="1">
+              <a:buFont typeface="Wingdings" panose="05000000000000000000" pitchFamily="2" charset="2"/>
+              <a:buChar char="Ø"/>
+            </a:pPr>
+            <a:r>
+              <a:rPr lang="en-IN" sz="1800" dirty="0" err="1" smtClean="0"/>
+              <a:t>Aman</a:t>
+            </a:r>
+            <a:r>
+              <a:rPr lang="en-IN" sz="1800" dirty="0" smtClean="0"/>
+              <a:t> Raj</a:t>
+            </a:r>
+          </a:p>
+          <a:p>
+            <a:pPr lvl="1">
+              <a:buFont typeface="Wingdings" panose="05000000000000000000" pitchFamily="2" charset="2"/>
+              <a:buChar char="Ø"/>
+            </a:pPr>
+            <a:r>
+              <a:rPr lang="en-IN" sz="1800" dirty="0" err="1" smtClean="0"/>
+              <a:t>Ankur</a:t>
+            </a:r>
+            <a:r>
+              <a:rPr lang="en-IN" sz="1800" dirty="0" smtClean="0"/>
+              <a:t> </a:t>
+            </a:r>
+            <a:r>
+              <a:rPr lang="en-IN" sz="1800" dirty="0" err="1" smtClean="0"/>
+              <a:t>Ingale</a:t>
+            </a:r>
+            <a:endParaRPr lang="en-US" sz="1800" dirty="0" smtClean="0"/>
           </a:p>
         </p:txBody>
       </p:sp>
@@ -8456,9 +9009,311 @@
   <p:timing>
     <p:tnLst>
       <p:par>
-        <p:cTn id="1" dur="indefinite" restart="never" nodeType="tmRoot"/>
+        <p:cTn id="1" dur="indefinite" restart="never" nodeType="tmRoot">
+          <p:childTnLst>
+            <p:seq concurrent="1" nextAc="seek">
+              <p:cTn id="2" dur="indefinite" nodeType="mainSeq">
+                <p:childTnLst>
+                  <p:par>
+                    <p:cTn id="3" fill="hold">
+                      <p:stCondLst>
+                        <p:cond delay="indefinite"/>
+                      </p:stCondLst>
+                      <p:childTnLst>
+                        <p:par>
+                          <p:cTn id="4" fill="hold">
+                            <p:stCondLst>
+                              <p:cond delay="0"/>
+                            </p:stCondLst>
+                            <p:childTnLst>
+                              <p:par>
+                                <p:cTn id="5" presetID="10" presetClass="entr" presetSubtype="0" fill="hold" grpId="0" nodeType="clickEffect">
+                                  <p:stCondLst>
+                                    <p:cond delay="0"/>
+                                  </p:stCondLst>
+                                  <p:childTnLst>
+                                    <p:set>
+                                      <p:cBhvr>
+                                        <p:cTn id="6" dur="1" fill="hold">
+                                          <p:stCondLst>
+                                            <p:cond delay="0"/>
+                                          </p:stCondLst>
+                                        </p:cTn>
+                                        <p:tgtEl>
+                                          <p:spTgt spid="5">
+                                            <p:txEl>
+                                              <p:pRg st="0" end="0"/>
+                                            </p:txEl>
+                                          </p:spTgt>
+                                        </p:tgtEl>
+                                        <p:attrNameLst>
+                                          <p:attrName>style.visibility</p:attrName>
+                                        </p:attrNameLst>
+                                      </p:cBhvr>
+                                      <p:to>
+                                        <p:strVal val="visible"/>
+                                      </p:to>
+                                    </p:set>
+                                    <p:animEffect transition="in" filter="fade">
+                                      <p:cBhvr>
+                                        <p:cTn id="7" dur="500"/>
+                                        <p:tgtEl>
+                                          <p:spTgt spid="5">
+                                            <p:txEl>
+                                              <p:pRg st="0" end="0"/>
+                                            </p:txEl>
+                                          </p:spTgt>
+                                        </p:tgtEl>
+                                      </p:cBhvr>
+                                    </p:animEffect>
+                                  </p:childTnLst>
+                                </p:cTn>
+                              </p:par>
+                              <p:par>
+                                <p:cTn id="8" presetID="10" presetClass="entr" presetSubtype="0" fill="hold" grpId="0" nodeType="withEffect">
+                                  <p:stCondLst>
+                                    <p:cond delay="0"/>
+                                  </p:stCondLst>
+                                  <p:childTnLst>
+                                    <p:set>
+                                      <p:cBhvr>
+                                        <p:cTn id="9" dur="1" fill="hold">
+                                          <p:stCondLst>
+                                            <p:cond delay="0"/>
+                                          </p:stCondLst>
+                                        </p:cTn>
+                                        <p:tgtEl>
+                                          <p:spTgt spid="5">
+                                            <p:txEl>
+                                              <p:pRg st="1" end="1"/>
+                                            </p:txEl>
+                                          </p:spTgt>
+                                        </p:tgtEl>
+                                        <p:attrNameLst>
+                                          <p:attrName>style.visibility</p:attrName>
+                                        </p:attrNameLst>
+                                      </p:cBhvr>
+                                      <p:to>
+                                        <p:strVal val="visible"/>
+                                      </p:to>
+                                    </p:set>
+                                    <p:animEffect transition="in" filter="fade">
+                                      <p:cBhvr>
+                                        <p:cTn id="10" dur="500"/>
+                                        <p:tgtEl>
+                                          <p:spTgt spid="5">
+                                            <p:txEl>
+                                              <p:pRg st="1" end="1"/>
+                                            </p:txEl>
+                                          </p:spTgt>
+                                        </p:tgtEl>
+                                      </p:cBhvr>
+                                    </p:animEffect>
+                                  </p:childTnLst>
+                                </p:cTn>
+                              </p:par>
+                              <p:par>
+                                <p:cTn id="11" presetID="10" presetClass="entr" presetSubtype="0" fill="hold" grpId="0" nodeType="withEffect">
+                                  <p:stCondLst>
+                                    <p:cond delay="0"/>
+                                  </p:stCondLst>
+                                  <p:childTnLst>
+                                    <p:set>
+                                      <p:cBhvr>
+                                        <p:cTn id="12" dur="1" fill="hold">
+                                          <p:stCondLst>
+                                            <p:cond delay="0"/>
+                                          </p:stCondLst>
+                                        </p:cTn>
+                                        <p:tgtEl>
+                                          <p:spTgt spid="5">
+                                            <p:txEl>
+                                              <p:pRg st="2" end="2"/>
+                                            </p:txEl>
+                                          </p:spTgt>
+                                        </p:tgtEl>
+                                        <p:attrNameLst>
+                                          <p:attrName>style.visibility</p:attrName>
+                                        </p:attrNameLst>
+                                      </p:cBhvr>
+                                      <p:to>
+                                        <p:strVal val="visible"/>
+                                      </p:to>
+                                    </p:set>
+                                    <p:animEffect transition="in" filter="fade">
+                                      <p:cBhvr>
+                                        <p:cTn id="13" dur="500"/>
+                                        <p:tgtEl>
+                                          <p:spTgt spid="5">
+                                            <p:txEl>
+                                              <p:pRg st="2" end="2"/>
+                                            </p:txEl>
+                                          </p:spTgt>
+                                        </p:tgtEl>
+                                      </p:cBhvr>
+                                    </p:animEffect>
+                                  </p:childTnLst>
+                                </p:cTn>
+                              </p:par>
+                              <p:par>
+                                <p:cTn id="14" presetID="10" presetClass="entr" presetSubtype="0" fill="hold" grpId="0" nodeType="withEffect">
+                                  <p:stCondLst>
+                                    <p:cond delay="0"/>
+                                  </p:stCondLst>
+                                  <p:childTnLst>
+                                    <p:set>
+                                      <p:cBhvr>
+                                        <p:cTn id="15" dur="1" fill="hold">
+                                          <p:stCondLst>
+                                            <p:cond delay="0"/>
+                                          </p:stCondLst>
+                                        </p:cTn>
+                                        <p:tgtEl>
+                                          <p:spTgt spid="5">
+                                            <p:txEl>
+                                              <p:pRg st="3" end="3"/>
+                                            </p:txEl>
+                                          </p:spTgt>
+                                        </p:tgtEl>
+                                        <p:attrNameLst>
+                                          <p:attrName>style.visibility</p:attrName>
+                                        </p:attrNameLst>
+                                      </p:cBhvr>
+                                      <p:to>
+                                        <p:strVal val="visible"/>
+                                      </p:to>
+                                    </p:set>
+                                    <p:animEffect transition="in" filter="fade">
+                                      <p:cBhvr>
+                                        <p:cTn id="16" dur="500"/>
+                                        <p:tgtEl>
+                                          <p:spTgt spid="5">
+                                            <p:txEl>
+                                              <p:pRg st="3" end="3"/>
+                                            </p:txEl>
+                                          </p:spTgt>
+                                        </p:tgtEl>
+                                      </p:cBhvr>
+                                    </p:animEffect>
+                                  </p:childTnLst>
+                                </p:cTn>
+                              </p:par>
+                              <p:par>
+                                <p:cTn id="17" presetID="10" presetClass="entr" presetSubtype="0" fill="hold" grpId="0" nodeType="withEffect">
+                                  <p:stCondLst>
+                                    <p:cond delay="0"/>
+                                  </p:stCondLst>
+                                  <p:childTnLst>
+                                    <p:set>
+                                      <p:cBhvr>
+                                        <p:cTn id="18" dur="1" fill="hold">
+                                          <p:stCondLst>
+                                            <p:cond delay="0"/>
+                                          </p:stCondLst>
+                                        </p:cTn>
+                                        <p:tgtEl>
+                                          <p:spTgt spid="5">
+                                            <p:txEl>
+                                              <p:pRg st="4" end="4"/>
+                                            </p:txEl>
+                                          </p:spTgt>
+                                        </p:tgtEl>
+                                        <p:attrNameLst>
+                                          <p:attrName>style.visibility</p:attrName>
+                                        </p:attrNameLst>
+                                      </p:cBhvr>
+                                      <p:to>
+                                        <p:strVal val="visible"/>
+                                      </p:to>
+                                    </p:set>
+                                    <p:animEffect transition="in" filter="fade">
+                                      <p:cBhvr>
+                                        <p:cTn id="19" dur="500"/>
+                                        <p:tgtEl>
+                                          <p:spTgt spid="5">
+                                            <p:txEl>
+                                              <p:pRg st="4" end="4"/>
+                                            </p:txEl>
+                                          </p:spTgt>
+                                        </p:tgtEl>
+                                      </p:cBhvr>
+                                    </p:animEffect>
+                                  </p:childTnLst>
+                                </p:cTn>
+                              </p:par>
+                              <p:par>
+                                <p:cTn id="20" presetID="10" presetClass="entr" presetSubtype="0" fill="hold" grpId="0" nodeType="withEffect">
+                                  <p:stCondLst>
+                                    <p:cond delay="0"/>
+                                  </p:stCondLst>
+                                  <p:childTnLst>
+                                    <p:set>
+                                      <p:cBhvr>
+                                        <p:cTn id="21" dur="1" fill="hold">
+                                          <p:stCondLst>
+                                            <p:cond delay="0"/>
+                                          </p:stCondLst>
+                                        </p:cTn>
+                                        <p:tgtEl>
+                                          <p:spTgt spid="5">
+                                            <p:txEl>
+                                              <p:pRg st="5" end="5"/>
+                                            </p:txEl>
+                                          </p:spTgt>
+                                        </p:tgtEl>
+                                        <p:attrNameLst>
+                                          <p:attrName>style.visibility</p:attrName>
+                                        </p:attrNameLst>
+                                      </p:cBhvr>
+                                      <p:to>
+                                        <p:strVal val="visible"/>
+                                      </p:to>
+                                    </p:set>
+                                    <p:animEffect transition="in" filter="fade">
+                                      <p:cBhvr>
+                                        <p:cTn id="22" dur="500"/>
+                                        <p:tgtEl>
+                                          <p:spTgt spid="5">
+                                            <p:txEl>
+                                              <p:pRg st="5" end="5"/>
+                                            </p:txEl>
+                                          </p:spTgt>
+                                        </p:tgtEl>
+                                      </p:cBhvr>
+                                    </p:animEffect>
+                                  </p:childTnLst>
+                                </p:cTn>
+                              </p:par>
+                            </p:childTnLst>
+                          </p:cTn>
+                        </p:par>
+                      </p:childTnLst>
+                    </p:cTn>
+                  </p:par>
+                </p:childTnLst>
+              </p:cTn>
+              <p:prevCondLst>
+                <p:cond evt="onPrev" delay="0">
+                  <p:tgtEl>
+                    <p:sldTgt/>
+                  </p:tgtEl>
+                </p:cond>
+              </p:prevCondLst>
+              <p:nextCondLst>
+                <p:cond evt="onNext" delay="0">
+                  <p:tgtEl>
+                    <p:sldTgt/>
+                  </p:tgtEl>
+                </p:cond>
+              </p:nextCondLst>
+            </p:seq>
+          </p:childTnLst>
+        </p:cTn>
       </p:par>
     </p:tnLst>
+    <p:bldLst>
+      <p:bldP spid="5" grpId="0" build="p"/>
+    </p:bldLst>
   </p:timing>
 </p:sld>
 </file>
@@ -8882,15 +9737,7 @@
           <a:p>
             <a:r>
               <a:rPr lang="en-US" dirty="0" smtClean="0"/>
-              <a:t>The Game </a:t>
-            </a:r>
-            <a:r>
-              <a:rPr lang="en-US" dirty="0"/>
-              <a:t>is played on a </a:t>
-            </a:r>
-            <a:r>
-              <a:rPr lang="en-US" dirty="0" smtClean="0"/>
-              <a:t>main board, which consists of 6 square room. </a:t>
+              <a:t>All the players are trapped in dungeons(main board), which consists of 6 square rooms. </a:t>
             </a:r>
             <a:r>
               <a:rPr lang="en-US" dirty="0"/>
@@ -9532,7 +10379,7 @@
           <a:p>
             <a:r>
               <a:rPr lang="en-US" dirty="0" smtClean="0"/>
-              <a:t>Thanks to the creators of the marauders’ maze! </a:t>
+              <a:t>Thanks to the creators of the Marauders’ maze! </a:t>
             </a:r>
             <a:r>
               <a:rPr lang="en-US" dirty="0"/>
@@ -9879,15 +10726,7 @@
           <a:p>
             <a:r>
               <a:rPr lang="en-US" dirty="0" smtClean="0"/>
-              <a:t>Each player has 15 minutes of time for his turns whic</a:t>
-            </a:r>
-            <a:r>
-              <a:rPr lang="en-US" dirty="0"/>
-              <a:t>h</a:t>
-            </a:r>
-            <a:r>
-              <a:rPr lang="en-US" dirty="0" smtClean="0"/>
-              <a:t> automatically halts during the opponents turn.</a:t>
+              <a:t>Each player has 15 minutes (max 1 min each turn) which automatically halts during the opponents turn.</a:t>
             </a:r>
             <a:endParaRPr lang="en-US" dirty="0"/>
           </a:p>
@@ -10146,6 +10985,299 @@
 </file>
 
 <file path=ppt/slides/slide8.xml><?xml version="1.0" encoding="utf-8"?>
+<p:sld xmlns:a="http://schemas.openxmlformats.org/drawingml/2006/main" xmlns:r="http://schemas.openxmlformats.org/officeDocument/2006/relationships" xmlns:p="http://schemas.openxmlformats.org/presentationml/2006/main" showMasterSp="0">
+  <p:cSld>
+    <p:spTree>
+      <p:nvGrpSpPr>
+        <p:cNvPr id="1" name=""/>
+        <p:cNvGrpSpPr/>
+        <p:nvPr/>
+      </p:nvGrpSpPr>
+      <p:grpSpPr>
+        <a:xfrm>
+          <a:off x="0" y="0"/>
+          <a:ext cx="0" cy="0"/>
+          <a:chOff x="0" y="0"/>
+          <a:chExt cx="0" cy="0"/>
+        </a:xfrm>
+      </p:grpSpPr>
+      <p:sp>
+        <p:nvSpPr>
+          <p:cNvPr id="4" name="Content Placeholder 2"/>
+          <p:cNvSpPr>
+            <a:spLocks noGrp="1"/>
+          </p:cNvSpPr>
+          <p:nvPr>
+            <p:ph idx="1"/>
+          </p:nvPr>
+        </p:nvSpPr>
+        <p:spPr>
+          <a:xfrm>
+            <a:off x="762000" y="1371600"/>
+            <a:ext cx="7745505" cy="5791200"/>
+          </a:xfrm>
+        </p:spPr>
+        <p:txBody>
+          <a:bodyPr>
+            <a:normAutofit/>
+          </a:bodyPr>
+          <a:lstStyle/>
+          <a:p>
+            <a:r>
+              <a:rPr lang="en-US" dirty="0" smtClean="0"/>
+              <a:t>During the game, each player must try to kill the pieces of the opponent.</a:t>
+            </a:r>
+          </a:p>
+          <a:p>
+            <a:r>
+              <a:rPr lang="en-US" dirty="0" smtClean="0"/>
+              <a:t>To initiate a move, select the piece and then select the destination cell. The piece can be moved only if it is its valid movement and no other piece or wall is blocking its way.</a:t>
+            </a:r>
+          </a:p>
+          <a:p>
+            <a:r>
+              <a:rPr lang="en-US" dirty="0" smtClean="0"/>
+              <a:t>To Rotate a Room, just click on the respective Rotate gear button on the left side of the screen.</a:t>
+            </a:r>
+          </a:p>
+          <a:p>
+            <a:pPr marL="0" indent="0">
+              <a:buNone/>
+            </a:pPr>
+            <a:endParaRPr lang="en-US" dirty="0" smtClean="0"/>
+          </a:p>
+        </p:txBody>
+      </p:sp>
+    </p:spTree>
+    <p:extLst>
+      <p:ext uri="{BB962C8B-B14F-4D97-AF65-F5344CB8AC3E}">
+        <p14:creationId xmlns:p14="http://schemas.microsoft.com/office/powerpoint/2010/main" val="1552155610"/>
+      </p:ext>
+    </p:extLst>
+  </p:cSld>
+  <p:clrMapOvr>
+    <a:masterClrMapping/>
+  </p:clrMapOvr>
+  <p:timing>
+    <p:tnLst>
+      <p:par>
+        <p:cTn id="1" dur="indefinite" restart="never" nodeType="tmRoot">
+          <p:childTnLst>
+            <p:seq concurrent="1" nextAc="seek">
+              <p:cTn id="2" dur="indefinite" nodeType="mainSeq">
+                <p:childTnLst>
+                  <p:par>
+                    <p:cTn id="3" fill="hold">
+                      <p:stCondLst>
+                        <p:cond delay="indefinite"/>
+                      </p:stCondLst>
+                      <p:childTnLst>
+                        <p:par>
+                          <p:cTn id="4" fill="hold">
+                            <p:stCondLst>
+                              <p:cond delay="0"/>
+                            </p:stCondLst>
+                            <p:childTnLst>
+                              <p:par>
+                                <p:cTn id="5" presetID="10" presetClass="entr" presetSubtype="0" fill="hold" grpId="0" nodeType="clickEffect">
+                                  <p:stCondLst>
+                                    <p:cond delay="0"/>
+                                  </p:stCondLst>
+                                  <p:childTnLst>
+                                    <p:set>
+                                      <p:cBhvr>
+                                        <p:cTn id="6" dur="1" fill="hold">
+                                          <p:stCondLst>
+                                            <p:cond delay="0"/>
+                                          </p:stCondLst>
+                                        </p:cTn>
+                                        <p:tgtEl>
+                                          <p:spTgt spid="4">
+                                            <p:txEl>
+                                              <p:pRg st="0" end="0"/>
+                                            </p:txEl>
+                                          </p:spTgt>
+                                        </p:tgtEl>
+                                        <p:attrNameLst>
+                                          <p:attrName>style.visibility</p:attrName>
+                                        </p:attrNameLst>
+                                      </p:cBhvr>
+                                      <p:to>
+                                        <p:strVal val="visible"/>
+                                      </p:to>
+                                    </p:set>
+                                    <p:animEffect transition="in" filter="fade">
+                                      <p:cBhvr>
+                                        <p:cTn id="7" dur="500"/>
+                                        <p:tgtEl>
+                                          <p:spTgt spid="4">
+                                            <p:txEl>
+                                              <p:pRg st="0" end="0"/>
+                                            </p:txEl>
+                                          </p:spTgt>
+                                        </p:tgtEl>
+                                      </p:cBhvr>
+                                    </p:animEffect>
+                                  </p:childTnLst>
+                                </p:cTn>
+                              </p:par>
+                            </p:childTnLst>
+                          </p:cTn>
+                        </p:par>
+                      </p:childTnLst>
+                    </p:cTn>
+                  </p:par>
+                  <p:par>
+                    <p:cTn id="8" fill="hold">
+                      <p:stCondLst>
+                        <p:cond delay="indefinite"/>
+                      </p:stCondLst>
+                      <p:childTnLst>
+                        <p:par>
+                          <p:cTn id="9" fill="hold">
+                            <p:stCondLst>
+                              <p:cond delay="0"/>
+                            </p:stCondLst>
+                            <p:childTnLst>
+                              <p:par>
+                                <p:cTn id="10" presetID="10" presetClass="entr" presetSubtype="0" fill="hold" grpId="0" nodeType="clickEffect">
+                                  <p:stCondLst>
+                                    <p:cond delay="0"/>
+                                  </p:stCondLst>
+                                  <p:childTnLst>
+                                    <p:set>
+                                      <p:cBhvr>
+                                        <p:cTn id="11" dur="1" fill="hold">
+                                          <p:stCondLst>
+                                            <p:cond delay="0"/>
+                                          </p:stCondLst>
+                                        </p:cTn>
+                                        <p:tgtEl>
+                                          <p:spTgt spid="4">
+                                            <p:txEl>
+                                              <p:pRg st="1" end="1"/>
+                                            </p:txEl>
+                                          </p:spTgt>
+                                        </p:tgtEl>
+                                        <p:attrNameLst>
+                                          <p:attrName>style.visibility</p:attrName>
+                                        </p:attrNameLst>
+                                      </p:cBhvr>
+                                      <p:to>
+                                        <p:strVal val="visible"/>
+                                      </p:to>
+                                    </p:set>
+                                    <p:animEffect transition="in" filter="fade">
+                                      <p:cBhvr>
+                                        <p:cTn id="12" dur="500"/>
+                                        <p:tgtEl>
+                                          <p:spTgt spid="4">
+                                            <p:txEl>
+                                              <p:pRg st="1" end="1"/>
+                                            </p:txEl>
+                                          </p:spTgt>
+                                        </p:tgtEl>
+                                      </p:cBhvr>
+                                    </p:animEffect>
+                                  </p:childTnLst>
+                                </p:cTn>
+                              </p:par>
+                            </p:childTnLst>
+                          </p:cTn>
+                        </p:par>
+                      </p:childTnLst>
+                    </p:cTn>
+                  </p:par>
+                  <p:par>
+                    <p:cTn id="13" fill="hold">
+                      <p:stCondLst>
+                        <p:cond delay="indefinite"/>
+                      </p:stCondLst>
+                      <p:childTnLst>
+                        <p:par>
+                          <p:cTn id="14" fill="hold">
+                            <p:stCondLst>
+                              <p:cond delay="0"/>
+                            </p:stCondLst>
+                            <p:childTnLst>
+                              <p:par>
+                                <p:cTn id="15" presetID="10" presetClass="entr" presetSubtype="0" fill="hold" grpId="0" nodeType="clickEffect">
+                                  <p:stCondLst>
+                                    <p:cond delay="0"/>
+                                  </p:stCondLst>
+                                  <p:childTnLst>
+                                    <p:set>
+                                      <p:cBhvr>
+                                        <p:cTn id="16" dur="1" fill="hold">
+                                          <p:stCondLst>
+                                            <p:cond delay="0"/>
+                                          </p:stCondLst>
+                                        </p:cTn>
+                                        <p:tgtEl>
+                                          <p:spTgt spid="4">
+                                            <p:txEl>
+                                              <p:pRg st="2" end="2"/>
+                                            </p:txEl>
+                                          </p:spTgt>
+                                        </p:tgtEl>
+                                        <p:attrNameLst>
+                                          <p:attrName>style.visibility</p:attrName>
+                                        </p:attrNameLst>
+                                      </p:cBhvr>
+                                      <p:to>
+                                        <p:strVal val="visible"/>
+                                      </p:to>
+                                    </p:set>
+                                    <p:animEffect transition="in" filter="fade">
+                                      <p:cBhvr>
+                                        <p:cTn id="17" dur="500"/>
+                                        <p:tgtEl>
+                                          <p:spTgt spid="4">
+                                            <p:txEl>
+                                              <p:pRg st="2" end="2"/>
+                                            </p:txEl>
+                                          </p:spTgt>
+                                        </p:tgtEl>
+                                      </p:cBhvr>
+                                    </p:animEffect>
+                                  </p:childTnLst>
+                                </p:cTn>
+                              </p:par>
+                            </p:childTnLst>
+                          </p:cTn>
+                        </p:par>
+                      </p:childTnLst>
+                    </p:cTn>
+                  </p:par>
+                </p:childTnLst>
+              </p:cTn>
+              <p:prevCondLst>
+                <p:cond evt="onPrev" delay="0">
+                  <p:tgtEl>
+                    <p:sldTgt/>
+                  </p:tgtEl>
+                </p:cond>
+              </p:prevCondLst>
+              <p:nextCondLst>
+                <p:cond evt="onNext" delay="0">
+                  <p:tgtEl>
+                    <p:sldTgt/>
+                  </p:tgtEl>
+                </p:cond>
+              </p:nextCondLst>
+            </p:seq>
+          </p:childTnLst>
+        </p:cTn>
+      </p:par>
+    </p:tnLst>
+    <p:bldLst>
+      <p:bldP spid="4" grpId="0" build="p"/>
+    </p:bldLst>
+  </p:timing>
+</p:sld>
+</file>
+
+<file path=ppt/slides/slide9.xml><?xml version="1.0" encoding="utf-8"?>
 <p:sld xmlns:a="http://schemas.openxmlformats.org/drawingml/2006/main" xmlns:r="http://schemas.openxmlformats.org/officeDocument/2006/relationships" xmlns:p="http://schemas.openxmlformats.org/presentationml/2006/main">
   <p:cSld>
     <p:spTree>
@@ -10181,7 +11313,7 @@
           <a:p>
             <a:r>
               <a:rPr lang="en-US" dirty="0" smtClean="0"/>
-              <a:t>A game may end in different scenarios :</a:t>
+              <a:t>You may leave the dungeon in different scenarios :</a:t>
             </a:r>
           </a:p>
           <a:p>
@@ -10861,299 +11993,6 @@
     </p:tnLst>
     <p:bldLst>
       <p:bldP spid="3" grpId="0" build="p"/>
-    </p:bldLst>
-  </p:timing>
-</p:sld>
-</file>
-
-<file path=ppt/slides/slide9.xml><?xml version="1.0" encoding="utf-8"?>
-<p:sld xmlns:a="http://schemas.openxmlformats.org/drawingml/2006/main" xmlns:r="http://schemas.openxmlformats.org/officeDocument/2006/relationships" xmlns:p="http://schemas.openxmlformats.org/presentationml/2006/main" showMasterSp="0">
-  <p:cSld>
-    <p:spTree>
-      <p:nvGrpSpPr>
-        <p:cNvPr id="1" name=""/>
-        <p:cNvGrpSpPr/>
-        <p:nvPr/>
-      </p:nvGrpSpPr>
-      <p:grpSpPr>
-        <a:xfrm>
-          <a:off x="0" y="0"/>
-          <a:ext cx="0" cy="0"/>
-          <a:chOff x="0" y="0"/>
-          <a:chExt cx="0" cy="0"/>
-        </a:xfrm>
-      </p:grpSpPr>
-      <p:sp>
-        <p:nvSpPr>
-          <p:cNvPr id="4" name="Content Placeholder 2"/>
-          <p:cNvSpPr>
-            <a:spLocks noGrp="1"/>
-          </p:cNvSpPr>
-          <p:nvPr>
-            <p:ph idx="1"/>
-          </p:nvPr>
-        </p:nvSpPr>
-        <p:spPr>
-          <a:xfrm>
-            <a:off x="762000" y="1371600"/>
-            <a:ext cx="7745505" cy="5791200"/>
-          </a:xfrm>
-        </p:spPr>
-        <p:txBody>
-          <a:bodyPr>
-            <a:normAutofit/>
-          </a:bodyPr>
-          <a:lstStyle/>
-          <a:p>
-            <a:r>
-              <a:rPr lang="en-US" dirty="0" smtClean="0"/>
-              <a:t>During the game, each player must try to kill the pieces of the opponent.</a:t>
-            </a:r>
-          </a:p>
-          <a:p>
-            <a:r>
-              <a:rPr lang="en-US" dirty="0" smtClean="0"/>
-              <a:t>To initiate a move, select the piece and then select the destination cell. The piece can be moved only if it is its valid movement and no other piece or wall is blocking its way.</a:t>
-            </a:r>
-          </a:p>
-          <a:p>
-            <a:r>
-              <a:rPr lang="en-US" dirty="0" smtClean="0"/>
-              <a:t>To Rotate a Room, just click on the respective Rotate gear button on the left side of the screen.</a:t>
-            </a:r>
-          </a:p>
-          <a:p>
-            <a:pPr marL="0" indent="0">
-              <a:buNone/>
-            </a:pPr>
-            <a:endParaRPr lang="en-US" dirty="0" smtClean="0"/>
-          </a:p>
-        </p:txBody>
-      </p:sp>
-    </p:spTree>
-    <p:extLst>
-      <p:ext uri="{BB962C8B-B14F-4D97-AF65-F5344CB8AC3E}">
-        <p14:creationId xmlns:p14="http://schemas.microsoft.com/office/powerpoint/2010/main" val="1552155610"/>
-      </p:ext>
-    </p:extLst>
-  </p:cSld>
-  <p:clrMapOvr>
-    <a:masterClrMapping/>
-  </p:clrMapOvr>
-  <p:timing>
-    <p:tnLst>
-      <p:par>
-        <p:cTn id="1" dur="indefinite" restart="never" nodeType="tmRoot">
-          <p:childTnLst>
-            <p:seq concurrent="1" nextAc="seek">
-              <p:cTn id="2" dur="indefinite" nodeType="mainSeq">
-                <p:childTnLst>
-                  <p:par>
-                    <p:cTn id="3" fill="hold">
-                      <p:stCondLst>
-                        <p:cond delay="indefinite"/>
-                      </p:stCondLst>
-                      <p:childTnLst>
-                        <p:par>
-                          <p:cTn id="4" fill="hold">
-                            <p:stCondLst>
-                              <p:cond delay="0"/>
-                            </p:stCondLst>
-                            <p:childTnLst>
-                              <p:par>
-                                <p:cTn id="5" presetID="10" presetClass="entr" presetSubtype="0" fill="hold" grpId="0" nodeType="clickEffect">
-                                  <p:stCondLst>
-                                    <p:cond delay="0"/>
-                                  </p:stCondLst>
-                                  <p:childTnLst>
-                                    <p:set>
-                                      <p:cBhvr>
-                                        <p:cTn id="6" dur="1" fill="hold">
-                                          <p:stCondLst>
-                                            <p:cond delay="0"/>
-                                          </p:stCondLst>
-                                        </p:cTn>
-                                        <p:tgtEl>
-                                          <p:spTgt spid="4">
-                                            <p:txEl>
-                                              <p:pRg st="0" end="0"/>
-                                            </p:txEl>
-                                          </p:spTgt>
-                                        </p:tgtEl>
-                                        <p:attrNameLst>
-                                          <p:attrName>style.visibility</p:attrName>
-                                        </p:attrNameLst>
-                                      </p:cBhvr>
-                                      <p:to>
-                                        <p:strVal val="visible"/>
-                                      </p:to>
-                                    </p:set>
-                                    <p:animEffect transition="in" filter="fade">
-                                      <p:cBhvr>
-                                        <p:cTn id="7" dur="500"/>
-                                        <p:tgtEl>
-                                          <p:spTgt spid="4">
-                                            <p:txEl>
-                                              <p:pRg st="0" end="0"/>
-                                            </p:txEl>
-                                          </p:spTgt>
-                                        </p:tgtEl>
-                                      </p:cBhvr>
-                                    </p:animEffect>
-                                  </p:childTnLst>
-                                </p:cTn>
-                              </p:par>
-                            </p:childTnLst>
-                          </p:cTn>
-                        </p:par>
-                      </p:childTnLst>
-                    </p:cTn>
-                  </p:par>
-                  <p:par>
-                    <p:cTn id="8" fill="hold">
-                      <p:stCondLst>
-                        <p:cond delay="indefinite"/>
-                      </p:stCondLst>
-                      <p:childTnLst>
-                        <p:par>
-                          <p:cTn id="9" fill="hold">
-                            <p:stCondLst>
-                              <p:cond delay="0"/>
-                            </p:stCondLst>
-                            <p:childTnLst>
-                              <p:par>
-                                <p:cTn id="10" presetID="10" presetClass="entr" presetSubtype="0" fill="hold" grpId="0" nodeType="clickEffect">
-                                  <p:stCondLst>
-                                    <p:cond delay="0"/>
-                                  </p:stCondLst>
-                                  <p:childTnLst>
-                                    <p:set>
-                                      <p:cBhvr>
-                                        <p:cTn id="11" dur="1" fill="hold">
-                                          <p:stCondLst>
-                                            <p:cond delay="0"/>
-                                          </p:stCondLst>
-                                        </p:cTn>
-                                        <p:tgtEl>
-                                          <p:spTgt spid="4">
-                                            <p:txEl>
-                                              <p:pRg st="1" end="1"/>
-                                            </p:txEl>
-                                          </p:spTgt>
-                                        </p:tgtEl>
-                                        <p:attrNameLst>
-                                          <p:attrName>style.visibility</p:attrName>
-                                        </p:attrNameLst>
-                                      </p:cBhvr>
-                                      <p:to>
-                                        <p:strVal val="visible"/>
-                                      </p:to>
-                                    </p:set>
-                                    <p:animEffect transition="in" filter="fade">
-                                      <p:cBhvr>
-                                        <p:cTn id="12" dur="500"/>
-                                        <p:tgtEl>
-                                          <p:spTgt spid="4">
-                                            <p:txEl>
-                                              <p:pRg st="1" end="1"/>
-                                            </p:txEl>
-                                          </p:spTgt>
-                                        </p:tgtEl>
-                                      </p:cBhvr>
-                                    </p:animEffect>
-                                  </p:childTnLst>
-                                </p:cTn>
-                              </p:par>
-                            </p:childTnLst>
-                          </p:cTn>
-                        </p:par>
-                      </p:childTnLst>
-                    </p:cTn>
-                  </p:par>
-                  <p:par>
-                    <p:cTn id="13" fill="hold">
-                      <p:stCondLst>
-                        <p:cond delay="indefinite"/>
-                      </p:stCondLst>
-                      <p:childTnLst>
-                        <p:par>
-                          <p:cTn id="14" fill="hold">
-                            <p:stCondLst>
-                              <p:cond delay="0"/>
-                            </p:stCondLst>
-                            <p:childTnLst>
-                              <p:par>
-                                <p:cTn id="15" presetID="10" presetClass="entr" presetSubtype="0" fill="hold" grpId="0" nodeType="clickEffect">
-                                  <p:stCondLst>
-                                    <p:cond delay="0"/>
-                                  </p:stCondLst>
-                                  <p:childTnLst>
-                                    <p:set>
-                                      <p:cBhvr>
-                                        <p:cTn id="16" dur="1" fill="hold">
-                                          <p:stCondLst>
-                                            <p:cond delay="0"/>
-                                          </p:stCondLst>
-                                        </p:cTn>
-                                        <p:tgtEl>
-                                          <p:spTgt spid="4">
-                                            <p:txEl>
-                                              <p:pRg st="2" end="2"/>
-                                            </p:txEl>
-                                          </p:spTgt>
-                                        </p:tgtEl>
-                                        <p:attrNameLst>
-                                          <p:attrName>style.visibility</p:attrName>
-                                        </p:attrNameLst>
-                                      </p:cBhvr>
-                                      <p:to>
-                                        <p:strVal val="visible"/>
-                                      </p:to>
-                                    </p:set>
-                                    <p:animEffect transition="in" filter="fade">
-                                      <p:cBhvr>
-                                        <p:cTn id="17" dur="500"/>
-                                        <p:tgtEl>
-                                          <p:spTgt spid="4">
-                                            <p:txEl>
-                                              <p:pRg st="2" end="2"/>
-                                            </p:txEl>
-                                          </p:spTgt>
-                                        </p:tgtEl>
-                                      </p:cBhvr>
-                                    </p:animEffect>
-                                  </p:childTnLst>
-                                </p:cTn>
-                              </p:par>
-                            </p:childTnLst>
-                          </p:cTn>
-                        </p:par>
-                      </p:childTnLst>
-                    </p:cTn>
-                  </p:par>
-                </p:childTnLst>
-              </p:cTn>
-              <p:prevCondLst>
-                <p:cond evt="onPrev" delay="0">
-                  <p:tgtEl>
-                    <p:sldTgt/>
-                  </p:tgtEl>
-                </p:cond>
-              </p:prevCondLst>
-              <p:nextCondLst>
-                <p:cond evt="onNext" delay="0">
-                  <p:tgtEl>
-                    <p:sldTgt/>
-                  </p:tgtEl>
-                </p:cond>
-              </p:nextCondLst>
-            </p:seq>
-          </p:childTnLst>
-        </p:cTn>
-      </p:par>
-    </p:tnLst>
-    <p:bldLst>
-      <p:bldP spid="4" grpId="0" build="p"/>
     </p:bldLst>
   </p:timing>
 </p:sld>
